--- a/docs/kNN & Naïve Bayes.pptx
+++ b/docs/kNN & Naïve Bayes.pptx
@@ -5,7 +5,7 @@
     <p:sldMasterId id="2147483660" r:id="rId1"/>
   </p:sldMasterIdLst>
   <p:notesMasterIdLst>
-    <p:notesMasterId r:id="rId38"/>
+    <p:notesMasterId r:id="rId40"/>
   </p:notesMasterIdLst>
   <p:sldIdLst>
     <p:sldId id="256" r:id="rId2"/>
@@ -21,29 +21,31 @@
     <p:sldId id="265" r:id="rId12"/>
     <p:sldId id="275" r:id="rId13"/>
     <p:sldId id="268" r:id="rId14"/>
-    <p:sldId id="269" r:id="rId15"/>
-    <p:sldId id="270" r:id="rId16"/>
-    <p:sldId id="271" r:id="rId17"/>
-    <p:sldId id="272" r:id="rId18"/>
-    <p:sldId id="273" r:id="rId19"/>
-    <p:sldId id="274" r:id="rId20"/>
-    <p:sldId id="276" r:id="rId21"/>
-    <p:sldId id="266" r:id="rId22"/>
-    <p:sldId id="267" r:id="rId23"/>
-    <p:sldId id="278" r:id="rId24"/>
-    <p:sldId id="280" r:id="rId25"/>
-    <p:sldId id="281" r:id="rId26"/>
-    <p:sldId id="282" r:id="rId27"/>
-    <p:sldId id="283" r:id="rId28"/>
-    <p:sldId id="284" r:id="rId29"/>
-    <p:sldId id="292" r:id="rId30"/>
-    <p:sldId id="285" r:id="rId31"/>
-    <p:sldId id="288" r:id="rId32"/>
-    <p:sldId id="291" r:id="rId33"/>
-    <p:sldId id="286" r:id="rId34"/>
-    <p:sldId id="287" r:id="rId35"/>
-    <p:sldId id="290" r:id="rId36"/>
-    <p:sldId id="289" r:id="rId37"/>
+    <p:sldId id="295" r:id="rId15"/>
+    <p:sldId id="296" r:id="rId16"/>
+    <p:sldId id="270" r:id="rId17"/>
+    <p:sldId id="271" r:id="rId18"/>
+    <p:sldId id="272" r:id="rId19"/>
+    <p:sldId id="273" r:id="rId20"/>
+    <p:sldId id="274" r:id="rId21"/>
+    <p:sldId id="276" r:id="rId22"/>
+    <p:sldId id="266" r:id="rId23"/>
+    <p:sldId id="267" r:id="rId24"/>
+    <p:sldId id="278" r:id="rId25"/>
+    <p:sldId id="280" r:id="rId26"/>
+    <p:sldId id="281" r:id="rId27"/>
+    <p:sldId id="282" r:id="rId28"/>
+    <p:sldId id="283" r:id="rId29"/>
+    <p:sldId id="284" r:id="rId30"/>
+    <p:sldId id="292" r:id="rId31"/>
+    <p:sldId id="285" r:id="rId32"/>
+    <p:sldId id="288" r:id="rId33"/>
+    <p:sldId id="291" r:id="rId34"/>
+    <p:sldId id="286" r:id="rId35"/>
+    <p:sldId id="287" r:id="rId36"/>
+    <p:sldId id="290" r:id="rId37"/>
+    <p:sldId id="289" r:id="rId38"/>
+    <p:sldId id="294" r:id="rId39"/>
   </p:sldIdLst>
   <p:sldSz cx="9144000" cy="6858000" type="screen4x3"/>
   <p:notesSz cx="6858000" cy="9144000"/>
@@ -243,7 +245,7 @@
           <a:p>
             <a:fld id="{9A2D3781-CE78-4015-89C7-4E1DF9CFA5A2}" type="datetimeFigureOut">
               <a:rPr lang="en-US" smtClean="0"/>
-              <a:t>3/30/2015</a:t>
+              <a:t>4/1/2015</a:t>
             </a:fld>
             <a:endParaRPr lang="en-US"/>
           </a:p>
@@ -5570,46 +5572,6 @@
             </a:r>
             <a:endParaRPr lang="en-US" dirty="0" smtClean="0"/>
           </a:p>
-          <a:p>
-            <a:pPr lvl="1"/>
-            <a:r>
-              <a:rPr lang="en-US" dirty="0" smtClean="0"/>
-              <a:t>Parallelize the computation</a:t>
-            </a:r>
-          </a:p>
-          <a:p>
-            <a:pPr lvl="2"/>
-            <a:r>
-              <a:rPr lang="en-US" dirty="0" smtClean="0"/>
-              <a:t>Map-Reduce</a:t>
-            </a:r>
-          </a:p>
-          <a:p>
-            <a:pPr lvl="3"/>
-            <a:r>
-              <a:rPr lang="en-US" dirty="0" smtClean="0"/>
-              <a:t>Map </a:t>
-            </a:r>
-            <a:r>
-              <a:rPr lang="en-US" dirty="0" smtClean="0"/>
-              <a:t>training/testing </a:t>
-            </a:r>
-            <a:r>
-              <a:rPr lang="en-US" dirty="0" smtClean="0"/>
-              <a:t>data onto different reducers</a:t>
-            </a:r>
-          </a:p>
-          <a:p>
-            <a:pPr lvl="3"/>
-            <a:r>
-              <a:rPr lang="en-US" dirty="0" smtClean="0"/>
-              <a:t>Merge the nearest k neighbors from the reducers</a:t>
-            </a:r>
-          </a:p>
-          <a:p>
-            <a:pPr lvl="2"/>
-            <a:endParaRPr lang="en-US" dirty="0"/>
-          </a:p>
         </p:txBody>
       </p:sp>
       <p:sp>
@@ -5681,10 +5643,943 @@
           </a:p>
         </p:txBody>
       </p:sp>
+      <p:graphicFrame>
+        <p:nvGraphicFramePr>
+          <p:cNvPr id="7" name="Table 6"/>
+          <p:cNvGraphicFramePr>
+            <a:graphicFrameLocks noGrp="1"/>
+          </p:cNvGraphicFramePr>
+          <p:nvPr>
+            <p:extLst>
+              <p:ext uri="{D42A27DB-BD31-4B8C-83A1-F6EECF244321}">
+                <p14:modId xmlns:p14="http://schemas.microsoft.com/office/powerpoint/2010/main" val="643823964"/>
+              </p:ext>
+            </p:extLst>
+          </p:nvPr>
+        </p:nvGraphicFramePr>
+        <p:xfrm>
+          <a:off x="2642616" y="4393238"/>
+          <a:ext cx="1282700" cy="1828800"/>
+        </p:xfrm>
+        <a:graphic>
+          <a:graphicData uri="http://schemas.openxmlformats.org/drawingml/2006/table">
+            <a:tbl>
+              <a:tblPr firstRow="1" bandRow="1">
+                <a:tableStyleId>{5940675A-B579-460E-94D1-54222C63F5DA}</a:tableStyleId>
+              </a:tblPr>
+              <a:tblGrid>
+                <a:gridCol w="1282700"/>
+              </a:tblGrid>
+              <a:tr h="365760">
+                <a:tc>
+                  <a:txBody>
+                    <a:bodyPr/>
+                    <a:lstStyle/>
+                    <a:p>
+                      <a:pPr algn="ctr" rtl="0" fontAlgn="ctr"/>
+                      <a:r>
+                        <a:rPr lang="en-US" sz="1800" u="none" strike="noStrike" dirty="0">
+                          <a:effectLst/>
+                        </a:rPr>
+                        <a:t>information</a:t>
+                      </a:r>
+                      <a:endParaRPr lang="en-US" sz="1800" b="0" i="0" u="none" strike="noStrike" dirty="0">
+                        <a:solidFill>
+                          <a:srgbClr val="000000"/>
+                        </a:solidFill>
+                        <a:effectLst/>
+                        <a:latin typeface="Calibri"/>
+                      </a:endParaRPr>
+                    </a:p>
+                  </a:txBody>
+                  <a:tcPr marL="9525" marR="9525" marT="9525" marB="0" anchor="ctr"/>
+                </a:tc>
+              </a:tr>
+              <a:tr h="365760">
+                <a:tc>
+                  <a:txBody>
+                    <a:bodyPr/>
+                    <a:lstStyle/>
+                    <a:p>
+                      <a:pPr algn="ctr" rtl="0" fontAlgn="ctr"/>
+                      <a:r>
+                        <a:rPr lang="en-US" sz="1800" u="none" strike="noStrike">
+                          <a:effectLst/>
+                        </a:rPr>
+                        <a:t>retrieval</a:t>
+                      </a:r>
+                      <a:endParaRPr lang="en-US" sz="1800" b="0" i="0" u="none" strike="noStrike">
+                        <a:solidFill>
+                          <a:srgbClr val="000000"/>
+                        </a:solidFill>
+                        <a:effectLst/>
+                        <a:latin typeface="Calibri"/>
+                      </a:endParaRPr>
+                    </a:p>
+                  </a:txBody>
+                  <a:tcPr marL="9525" marR="9525" marT="9525" marB="0" anchor="ctr"/>
+                </a:tc>
+              </a:tr>
+              <a:tr h="365760">
+                <a:tc>
+                  <a:txBody>
+                    <a:bodyPr/>
+                    <a:lstStyle/>
+                    <a:p>
+                      <a:pPr algn="ctr" rtl="0" fontAlgn="ctr"/>
+                      <a:r>
+                        <a:rPr lang="en-US" sz="1800" u="none" strike="noStrike">
+                          <a:effectLst/>
+                        </a:rPr>
+                        <a:t>retrieved</a:t>
+                      </a:r>
+                      <a:endParaRPr lang="en-US" sz="1800" b="0" i="0" u="none" strike="noStrike">
+                        <a:solidFill>
+                          <a:srgbClr val="000000"/>
+                        </a:solidFill>
+                        <a:effectLst/>
+                        <a:latin typeface="Calibri"/>
+                      </a:endParaRPr>
+                    </a:p>
+                  </a:txBody>
+                  <a:tcPr marL="9525" marR="9525" marT="9525" marB="0" anchor="ctr"/>
+                </a:tc>
+              </a:tr>
+              <a:tr h="365760">
+                <a:tc>
+                  <a:txBody>
+                    <a:bodyPr/>
+                    <a:lstStyle/>
+                    <a:p>
+                      <a:pPr algn="ctr" rtl="0" fontAlgn="ctr"/>
+                      <a:r>
+                        <a:rPr lang="en-US" sz="1800" u="none" strike="noStrike">
+                          <a:effectLst/>
+                        </a:rPr>
+                        <a:t>is</a:t>
+                      </a:r>
+                      <a:endParaRPr lang="en-US" sz="1800" b="0" i="0" u="none" strike="noStrike">
+                        <a:solidFill>
+                          <a:srgbClr val="000000"/>
+                        </a:solidFill>
+                        <a:effectLst/>
+                        <a:latin typeface="Calibri"/>
+                      </a:endParaRPr>
+                    </a:p>
+                  </a:txBody>
+                  <a:tcPr marL="9525" marR="9525" marT="9525" marB="0" anchor="ctr"/>
+                </a:tc>
+              </a:tr>
+              <a:tr h="365760">
+                <a:tc>
+                  <a:txBody>
+                    <a:bodyPr/>
+                    <a:lstStyle/>
+                    <a:p>
+                      <a:pPr algn="ctr" rtl="0" fontAlgn="ctr"/>
+                      <a:r>
+                        <a:rPr lang="en-US" sz="1800" u="none" strike="noStrike" dirty="0">
+                          <a:effectLst/>
+                        </a:rPr>
+                        <a:t>helpful</a:t>
+                      </a:r>
+                      <a:endParaRPr lang="en-US" sz="1800" b="0" i="0" u="none" strike="noStrike" dirty="0">
+                        <a:solidFill>
+                          <a:srgbClr val="000000"/>
+                        </a:solidFill>
+                        <a:effectLst/>
+                        <a:latin typeface="Calibri"/>
+                      </a:endParaRPr>
+                    </a:p>
+                  </a:txBody>
+                  <a:tcPr marL="9525" marR="9525" marT="9525" marB="0" anchor="ctr"/>
+                </a:tc>
+              </a:tr>
+            </a:tbl>
+          </a:graphicData>
+        </a:graphic>
+      </p:graphicFrame>
+      <p:graphicFrame>
+        <p:nvGraphicFramePr>
+          <p:cNvPr id="8" name="Table 7"/>
+          <p:cNvGraphicFramePr>
+            <a:graphicFrameLocks noGrp="1"/>
+          </p:cNvGraphicFramePr>
+          <p:nvPr>
+            <p:extLst>
+              <p:ext uri="{D42A27DB-BD31-4B8C-83A1-F6EECF244321}">
+                <p14:modId xmlns:p14="http://schemas.microsoft.com/office/powerpoint/2010/main" val="747834055"/>
+              </p:ext>
+            </p:extLst>
+          </p:nvPr>
+        </p:nvGraphicFramePr>
+        <p:xfrm>
+          <a:off x="4319016" y="4393238"/>
+          <a:ext cx="609600" cy="283845"/>
+        </p:xfrm>
+        <a:graphic>
+          <a:graphicData uri="http://schemas.openxmlformats.org/drawingml/2006/table">
+            <a:tbl>
+              <a:tblPr firstRow="1" bandRow="1">
+                <a:tableStyleId>{5940675A-B579-460E-94D1-54222C63F5DA}</a:tableStyleId>
+              </a:tblPr>
+              <a:tblGrid>
+                <a:gridCol w="609600"/>
+              </a:tblGrid>
+              <a:tr h="255270">
+                <a:tc>
+                  <a:txBody>
+                    <a:bodyPr/>
+                    <a:lstStyle/>
+                    <a:p>
+                      <a:pPr algn="ctr" rtl="0" fontAlgn="ctr"/>
+                      <a:r>
+                        <a:rPr lang="en-US" sz="1800" u="none" strike="noStrike" dirty="0">
+                          <a:effectLst/>
+                        </a:rPr>
+                        <a:t>Doc1</a:t>
+                      </a:r>
+                      <a:endParaRPr lang="en-US" sz="1800" b="0" i="0" u="none" strike="noStrike" dirty="0">
+                        <a:solidFill>
+                          <a:srgbClr val="000000"/>
+                        </a:solidFill>
+                        <a:effectLst/>
+                        <a:latin typeface="Calibri"/>
+                      </a:endParaRPr>
+                    </a:p>
+                  </a:txBody>
+                  <a:tcPr marL="9525" marR="9525" marT="9525" marB="0" anchor="ctr"/>
+                </a:tc>
+              </a:tr>
+            </a:tbl>
+          </a:graphicData>
+        </a:graphic>
+      </p:graphicFrame>
+      <p:graphicFrame>
+        <p:nvGraphicFramePr>
+          <p:cNvPr id="9" name="Table 8"/>
+          <p:cNvGraphicFramePr>
+            <a:graphicFrameLocks noGrp="1"/>
+          </p:cNvGraphicFramePr>
+          <p:nvPr>
+            <p:extLst>
+              <p:ext uri="{D42A27DB-BD31-4B8C-83A1-F6EECF244321}">
+                <p14:modId xmlns:p14="http://schemas.microsoft.com/office/powerpoint/2010/main" val="2771202714"/>
+              </p:ext>
+            </p:extLst>
+          </p:nvPr>
+        </p:nvGraphicFramePr>
+        <p:xfrm>
+          <a:off x="5233416" y="4393238"/>
+          <a:ext cx="609600" cy="283845"/>
+        </p:xfrm>
+        <a:graphic>
+          <a:graphicData uri="http://schemas.openxmlformats.org/drawingml/2006/table">
+            <a:tbl>
+              <a:tblPr firstRow="1" bandRow="1">
+                <a:tableStyleId>{5940675A-B579-460E-94D1-54222C63F5DA}</a:tableStyleId>
+              </a:tblPr>
+              <a:tblGrid>
+                <a:gridCol w="609600"/>
+              </a:tblGrid>
+              <a:tr h="255270">
+                <a:tc>
+                  <a:txBody>
+                    <a:bodyPr/>
+                    <a:lstStyle/>
+                    <a:p>
+                      <a:pPr algn="ctr" rtl="0" fontAlgn="ctr"/>
+                      <a:r>
+                        <a:rPr lang="en-US" sz="1800" u="none" strike="noStrike" dirty="0">
+                          <a:effectLst/>
+                        </a:rPr>
+                        <a:t>Doc2</a:t>
+                      </a:r>
+                      <a:endParaRPr lang="en-US" sz="1800" b="0" i="0" u="none" strike="noStrike" dirty="0">
+                        <a:solidFill>
+                          <a:srgbClr val="000000"/>
+                        </a:solidFill>
+                        <a:effectLst/>
+                        <a:latin typeface="Calibri"/>
+                      </a:endParaRPr>
+                    </a:p>
+                  </a:txBody>
+                  <a:tcPr marL="9525" marR="9525" marT="9525" marB="0" anchor="ctr"/>
+                </a:tc>
+              </a:tr>
+            </a:tbl>
+          </a:graphicData>
+        </a:graphic>
+      </p:graphicFrame>
+      <p:graphicFrame>
+        <p:nvGraphicFramePr>
+          <p:cNvPr id="10" name="Table 9"/>
+          <p:cNvGraphicFramePr>
+            <a:graphicFrameLocks noGrp="1"/>
+          </p:cNvGraphicFramePr>
+          <p:nvPr>
+            <p:extLst>
+              <p:ext uri="{D42A27DB-BD31-4B8C-83A1-F6EECF244321}">
+                <p14:modId xmlns:p14="http://schemas.microsoft.com/office/powerpoint/2010/main" val="3338555966"/>
+              </p:ext>
+            </p:extLst>
+          </p:nvPr>
+        </p:nvGraphicFramePr>
+        <p:xfrm>
+          <a:off x="4319016" y="4774238"/>
+          <a:ext cx="609600" cy="283845"/>
+        </p:xfrm>
+        <a:graphic>
+          <a:graphicData uri="http://schemas.openxmlformats.org/drawingml/2006/table">
+            <a:tbl>
+              <a:tblPr firstRow="1" bandRow="1">
+                <a:tableStyleId>{5940675A-B579-460E-94D1-54222C63F5DA}</a:tableStyleId>
+              </a:tblPr>
+              <a:tblGrid>
+                <a:gridCol w="609600"/>
+              </a:tblGrid>
+              <a:tr h="255270">
+                <a:tc>
+                  <a:txBody>
+                    <a:bodyPr/>
+                    <a:lstStyle/>
+                    <a:p>
+                      <a:pPr algn="ctr" rtl="0" fontAlgn="ctr"/>
+                      <a:r>
+                        <a:rPr lang="en-US" sz="1800" u="none" strike="noStrike" dirty="0">
+                          <a:effectLst/>
+                        </a:rPr>
+                        <a:t>Doc1</a:t>
+                      </a:r>
+                      <a:endParaRPr lang="en-US" sz="1800" b="0" i="0" u="none" strike="noStrike" dirty="0">
+                        <a:solidFill>
+                          <a:srgbClr val="000000"/>
+                        </a:solidFill>
+                        <a:effectLst/>
+                        <a:latin typeface="Calibri"/>
+                      </a:endParaRPr>
+                    </a:p>
+                  </a:txBody>
+                  <a:tcPr marL="9525" marR="9525" marT="9525" marB="0" anchor="ctr"/>
+                </a:tc>
+              </a:tr>
+            </a:tbl>
+          </a:graphicData>
+        </a:graphic>
+      </p:graphicFrame>
+      <p:graphicFrame>
+        <p:nvGraphicFramePr>
+          <p:cNvPr id="11" name="Table 10"/>
+          <p:cNvGraphicFramePr>
+            <a:graphicFrameLocks noGrp="1"/>
+          </p:cNvGraphicFramePr>
+          <p:nvPr>
+            <p:extLst>
+              <p:ext uri="{D42A27DB-BD31-4B8C-83A1-F6EECF244321}">
+                <p14:modId xmlns:p14="http://schemas.microsoft.com/office/powerpoint/2010/main" val="1564228624"/>
+              </p:ext>
+            </p:extLst>
+          </p:nvPr>
+        </p:nvGraphicFramePr>
+        <p:xfrm>
+          <a:off x="4319016" y="5155238"/>
+          <a:ext cx="609600" cy="283845"/>
+        </p:xfrm>
+        <a:graphic>
+          <a:graphicData uri="http://schemas.openxmlformats.org/drawingml/2006/table">
+            <a:tbl>
+              <a:tblPr firstRow="1" bandRow="1">
+                <a:tableStyleId>{5940675A-B579-460E-94D1-54222C63F5DA}</a:tableStyleId>
+              </a:tblPr>
+              <a:tblGrid>
+                <a:gridCol w="609600"/>
+              </a:tblGrid>
+              <a:tr h="255270">
+                <a:tc>
+                  <a:txBody>
+                    <a:bodyPr/>
+                    <a:lstStyle/>
+                    <a:p>
+                      <a:pPr algn="ctr" rtl="0" fontAlgn="ctr"/>
+                      <a:r>
+                        <a:rPr lang="en-US" sz="1800" u="none" strike="noStrike" dirty="0" smtClean="0">
+                          <a:effectLst/>
+                        </a:rPr>
+                        <a:t>Doc2</a:t>
+                      </a:r>
+                      <a:endParaRPr lang="en-US" sz="1800" b="0" i="0" u="none" strike="noStrike" dirty="0">
+                        <a:solidFill>
+                          <a:srgbClr val="000000"/>
+                        </a:solidFill>
+                        <a:effectLst/>
+                        <a:latin typeface="Calibri"/>
+                      </a:endParaRPr>
+                    </a:p>
+                  </a:txBody>
+                  <a:tcPr marL="9525" marR="9525" marT="9525" marB="0" anchor="ctr"/>
+                </a:tc>
+              </a:tr>
+            </a:tbl>
+          </a:graphicData>
+        </a:graphic>
+      </p:graphicFrame>
+      <p:graphicFrame>
+        <p:nvGraphicFramePr>
+          <p:cNvPr id="12" name="Table 11"/>
+          <p:cNvGraphicFramePr>
+            <a:graphicFrameLocks noGrp="1"/>
+          </p:cNvGraphicFramePr>
+          <p:nvPr>
+            <p:extLst>
+              <p:ext uri="{D42A27DB-BD31-4B8C-83A1-F6EECF244321}">
+                <p14:modId xmlns:p14="http://schemas.microsoft.com/office/powerpoint/2010/main" val="874634159"/>
+              </p:ext>
+            </p:extLst>
+          </p:nvPr>
+        </p:nvGraphicFramePr>
+        <p:xfrm>
+          <a:off x="4319016" y="5536238"/>
+          <a:ext cx="609600" cy="283845"/>
+        </p:xfrm>
+        <a:graphic>
+          <a:graphicData uri="http://schemas.openxmlformats.org/drawingml/2006/table">
+            <a:tbl>
+              <a:tblPr firstRow="1" bandRow="1">
+                <a:tableStyleId>{5940675A-B579-460E-94D1-54222C63F5DA}</a:tableStyleId>
+              </a:tblPr>
+              <a:tblGrid>
+                <a:gridCol w="609600"/>
+              </a:tblGrid>
+              <a:tr h="255270">
+                <a:tc>
+                  <a:txBody>
+                    <a:bodyPr/>
+                    <a:lstStyle/>
+                    <a:p>
+                      <a:pPr algn="ctr" rtl="0" fontAlgn="ctr"/>
+                      <a:r>
+                        <a:rPr lang="en-US" sz="1800" u="none" strike="noStrike" dirty="0">
+                          <a:effectLst/>
+                        </a:rPr>
+                        <a:t>Doc1</a:t>
+                      </a:r>
+                      <a:endParaRPr lang="en-US" sz="1800" b="0" i="0" u="none" strike="noStrike" dirty="0">
+                        <a:solidFill>
+                          <a:srgbClr val="000000"/>
+                        </a:solidFill>
+                        <a:effectLst/>
+                        <a:latin typeface="Calibri"/>
+                      </a:endParaRPr>
+                    </a:p>
+                  </a:txBody>
+                  <a:tcPr marL="9525" marR="9525" marT="9525" marB="0" anchor="ctr"/>
+                </a:tc>
+              </a:tr>
+            </a:tbl>
+          </a:graphicData>
+        </a:graphic>
+      </p:graphicFrame>
+      <p:graphicFrame>
+        <p:nvGraphicFramePr>
+          <p:cNvPr id="13" name="Table 12"/>
+          <p:cNvGraphicFramePr>
+            <a:graphicFrameLocks noGrp="1"/>
+          </p:cNvGraphicFramePr>
+          <p:nvPr>
+            <p:extLst>
+              <p:ext uri="{D42A27DB-BD31-4B8C-83A1-F6EECF244321}">
+                <p14:modId xmlns:p14="http://schemas.microsoft.com/office/powerpoint/2010/main" val="1230338712"/>
+              </p:ext>
+            </p:extLst>
+          </p:nvPr>
+        </p:nvGraphicFramePr>
+        <p:xfrm>
+          <a:off x="5233416" y="5536238"/>
+          <a:ext cx="609600" cy="283845"/>
+        </p:xfrm>
+        <a:graphic>
+          <a:graphicData uri="http://schemas.openxmlformats.org/drawingml/2006/table">
+            <a:tbl>
+              <a:tblPr firstRow="1" bandRow="1">
+                <a:tableStyleId>{5940675A-B579-460E-94D1-54222C63F5DA}</a:tableStyleId>
+              </a:tblPr>
+              <a:tblGrid>
+                <a:gridCol w="609600"/>
+              </a:tblGrid>
+              <a:tr h="255270">
+                <a:tc>
+                  <a:txBody>
+                    <a:bodyPr/>
+                    <a:lstStyle/>
+                    <a:p>
+                      <a:pPr algn="ctr" rtl="0" fontAlgn="ctr"/>
+                      <a:r>
+                        <a:rPr lang="en-US" sz="1800" u="none" strike="noStrike" dirty="0">
+                          <a:effectLst/>
+                        </a:rPr>
+                        <a:t>Doc2</a:t>
+                      </a:r>
+                      <a:endParaRPr lang="en-US" sz="1800" b="0" i="0" u="none" strike="noStrike" dirty="0">
+                        <a:solidFill>
+                          <a:srgbClr val="000000"/>
+                        </a:solidFill>
+                        <a:effectLst/>
+                        <a:latin typeface="Calibri"/>
+                      </a:endParaRPr>
+                    </a:p>
+                  </a:txBody>
+                  <a:tcPr marL="9525" marR="9525" marT="9525" marB="0" anchor="ctr"/>
+                </a:tc>
+              </a:tr>
+            </a:tbl>
+          </a:graphicData>
+        </a:graphic>
+      </p:graphicFrame>
+      <p:graphicFrame>
+        <p:nvGraphicFramePr>
+          <p:cNvPr id="14" name="Table 13"/>
+          <p:cNvGraphicFramePr>
+            <a:graphicFrameLocks noGrp="1"/>
+          </p:cNvGraphicFramePr>
+          <p:nvPr>
+            <p:extLst>
+              <p:ext uri="{D42A27DB-BD31-4B8C-83A1-F6EECF244321}">
+                <p14:modId xmlns:p14="http://schemas.microsoft.com/office/powerpoint/2010/main" val="903949198"/>
+              </p:ext>
+            </p:extLst>
+          </p:nvPr>
+        </p:nvGraphicFramePr>
+        <p:xfrm>
+          <a:off x="4319016" y="5917238"/>
+          <a:ext cx="609600" cy="283845"/>
+        </p:xfrm>
+        <a:graphic>
+          <a:graphicData uri="http://schemas.openxmlformats.org/drawingml/2006/table">
+            <a:tbl>
+              <a:tblPr firstRow="1" bandRow="1">
+                <a:tableStyleId>{5940675A-B579-460E-94D1-54222C63F5DA}</a:tableStyleId>
+              </a:tblPr>
+              <a:tblGrid>
+                <a:gridCol w="609600"/>
+              </a:tblGrid>
+              <a:tr h="255270">
+                <a:tc>
+                  <a:txBody>
+                    <a:bodyPr/>
+                    <a:lstStyle/>
+                    <a:p>
+                      <a:pPr algn="ctr" rtl="0" fontAlgn="ctr"/>
+                      <a:r>
+                        <a:rPr lang="en-US" sz="1800" u="none" strike="noStrike" dirty="0">
+                          <a:effectLst/>
+                        </a:rPr>
+                        <a:t>Doc1</a:t>
+                      </a:r>
+                      <a:endParaRPr lang="en-US" sz="1800" b="0" i="0" u="none" strike="noStrike" dirty="0">
+                        <a:solidFill>
+                          <a:srgbClr val="000000"/>
+                        </a:solidFill>
+                        <a:effectLst/>
+                        <a:latin typeface="Calibri"/>
+                      </a:endParaRPr>
+                    </a:p>
+                  </a:txBody>
+                  <a:tcPr marL="9525" marR="9525" marT="9525" marB="0" anchor="ctr"/>
+                </a:tc>
+              </a:tr>
+            </a:tbl>
+          </a:graphicData>
+        </a:graphic>
+      </p:graphicFrame>
+      <p:graphicFrame>
+        <p:nvGraphicFramePr>
+          <p:cNvPr id="15" name="Table 14"/>
+          <p:cNvGraphicFramePr>
+            <a:graphicFrameLocks noGrp="1"/>
+          </p:cNvGraphicFramePr>
+          <p:nvPr>
+            <p:extLst>
+              <p:ext uri="{D42A27DB-BD31-4B8C-83A1-F6EECF244321}">
+                <p14:modId xmlns:p14="http://schemas.microsoft.com/office/powerpoint/2010/main" val="2918282249"/>
+              </p:ext>
+            </p:extLst>
+          </p:nvPr>
+        </p:nvGraphicFramePr>
+        <p:xfrm>
+          <a:off x="5233416" y="5917238"/>
+          <a:ext cx="609600" cy="283845"/>
+        </p:xfrm>
+        <a:graphic>
+          <a:graphicData uri="http://schemas.openxmlformats.org/drawingml/2006/table">
+            <a:tbl>
+              <a:tblPr firstRow="1" bandRow="1">
+                <a:tableStyleId>{5940675A-B579-460E-94D1-54222C63F5DA}</a:tableStyleId>
+              </a:tblPr>
+              <a:tblGrid>
+                <a:gridCol w="609600"/>
+              </a:tblGrid>
+              <a:tr h="255270">
+                <a:tc>
+                  <a:txBody>
+                    <a:bodyPr/>
+                    <a:lstStyle/>
+                    <a:p>
+                      <a:pPr algn="ctr" rtl="0" fontAlgn="ctr"/>
+                      <a:r>
+                        <a:rPr lang="en-US" sz="1800" u="none" strike="noStrike" dirty="0">
+                          <a:effectLst/>
+                        </a:rPr>
+                        <a:t>Doc2</a:t>
+                      </a:r>
+                      <a:endParaRPr lang="en-US" sz="1800" b="0" i="0" u="none" strike="noStrike" dirty="0">
+                        <a:solidFill>
+                          <a:srgbClr val="000000"/>
+                        </a:solidFill>
+                        <a:effectLst/>
+                        <a:latin typeface="Calibri"/>
+                      </a:endParaRPr>
+                    </a:p>
+                  </a:txBody>
+                  <a:tcPr marL="9525" marR="9525" marT="9525" marB="0" anchor="ctr"/>
+                </a:tc>
+              </a:tr>
+            </a:tbl>
+          </a:graphicData>
+        </a:graphic>
+      </p:graphicFrame>
+      <p:cxnSp>
+        <p:nvCxnSpPr>
+          <p:cNvPr id="20" name="Straight Arrow Connector 19"/>
+          <p:cNvCxnSpPr>
+            <a:endCxn id="8" idx="1"/>
+          </p:cNvCxnSpPr>
+          <p:nvPr/>
+        </p:nvCxnSpPr>
+        <p:spPr>
+          <a:xfrm flipV="1">
+            <a:off x="3938016" y="4535160"/>
+            <a:ext cx="381000" cy="10478"/>
+          </a:xfrm>
+          <a:prstGeom prst="straightConnector1">
+            <a:avLst/>
+          </a:prstGeom>
+          <a:ln w="19050">
+            <a:tailEnd type="arrow"/>
+          </a:ln>
+        </p:spPr>
+        <p:style>
+          <a:lnRef idx="1">
+            <a:schemeClr val="accent1"/>
+          </a:lnRef>
+          <a:fillRef idx="0">
+            <a:schemeClr val="accent1"/>
+          </a:fillRef>
+          <a:effectRef idx="0">
+            <a:schemeClr val="accent1"/>
+          </a:effectRef>
+          <a:fontRef idx="minor">
+            <a:schemeClr val="tx1"/>
+          </a:fontRef>
+        </p:style>
+      </p:cxnSp>
+      <p:cxnSp>
+        <p:nvCxnSpPr>
+          <p:cNvPr id="21" name="Straight Arrow Connector 20"/>
+          <p:cNvCxnSpPr>
+            <a:stCxn id="8" idx="3"/>
+            <a:endCxn id="9" idx="1"/>
+          </p:cNvCxnSpPr>
+          <p:nvPr/>
+        </p:nvCxnSpPr>
+        <p:spPr>
+          <a:xfrm>
+            <a:off x="4928616" y="4535160"/>
+            <a:ext cx="304800" cy="0"/>
+          </a:xfrm>
+          <a:prstGeom prst="straightConnector1">
+            <a:avLst/>
+          </a:prstGeom>
+          <a:ln w="19050">
+            <a:tailEnd type="arrow"/>
+          </a:ln>
+        </p:spPr>
+        <p:style>
+          <a:lnRef idx="1">
+            <a:schemeClr val="accent1"/>
+          </a:lnRef>
+          <a:fillRef idx="0">
+            <a:schemeClr val="accent1"/>
+          </a:fillRef>
+          <a:effectRef idx="0">
+            <a:schemeClr val="accent1"/>
+          </a:effectRef>
+          <a:fontRef idx="minor">
+            <a:schemeClr val="tx1"/>
+          </a:fontRef>
+        </p:style>
+      </p:cxnSp>
+      <p:cxnSp>
+        <p:nvCxnSpPr>
+          <p:cNvPr id="22" name="Straight Arrow Connector 21"/>
+          <p:cNvCxnSpPr/>
+          <p:nvPr/>
+        </p:nvCxnSpPr>
+        <p:spPr>
+          <a:xfrm flipV="1">
+            <a:off x="3938016" y="4926638"/>
+            <a:ext cx="381000" cy="10478"/>
+          </a:xfrm>
+          <a:prstGeom prst="straightConnector1">
+            <a:avLst/>
+          </a:prstGeom>
+          <a:ln w="19050">
+            <a:tailEnd type="arrow"/>
+          </a:ln>
+        </p:spPr>
+        <p:style>
+          <a:lnRef idx="1">
+            <a:schemeClr val="accent1"/>
+          </a:lnRef>
+          <a:fillRef idx="0">
+            <a:schemeClr val="accent1"/>
+          </a:fillRef>
+          <a:effectRef idx="0">
+            <a:schemeClr val="accent1"/>
+          </a:effectRef>
+          <a:fontRef idx="minor">
+            <a:schemeClr val="tx1"/>
+          </a:fontRef>
+        </p:style>
+      </p:cxnSp>
+      <p:cxnSp>
+        <p:nvCxnSpPr>
+          <p:cNvPr id="23" name="Straight Arrow Connector 22"/>
+          <p:cNvCxnSpPr/>
+          <p:nvPr/>
+        </p:nvCxnSpPr>
+        <p:spPr>
+          <a:xfrm flipV="1">
+            <a:off x="3938016" y="5307638"/>
+            <a:ext cx="381000" cy="10478"/>
+          </a:xfrm>
+          <a:prstGeom prst="straightConnector1">
+            <a:avLst/>
+          </a:prstGeom>
+          <a:ln w="19050">
+            <a:tailEnd type="arrow"/>
+          </a:ln>
+        </p:spPr>
+        <p:style>
+          <a:lnRef idx="1">
+            <a:schemeClr val="accent1"/>
+          </a:lnRef>
+          <a:fillRef idx="0">
+            <a:schemeClr val="accent1"/>
+          </a:fillRef>
+          <a:effectRef idx="0">
+            <a:schemeClr val="accent1"/>
+          </a:effectRef>
+          <a:fontRef idx="minor">
+            <a:schemeClr val="tx1"/>
+          </a:fontRef>
+        </p:style>
+      </p:cxnSp>
+      <p:cxnSp>
+        <p:nvCxnSpPr>
+          <p:cNvPr id="24" name="Straight Arrow Connector 23"/>
+          <p:cNvCxnSpPr/>
+          <p:nvPr/>
+        </p:nvCxnSpPr>
+        <p:spPr>
+          <a:xfrm flipV="1">
+            <a:off x="3938016" y="5688638"/>
+            <a:ext cx="381000" cy="10478"/>
+          </a:xfrm>
+          <a:prstGeom prst="straightConnector1">
+            <a:avLst/>
+          </a:prstGeom>
+          <a:ln w="19050">
+            <a:tailEnd type="arrow"/>
+          </a:ln>
+        </p:spPr>
+        <p:style>
+          <a:lnRef idx="1">
+            <a:schemeClr val="accent1"/>
+          </a:lnRef>
+          <a:fillRef idx="0">
+            <a:schemeClr val="accent1"/>
+          </a:fillRef>
+          <a:effectRef idx="0">
+            <a:schemeClr val="accent1"/>
+          </a:effectRef>
+          <a:fontRef idx="minor">
+            <a:schemeClr val="tx1"/>
+          </a:fontRef>
+        </p:style>
+      </p:cxnSp>
+      <p:cxnSp>
+        <p:nvCxnSpPr>
+          <p:cNvPr id="25" name="Straight Arrow Connector 24"/>
+          <p:cNvCxnSpPr/>
+          <p:nvPr/>
+        </p:nvCxnSpPr>
+        <p:spPr>
+          <a:xfrm flipV="1">
+            <a:off x="3938016" y="6069638"/>
+            <a:ext cx="381000" cy="10478"/>
+          </a:xfrm>
+          <a:prstGeom prst="straightConnector1">
+            <a:avLst/>
+          </a:prstGeom>
+          <a:ln w="19050">
+            <a:tailEnd type="arrow"/>
+          </a:ln>
+        </p:spPr>
+        <p:style>
+          <a:lnRef idx="1">
+            <a:schemeClr val="accent1"/>
+          </a:lnRef>
+          <a:fillRef idx="0">
+            <a:schemeClr val="accent1"/>
+          </a:fillRef>
+          <a:effectRef idx="0">
+            <a:schemeClr val="accent1"/>
+          </a:effectRef>
+          <a:fontRef idx="minor">
+            <a:schemeClr val="tx1"/>
+          </a:fontRef>
+        </p:style>
+      </p:cxnSp>
+      <p:cxnSp>
+        <p:nvCxnSpPr>
+          <p:cNvPr id="29" name="Straight Arrow Connector 28"/>
+          <p:cNvCxnSpPr/>
+          <p:nvPr/>
+        </p:nvCxnSpPr>
+        <p:spPr>
+          <a:xfrm>
+            <a:off x="4934712" y="5681208"/>
+            <a:ext cx="304800" cy="0"/>
+          </a:xfrm>
+          <a:prstGeom prst="straightConnector1">
+            <a:avLst/>
+          </a:prstGeom>
+          <a:ln w="19050">
+            <a:tailEnd type="arrow"/>
+          </a:ln>
+        </p:spPr>
+        <p:style>
+          <a:lnRef idx="1">
+            <a:schemeClr val="accent1"/>
+          </a:lnRef>
+          <a:fillRef idx="0">
+            <a:schemeClr val="accent1"/>
+          </a:fillRef>
+          <a:effectRef idx="0">
+            <a:schemeClr val="accent1"/>
+          </a:effectRef>
+          <a:fontRef idx="minor">
+            <a:schemeClr val="tx1"/>
+          </a:fontRef>
+        </p:style>
+      </p:cxnSp>
+      <p:cxnSp>
+        <p:nvCxnSpPr>
+          <p:cNvPr id="30" name="Straight Arrow Connector 29"/>
+          <p:cNvCxnSpPr/>
+          <p:nvPr/>
+        </p:nvCxnSpPr>
+        <p:spPr>
+          <a:xfrm>
+            <a:off x="4934712" y="6080116"/>
+            <a:ext cx="304800" cy="0"/>
+          </a:xfrm>
+          <a:prstGeom prst="straightConnector1">
+            <a:avLst/>
+          </a:prstGeom>
+          <a:ln w="19050">
+            <a:tailEnd type="arrow"/>
+          </a:ln>
+        </p:spPr>
+        <p:style>
+          <a:lnRef idx="1">
+            <a:schemeClr val="accent1"/>
+          </a:lnRef>
+          <a:fillRef idx="0">
+            <a:schemeClr val="accent1"/>
+          </a:fillRef>
+          <a:effectRef idx="0">
+            <a:schemeClr val="accent1"/>
+          </a:effectRef>
+          <a:fontRef idx="minor">
+            <a:schemeClr val="tx1"/>
+          </a:fontRef>
+        </p:style>
+      </p:cxnSp>
+      <p:sp>
+        <p:nvSpPr>
+          <p:cNvPr id="32" name="TextBox 31"/>
+          <p:cNvSpPr txBox="1"/>
+          <p:nvPr/>
+        </p:nvSpPr>
+        <p:spPr>
+          <a:xfrm>
+            <a:off x="2694432" y="3966518"/>
+            <a:ext cx="1395984" cy="369332"/>
+          </a:xfrm>
+          <a:prstGeom prst="rect">
+            <a:avLst/>
+          </a:prstGeom>
+          <a:noFill/>
+        </p:spPr>
+        <p:txBody>
+          <a:bodyPr wrap="square" rtlCol="0">
+            <a:spAutoFit/>
+          </a:bodyPr>
+          <a:lstStyle/>
+          <a:p>
+            <a:r>
+              <a:rPr lang="en-US" b="1" i="1" dirty="0" smtClean="0"/>
+              <a:t>Dictionary</a:t>
+            </a:r>
+            <a:endParaRPr lang="en-US" b="1" i="1" dirty="0"/>
+          </a:p>
+        </p:txBody>
+      </p:sp>
+      <p:sp>
+        <p:nvSpPr>
+          <p:cNvPr id="33" name="TextBox 32"/>
+          <p:cNvSpPr txBox="1"/>
+          <p:nvPr/>
+        </p:nvSpPr>
+        <p:spPr>
+          <a:xfrm>
+            <a:off x="4623816" y="3952319"/>
+            <a:ext cx="1395984" cy="369332"/>
+          </a:xfrm>
+          <a:prstGeom prst="rect">
+            <a:avLst/>
+          </a:prstGeom>
+          <a:noFill/>
+        </p:spPr>
+        <p:txBody>
+          <a:bodyPr wrap="square" rtlCol="0">
+            <a:spAutoFit/>
+          </a:bodyPr>
+          <a:lstStyle/>
+          <a:p>
+            <a:r>
+              <a:rPr lang="en-US" b="1" i="1" dirty="0" smtClean="0"/>
+              <a:t>Postings</a:t>
+            </a:r>
+            <a:endParaRPr lang="en-US" b="1" i="1" dirty="0"/>
+          </a:p>
+        </p:txBody>
+      </p:sp>
     </p:spTree>
     <p:extLst>
       <p:ext uri="{BB962C8B-B14F-4D97-AF65-F5344CB8AC3E}">
-        <p14:creationId xmlns:p14="http://schemas.microsoft.com/office/powerpoint/2010/main" val="1105181339"/>
+        <p14:creationId xmlns:p14="http://schemas.microsoft.com/office/powerpoint/2010/main" val="542528003"/>
       </p:ext>
     </p:extLst>
   </p:cSld>
@@ -5694,172 +6589,7 @@
   <p:timing>
     <p:tnLst>
       <p:par>
-        <p:cTn id="1" dur="indefinite" restart="never" nodeType="tmRoot">
-          <p:childTnLst>
-            <p:seq concurrent="1" nextAc="seek">
-              <p:cTn id="2" dur="indefinite" nodeType="mainSeq">
-                <p:childTnLst>
-                  <p:par>
-                    <p:cTn id="3" fill="hold">
-                      <p:stCondLst>
-                        <p:cond delay="indefinite"/>
-                      </p:stCondLst>
-                      <p:childTnLst>
-                        <p:par>
-                          <p:cTn id="4" fill="hold">
-                            <p:stCondLst>
-                              <p:cond delay="0"/>
-                            </p:stCondLst>
-                            <p:childTnLst>
-                              <p:par>
-                                <p:cTn id="5" presetID="1" presetClass="entr" presetSubtype="0" fill="hold" nodeType="clickEffect">
-                                  <p:stCondLst>
-                                    <p:cond delay="0"/>
-                                  </p:stCondLst>
-                                  <p:childTnLst>
-                                    <p:set>
-                                      <p:cBhvr>
-                                        <p:cTn id="6" dur="1" fill="hold">
-                                          <p:stCondLst>
-                                            <p:cond delay="0"/>
-                                          </p:stCondLst>
-                                        </p:cTn>
-                                        <p:tgtEl>
-                                          <p:spTgt spid="3">
-                                            <p:txEl>
-                                              <p:pRg st="4" end="4"/>
-                                            </p:txEl>
-                                          </p:spTgt>
-                                        </p:tgtEl>
-                                        <p:attrNameLst>
-                                          <p:attrName>style.visibility</p:attrName>
-                                        </p:attrNameLst>
-                                      </p:cBhvr>
-                                      <p:to>
-                                        <p:strVal val="visible"/>
-                                      </p:to>
-                                    </p:set>
-                                  </p:childTnLst>
-                                </p:cTn>
-                              </p:par>
-                              <p:par>
-                                <p:cTn id="7" presetID="1" presetClass="entr" presetSubtype="0" fill="hold" nodeType="withEffect">
-                                  <p:stCondLst>
-                                    <p:cond delay="0"/>
-                                  </p:stCondLst>
-                                  <p:childTnLst>
-                                    <p:set>
-                                      <p:cBhvr>
-                                        <p:cTn id="8" dur="1" fill="hold">
-                                          <p:stCondLst>
-                                            <p:cond delay="0"/>
-                                          </p:stCondLst>
-                                        </p:cTn>
-                                        <p:tgtEl>
-                                          <p:spTgt spid="3">
-                                            <p:txEl>
-                                              <p:pRg st="5" end="5"/>
-                                            </p:txEl>
-                                          </p:spTgt>
-                                        </p:tgtEl>
-                                        <p:attrNameLst>
-                                          <p:attrName>style.visibility</p:attrName>
-                                        </p:attrNameLst>
-                                      </p:cBhvr>
-                                      <p:to>
-                                        <p:strVal val="visible"/>
-                                      </p:to>
-                                    </p:set>
-                                  </p:childTnLst>
-                                </p:cTn>
-                              </p:par>
-                              <p:par>
-                                <p:cTn id="9" presetID="1" presetClass="entr" presetSubtype="0" fill="hold" nodeType="withEffect">
-                                  <p:stCondLst>
-                                    <p:cond delay="0"/>
-                                  </p:stCondLst>
-                                  <p:childTnLst>
-                                    <p:set>
-                                      <p:cBhvr>
-                                        <p:cTn id="10" dur="1" fill="hold">
-                                          <p:stCondLst>
-                                            <p:cond delay="0"/>
-                                          </p:stCondLst>
-                                        </p:cTn>
-                                        <p:tgtEl>
-                                          <p:spTgt spid="3">
-                                            <p:txEl>
-                                              <p:pRg st="6" end="6"/>
-                                            </p:txEl>
-                                          </p:spTgt>
-                                        </p:tgtEl>
-                                        <p:attrNameLst>
-                                          <p:attrName>style.visibility</p:attrName>
-                                        </p:attrNameLst>
-                                      </p:cBhvr>
-                                      <p:to>
-                                        <p:strVal val="visible"/>
-                                      </p:to>
-                                    </p:set>
-                                  </p:childTnLst>
-                                </p:cTn>
-                              </p:par>
-                              <p:par>
-                                <p:cTn id="11" presetID="1" presetClass="entr" presetSubtype="0" fill="hold" nodeType="withEffect">
-                                  <p:stCondLst>
-                                    <p:cond delay="0"/>
-                                  </p:stCondLst>
-                                  <p:childTnLst>
-                                    <p:set>
-                                      <p:cBhvr>
-                                        <p:cTn id="12" dur="1" fill="hold">
-                                          <p:stCondLst>
-                                            <p:cond delay="0"/>
-                                          </p:stCondLst>
-                                        </p:cTn>
-                                        <p:tgtEl>
-                                          <p:spTgt spid="3">
-                                            <p:txEl>
-                                              <p:pRg st="7" end="7"/>
-                                            </p:txEl>
-                                          </p:spTgt>
-                                        </p:tgtEl>
-                                        <p:attrNameLst>
-                                          <p:attrName>style.visibility</p:attrName>
-                                        </p:attrNameLst>
-                                      </p:cBhvr>
-                                      <p:to>
-                                        <p:strVal val="visible"/>
-                                      </p:to>
-                                    </p:set>
-                                  </p:childTnLst>
-                                </p:cTn>
-                              </p:par>
-                            </p:childTnLst>
-                          </p:cTn>
-                        </p:par>
-                      </p:childTnLst>
-                    </p:cTn>
-                  </p:par>
-                </p:childTnLst>
-              </p:cTn>
-              <p:prevCondLst>
-                <p:cond evt="onPrev" delay="0">
-                  <p:tgtEl>
-                    <p:sldTgt/>
-                  </p:tgtEl>
-                </p:cond>
-              </p:prevCondLst>
-              <p:nextCondLst>
-                <p:cond evt="onNext" delay="0">
-                  <p:tgtEl>
-                    <p:sldTgt/>
-                  </p:tgtEl>
-                </p:cond>
-              </p:nextCondLst>
-            </p:seq>
-          </p:childTnLst>
-        </p:cTn>
+        <p:cTn id="1" dur="indefinite" restart="never" nodeType="tmRoot"/>
       </p:par>
     </p:tnLst>
   </p:timing>
@@ -5917,33 +6647,61 @@
         </p:nvSpPr>
         <p:spPr/>
         <p:txBody>
-          <a:bodyPr>
-            <a:normAutofit/>
-          </a:bodyPr>
+          <a:bodyPr/>
           <a:lstStyle/>
           <a:p>
             <a:r>
               <a:rPr lang="en-US" dirty="0" smtClean="0"/>
-              <a:t>Approximate </a:t>
+              <a:t>Exact solutions</a:t>
             </a:r>
-            <a:r>
-              <a:rPr lang="en-US" dirty="0" smtClean="0"/>
-              <a:t>solutions</a:t>
-            </a:r>
-            <a:endParaRPr lang="en-US" dirty="0" smtClean="0"/>
           </a:p>
           <a:p>
             <a:pPr lvl="1"/>
             <a:r>
               <a:rPr lang="en-US" dirty="0" smtClean="0"/>
-              <a:t>Locality sensitive hashing</a:t>
+              <a:t>Build inverted index for documents</a:t>
             </a:r>
           </a:p>
           <a:p>
             <a:pPr lvl="2"/>
             <a:r>
               <a:rPr lang="en-US" dirty="0" smtClean="0"/>
-              <a:t>Similar documents -&gt; (likely) same hash values</a:t>
+              <a:t>Special mapping: word -&gt; document list</a:t>
+            </a:r>
+          </a:p>
+          <a:p>
+            <a:pPr lvl="2"/>
+            <a:r>
+              <a:rPr lang="en-US" dirty="0" smtClean="0"/>
+              <a:t>Speed-up is limited when average document length is large</a:t>
+            </a:r>
+          </a:p>
+          <a:p>
+            <a:pPr lvl="1"/>
+            <a:r>
+              <a:rPr lang="en-US" dirty="0" smtClean="0"/>
+              <a:t>Parallelize the computation</a:t>
+            </a:r>
+          </a:p>
+          <a:p>
+            <a:pPr lvl="2"/>
+            <a:r>
+              <a:rPr lang="en-US" dirty="0" smtClean="0"/>
+              <a:t>Map-Reduce</a:t>
+            </a:r>
+          </a:p>
+          <a:p>
+            <a:pPr lvl="3"/>
+            <a:r>
+              <a:rPr lang="en-US" dirty="0" smtClean="0"/>
+              <a:t>Map training/testing data onto different reducers</a:t>
+            </a:r>
+          </a:p>
+          <a:p>
+            <a:pPr lvl="3"/>
+            <a:r>
+              <a:rPr lang="en-US" dirty="0" smtClean="0"/>
+              <a:t>Merge the nearest k neighbors from the reducers</a:t>
             </a:r>
           </a:p>
           <a:p>
@@ -6016,6 +6774,176 @@
             <a:fld id="{BA36623C-6CAA-4561-B8E6-59DF76258124}" type="slidenum">
               <a:rPr lang="en-US" smtClean="0"/>
               <a:t>15</a:t>
+            </a:fld>
+            <a:endParaRPr lang="en-US"/>
+          </a:p>
+        </p:txBody>
+      </p:sp>
+    </p:spTree>
+    <p:extLst>
+      <p:ext uri="{BB962C8B-B14F-4D97-AF65-F5344CB8AC3E}">
+        <p14:creationId xmlns:p14="http://schemas.microsoft.com/office/powerpoint/2010/main" val="3878365263"/>
+      </p:ext>
+    </p:extLst>
+  </p:cSld>
+  <p:clrMapOvr>
+    <a:masterClrMapping/>
+  </p:clrMapOvr>
+  <p:timing>
+    <p:tnLst>
+      <p:par>
+        <p:cTn id="1" dur="indefinite" restart="never" nodeType="tmRoot"/>
+      </p:par>
+    </p:tnLst>
+  </p:timing>
+</p:sld>
+</file>
+
+<file path=ppt/slides/slide16.xml><?xml version="1.0" encoding="utf-8"?>
+<p:sld xmlns:a="http://schemas.openxmlformats.org/drawingml/2006/main" xmlns:r="http://schemas.openxmlformats.org/officeDocument/2006/relationships" xmlns:p="http://schemas.openxmlformats.org/presentationml/2006/main">
+  <p:cSld>
+    <p:spTree>
+      <p:nvGrpSpPr>
+        <p:cNvPr id="1" name=""/>
+        <p:cNvGrpSpPr/>
+        <p:nvPr/>
+      </p:nvGrpSpPr>
+      <p:grpSpPr>
+        <a:xfrm>
+          <a:off x="0" y="0"/>
+          <a:ext cx="0" cy="0"/>
+          <a:chOff x="0" y="0"/>
+          <a:chExt cx="0" cy="0"/>
+        </a:xfrm>
+      </p:grpSpPr>
+      <p:sp>
+        <p:nvSpPr>
+          <p:cNvPr id="2" name="Title 1"/>
+          <p:cNvSpPr>
+            <a:spLocks noGrp="1"/>
+          </p:cNvSpPr>
+          <p:nvPr>
+            <p:ph type="title"/>
+          </p:nvPr>
+        </p:nvSpPr>
+        <p:spPr/>
+        <p:txBody>
+          <a:bodyPr/>
+          <a:lstStyle/>
+          <a:p>
+            <a:r>
+              <a:rPr lang="en-US" dirty="0"/>
+              <a:t>Efficient instance look-up</a:t>
+            </a:r>
+          </a:p>
+        </p:txBody>
+      </p:sp>
+      <p:sp>
+        <p:nvSpPr>
+          <p:cNvPr id="3" name="Content Placeholder 2"/>
+          <p:cNvSpPr>
+            <a:spLocks noGrp="1"/>
+          </p:cNvSpPr>
+          <p:nvPr>
+            <p:ph idx="1"/>
+          </p:nvPr>
+        </p:nvSpPr>
+        <p:spPr/>
+        <p:txBody>
+          <a:bodyPr>
+            <a:normAutofit/>
+          </a:bodyPr>
+          <a:lstStyle/>
+          <a:p>
+            <a:r>
+              <a:rPr lang="en-US" dirty="0" smtClean="0"/>
+              <a:t>Approximate solutions</a:t>
+            </a:r>
+          </a:p>
+          <a:p>
+            <a:pPr lvl="1"/>
+            <a:r>
+              <a:rPr lang="en-US" dirty="0" smtClean="0"/>
+              <a:t>Locality sensitive hashing</a:t>
+            </a:r>
+          </a:p>
+          <a:p>
+            <a:pPr lvl="2"/>
+            <a:r>
+              <a:rPr lang="en-US" dirty="0" smtClean="0"/>
+              <a:t>Similar documents -&gt; (likely) same hash values</a:t>
+            </a:r>
+          </a:p>
+          <a:p>
+            <a:pPr lvl="2"/>
+            <a:endParaRPr lang="en-US" dirty="0"/>
+          </a:p>
+        </p:txBody>
+      </p:sp>
+      <p:sp>
+        <p:nvSpPr>
+          <p:cNvPr id="4" name="Date Placeholder 3"/>
+          <p:cNvSpPr>
+            <a:spLocks noGrp="1"/>
+          </p:cNvSpPr>
+          <p:nvPr>
+            <p:ph type="dt" sz="half" idx="10"/>
+          </p:nvPr>
+        </p:nvSpPr>
+        <p:spPr/>
+        <p:txBody>
+          <a:bodyPr/>
+          <a:lstStyle/>
+          <a:p>
+            <a:r>
+              <a:rPr lang="en-US" smtClean="0"/>
+              <a:t>CS@UVa</a:t>
+            </a:r>
+            <a:endParaRPr lang="en-US"/>
+          </a:p>
+        </p:txBody>
+      </p:sp>
+      <p:sp>
+        <p:nvSpPr>
+          <p:cNvPr id="5" name="Footer Placeholder 4"/>
+          <p:cNvSpPr>
+            <a:spLocks noGrp="1"/>
+          </p:cNvSpPr>
+          <p:nvPr>
+            <p:ph type="ftr" sz="quarter" idx="11"/>
+          </p:nvPr>
+        </p:nvSpPr>
+        <p:spPr/>
+        <p:txBody>
+          <a:bodyPr/>
+          <a:lstStyle/>
+          <a:p>
+            <a:r>
+              <a:rPr lang="en-US" smtClean="0"/>
+              <a:t>CS 6501: Text Mining</a:t>
+            </a:r>
+            <a:endParaRPr lang="en-US"/>
+          </a:p>
+        </p:txBody>
+      </p:sp>
+      <p:sp>
+        <p:nvSpPr>
+          <p:cNvPr id="6" name="Slide Number Placeholder 5"/>
+          <p:cNvSpPr>
+            <a:spLocks noGrp="1"/>
+          </p:cNvSpPr>
+          <p:nvPr>
+            <p:ph type="sldNum" sz="quarter" idx="12"/>
+          </p:nvPr>
+        </p:nvSpPr>
+        <p:spPr/>
+        <p:txBody>
+          <a:bodyPr/>
+          <a:lstStyle/>
+          <a:p>
+            <a:fld id="{BA36623C-6CAA-4561-B8E6-59DF76258124}" type="slidenum">
+              <a:rPr lang="en-US" smtClean="0"/>
+              <a:t>16</a:t>
             </a:fld>
             <a:endParaRPr lang="en-US"/>
           </a:p>
@@ -7211,7 +8139,7 @@
 </p:sld>
 </file>
 
-<file path=ppt/slides/slide16.xml><?xml version="1.0" encoding="utf-8"?>
+<file path=ppt/slides/slide17.xml><?xml version="1.0" encoding="utf-8"?>
 <p:sld xmlns:a="http://schemas.openxmlformats.org/drawingml/2006/main" xmlns:r="http://schemas.openxmlformats.org/officeDocument/2006/relationships" xmlns:p="http://schemas.openxmlformats.org/presentationml/2006/main">
   <p:cSld>
     <p:spTree>
@@ -7294,19 +8222,28 @@
             </a:r>
             <a:r>
               <a:rPr lang="en-US" dirty="0"/>
-              <a:t> similar items map to the same “buckets” with high </a:t>
+              <a:t> similar items map to the same “buckets” with </a:t>
+            </a:r>
+            <a:r>
+              <a:rPr lang="en-US" u="sng" dirty="0"/>
+              <a:t>high </a:t>
+            </a:r>
+            <a:r>
+              <a:rPr lang="en-US" u="sng" dirty="0" smtClean="0"/>
+              <a:t>probability</a:t>
+            </a:r>
+          </a:p>
+          <a:p>
+            <a:pPr lvl="3"/>
+            <a:r>
+              <a:rPr lang="en-US" dirty="0" smtClean="0"/>
+              <a:t>Learning-based: learn the hash function with annotated examples, e.g., must-link, </a:t>
             </a:r>
             <a:r>
               <a:rPr lang="en-US" dirty="0" smtClean="0"/>
-              <a:t>probability</a:t>
+              <a:t>cannot-link</a:t>
             </a:r>
-          </a:p>
-          <a:p>
-            <a:pPr lvl="3"/>
-            <a:r>
-              <a:rPr lang="en-US" dirty="0" smtClean="0"/>
-              <a:t>Learning-based: learn the hash function with annotated examples, e.g., must-link, cannot link</a:t>
-            </a:r>
+            <a:endParaRPr lang="en-US" dirty="0" smtClean="0"/>
           </a:p>
           <a:p>
             <a:pPr lvl="3"/>
@@ -7384,7 +8321,7 @@
           <a:p>
             <a:fld id="{BA36623C-6CAA-4561-B8E6-59DF76258124}" type="slidenum">
               <a:rPr lang="en-US" smtClean="0"/>
-              <a:t>16</a:t>
+              <a:t>17</a:t>
             </a:fld>
             <a:endParaRPr lang="en-US"/>
           </a:p>
@@ -7410,7 +8347,7 @@
 </p:sld>
 </file>
 
-<file path=ppt/slides/slide17.xml><?xml version="1.0" encoding="utf-8"?>
+<file path=ppt/slides/slide18.xml><?xml version="1.0" encoding="utf-8"?>
 <p:sld xmlns:a="http://schemas.openxmlformats.org/drawingml/2006/main" xmlns:r="http://schemas.openxmlformats.org/officeDocument/2006/relationships" xmlns:p="http://schemas.openxmlformats.org/presentationml/2006/main">
   <p:cSld>
     <p:spTree>
@@ -7645,8 +8582,8 @@
           </a:p>
         </p:txBody>
       </p:sp>
-      <mc:AlternateContent xmlns:mc="http://schemas.openxmlformats.org/markup-compatibility/2006">
-        <mc:Choice xmlns:a14="http://schemas.microsoft.com/office/drawing/2010/main" Requires="a14">
+      <mc:AlternateContent xmlns:mc="http://schemas.openxmlformats.org/markup-compatibility/2006" xmlns:a14="http://schemas.microsoft.com/office/drawing/2010/main">
+        <mc:Choice Requires="a14">
           <p:sp>
             <p:nvSpPr>
               <p:cNvPr id="3" name="Content Placeholder 2"/>
@@ -7672,11 +8609,7 @@
                 </a:r>
                 <a:r>
                   <a:rPr lang="en-US" dirty="0" smtClean="0"/>
-                  <a:t>similarity between </a:t>
-                </a:r>
-                <a:r>
-                  <a:rPr lang="en-US" dirty="0" smtClean="0"/>
-                  <a:t>vectors</a:t>
+                  <a:t>similarity between vectors</a:t>
                 </a:r>
               </a:p>
               <a:p>
@@ -7813,7 +8746,7 @@
             </p:txBody>
           </p:sp>
         </mc:Choice>
-        <mc:Fallback>
+        <mc:Fallback xmlns="">
           <p:sp>
             <p:nvSpPr>
               <p:cNvPr id="3" name="Content Placeholder 2"/>
@@ -7910,7 +8843,7 @@
           <a:p>
             <a:fld id="{BA36623C-6CAA-4561-B8E6-59DF76258124}" type="slidenum">
               <a:rPr lang="en-US" smtClean="0"/>
-              <a:t>17</a:t>
+              <a:t>18</a:t>
             </a:fld>
             <a:endParaRPr lang="en-US"/>
           </a:p>
@@ -10437,7 +11370,7 @@
 </p:sld>
 </file>
 
-<file path=ppt/slides/slide18.xml><?xml version="1.0" encoding="utf-8"?>
+<file path=ppt/slides/slide19.xml><?xml version="1.0" encoding="utf-8"?>
 <p:sld xmlns:a="http://schemas.openxmlformats.org/drawingml/2006/main" xmlns:r="http://schemas.openxmlformats.org/officeDocument/2006/relationships" xmlns:p="http://schemas.openxmlformats.org/presentationml/2006/main">
   <p:cSld>
     <p:spTree>
@@ -10477,8 +11410,8 @@
           </a:p>
         </p:txBody>
       </p:sp>
-      <mc:AlternateContent xmlns:mc="http://schemas.openxmlformats.org/markup-compatibility/2006" xmlns:a14="http://schemas.microsoft.com/office/drawing/2010/main">
-        <mc:Choice Requires="a14">
+      <mc:AlternateContent xmlns:mc="http://schemas.openxmlformats.org/markup-compatibility/2006">
+        <mc:Choice xmlns:a14="http://schemas.microsoft.com/office/drawing/2010/main" Requires="a14">
           <p:sp>
             <p:nvSpPr>
               <p:cNvPr id="3" name="Content Placeholder 2"/>
@@ -10500,7 +11433,11 @@
                 </a:r>
                 <a:r>
                   <a:rPr lang="en-US" dirty="0"/>
-                  <a:t>the cosine distance between </a:t>
+                  <a:t>the cosine </a:t>
+                </a:r>
+                <a:r>
+                  <a:rPr lang="en-US" dirty="0"/>
+                  <a:t>similarity between </a:t>
                 </a:r>
                 <a:r>
                   <a:rPr lang="en-US" dirty="0" smtClean="0"/>
@@ -10641,7 +11578,7 @@
             </p:txBody>
           </p:sp>
         </mc:Choice>
-        <mc:Fallback xmlns="">
+        <mc:Fallback>
           <p:sp>
             <p:nvSpPr>
               <p:cNvPr id="3" name="Content Placeholder 2"/>
@@ -10738,7 +11675,7 @@
           <a:p>
             <a:fld id="{BA36623C-6CAA-4561-B8E6-59DF76258124}" type="slidenum">
               <a:rPr lang="en-US" smtClean="0"/>
-              <a:t>18</a:t>
+              <a:t>19</a:t>
             </a:fld>
             <a:endParaRPr lang="en-US"/>
           </a:p>
@@ -13118,7 +14055,201 @@
 </p:sld>
 </file>
 
-<file path=ppt/slides/slide19.xml><?xml version="1.0" encoding="utf-8"?>
+<file path=ppt/slides/slide2.xml><?xml version="1.0" encoding="utf-8"?>
+<p:sld xmlns:a="http://schemas.openxmlformats.org/drawingml/2006/main" xmlns:r="http://schemas.openxmlformats.org/officeDocument/2006/relationships" xmlns:p="http://schemas.openxmlformats.org/presentationml/2006/main">
+  <p:cSld>
+    <p:spTree>
+      <p:nvGrpSpPr>
+        <p:cNvPr id="1" name=""/>
+        <p:cNvGrpSpPr/>
+        <p:nvPr/>
+      </p:nvGrpSpPr>
+      <p:grpSpPr>
+        <a:xfrm>
+          <a:off x="0" y="0"/>
+          <a:ext cx="0" cy="0"/>
+          <a:chOff x="0" y="0"/>
+          <a:chExt cx="0" cy="0"/>
+        </a:xfrm>
+      </p:grpSpPr>
+      <p:sp>
+        <p:nvSpPr>
+          <p:cNvPr id="2" name="Title 1"/>
+          <p:cNvSpPr>
+            <a:spLocks noGrp="1"/>
+          </p:cNvSpPr>
+          <p:nvPr>
+            <p:ph type="title"/>
+          </p:nvPr>
+        </p:nvSpPr>
+        <p:spPr/>
+        <p:txBody>
+          <a:bodyPr/>
+          <a:lstStyle/>
+          <a:p>
+            <a:r>
+              <a:rPr lang="en-US" dirty="0" smtClean="0"/>
+              <a:t>Today’s lecture</a:t>
+            </a:r>
+            <a:endParaRPr lang="en-US" dirty="0"/>
+          </a:p>
+        </p:txBody>
+      </p:sp>
+      <p:sp>
+        <p:nvSpPr>
+          <p:cNvPr id="3" name="Content Placeholder 2"/>
+          <p:cNvSpPr>
+            <a:spLocks noGrp="1"/>
+          </p:cNvSpPr>
+          <p:nvPr>
+            <p:ph idx="1"/>
+          </p:nvPr>
+        </p:nvSpPr>
+        <p:spPr/>
+        <p:txBody>
+          <a:bodyPr>
+            <a:normAutofit/>
+          </a:bodyPr>
+          <a:lstStyle/>
+          <a:p>
+            <a:r>
+              <a:rPr lang="en-US" dirty="0" smtClean="0"/>
+              <a:t>Instance-based classifiers</a:t>
+            </a:r>
+          </a:p>
+          <a:p>
+            <a:pPr lvl="1"/>
+            <a:r>
+              <a:rPr lang="en-US" dirty="0" smtClean="0"/>
+              <a:t>k nearest neighbors</a:t>
+            </a:r>
+          </a:p>
+          <a:p>
+            <a:pPr lvl="1"/>
+            <a:r>
+              <a:rPr lang="en-US" dirty="0" smtClean="0"/>
+              <a:t>Non-parametric learning algorithm</a:t>
+            </a:r>
+          </a:p>
+          <a:p>
+            <a:r>
+              <a:rPr lang="en-US" dirty="0" smtClean="0"/>
+              <a:t>Model-based classifiers</a:t>
+            </a:r>
+          </a:p>
+          <a:p>
+            <a:pPr lvl="1"/>
+            <a:r>
+              <a:rPr lang="en-US" dirty="0" smtClean="0"/>
+              <a:t>Naïve Bayes classifier</a:t>
+            </a:r>
+          </a:p>
+          <a:p>
+            <a:pPr lvl="2"/>
+            <a:r>
+              <a:rPr lang="en-US" dirty="0" smtClean="0"/>
+              <a:t>A generative model</a:t>
+            </a:r>
+          </a:p>
+          <a:p>
+            <a:pPr lvl="1"/>
+            <a:r>
+              <a:rPr lang="en-US" dirty="0" smtClean="0"/>
+              <a:t>Parametric learning algorithm</a:t>
+            </a:r>
+          </a:p>
+        </p:txBody>
+      </p:sp>
+      <p:sp>
+        <p:nvSpPr>
+          <p:cNvPr id="4" name="Date Placeholder 3"/>
+          <p:cNvSpPr>
+            <a:spLocks noGrp="1"/>
+          </p:cNvSpPr>
+          <p:nvPr>
+            <p:ph type="dt" sz="half" idx="10"/>
+          </p:nvPr>
+        </p:nvSpPr>
+        <p:spPr/>
+        <p:txBody>
+          <a:bodyPr/>
+          <a:lstStyle/>
+          <a:p>
+            <a:r>
+              <a:rPr lang="en-US" smtClean="0"/>
+              <a:t>CS@UVa</a:t>
+            </a:r>
+            <a:endParaRPr lang="en-US"/>
+          </a:p>
+        </p:txBody>
+      </p:sp>
+      <p:sp>
+        <p:nvSpPr>
+          <p:cNvPr id="5" name="Footer Placeholder 4"/>
+          <p:cNvSpPr>
+            <a:spLocks noGrp="1"/>
+          </p:cNvSpPr>
+          <p:nvPr>
+            <p:ph type="ftr" sz="quarter" idx="11"/>
+          </p:nvPr>
+        </p:nvSpPr>
+        <p:spPr/>
+        <p:txBody>
+          <a:bodyPr/>
+          <a:lstStyle/>
+          <a:p>
+            <a:r>
+              <a:rPr lang="en-US" smtClean="0"/>
+              <a:t>CS 6501: Text Mining</a:t>
+            </a:r>
+            <a:endParaRPr lang="en-US"/>
+          </a:p>
+        </p:txBody>
+      </p:sp>
+      <p:sp>
+        <p:nvSpPr>
+          <p:cNvPr id="6" name="Slide Number Placeholder 5"/>
+          <p:cNvSpPr>
+            <a:spLocks noGrp="1"/>
+          </p:cNvSpPr>
+          <p:nvPr>
+            <p:ph type="sldNum" sz="quarter" idx="12"/>
+          </p:nvPr>
+        </p:nvSpPr>
+        <p:spPr/>
+        <p:txBody>
+          <a:bodyPr/>
+          <a:lstStyle/>
+          <a:p>
+            <a:fld id="{24818704-ACE4-4DCD-8AA0-225807798D2E}" type="slidenum">
+              <a:rPr lang="en-US" smtClean="0"/>
+              <a:t>2</a:t>
+            </a:fld>
+            <a:endParaRPr lang="en-US"/>
+          </a:p>
+        </p:txBody>
+      </p:sp>
+    </p:spTree>
+    <p:extLst>
+      <p:ext uri="{BB962C8B-B14F-4D97-AF65-F5344CB8AC3E}">
+        <p14:creationId xmlns:p14="http://schemas.microsoft.com/office/powerpoint/2010/main" val="279105435"/>
+      </p:ext>
+    </p:extLst>
+  </p:cSld>
+  <p:clrMapOvr>
+    <a:masterClrMapping/>
+  </p:clrMapOvr>
+  <p:timing>
+    <p:tnLst>
+      <p:par>
+        <p:cTn id="1" dur="indefinite" restart="never" nodeType="tmRoot"/>
+      </p:par>
+    </p:tnLst>
+  </p:timing>
+</p:sld>
+</file>
+
+<file path=ppt/slides/slide20.xml><?xml version="1.0" encoding="utf-8"?>
 <p:sld xmlns:a="http://schemas.openxmlformats.org/drawingml/2006/main" xmlns:r="http://schemas.openxmlformats.org/officeDocument/2006/relationships" xmlns:p="http://schemas.openxmlformats.org/presentationml/2006/main">
   <p:cSld>
     <p:spTree>
@@ -13563,7 +14694,7 @@
           <a:p>
             <a:fld id="{BA36623C-6CAA-4561-B8E6-59DF76258124}" type="slidenum">
               <a:rPr lang="en-US" smtClean="0"/>
-              <a:t>19</a:t>
+              <a:t>20</a:t>
             </a:fld>
             <a:endParaRPr lang="en-US"/>
           </a:p>
@@ -13589,7 +14720,7 @@
 </p:sld>
 </file>
 
-<file path=ppt/slides/slide2.xml><?xml version="1.0" encoding="utf-8"?>
+<file path=ppt/slides/slide21.xml><?xml version="1.0" encoding="utf-8"?>
 <p:sld xmlns:a="http://schemas.openxmlformats.org/drawingml/2006/main" xmlns:r="http://schemas.openxmlformats.org/officeDocument/2006/relationships" xmlns:p="http://schemas.openxmlformats.org/presentationml/2006/main">
   <p:cSld>
     <p:spTree>
@@ -13622,10 +14753,9 @@
           <a:lstStyle/>
           <a:p>
             <a:r>
-              <a:rPr lang="en-US" dirty="0" smtClean="0"/>
-              <a:t>Today’s lecture</a:t>
+              <a:rPr lang="en-US" dirty="0"/>
+              <a:t>Efficient instance look-up</a:t>
             </a:r>
-            <a:endParaRPr lang="en-US" dirty="0"/>
           </a:p>
         </p:txBody>
       </p:sp>
@@ -13641,55 +14771,19 @@
         </p:nvSpPr>
         <p:spPr/>
         <p:txBody>
-          <a:bodyPr>
-            <a:normAutofit/>
-          </a:bodyPr>
+          <a:bodyPr/>
           <a:lstStyle/>
           <a:p>
             <a:r>
               <a:rPr lang="en-US" dirty="0" smtClean="0"/>
-              <a:t>Instance-based classifiers</a:t>
+              <a:t>Effectiveness of random projection</a:t>
             </a:r>
           </a:p>
           <a:p>
             <a:pPr lvl="1"/>
             <a:r>
-              <a:rPr lang="en-US" dirty="0" smtClean="0"/>
-              <a:t>k nearest neighbors</a:t>
-            </a:r>
-          </a:p>
-          <a:p>
-            <a:pPr lvl="1"/>
-            <a:r>
-              <a:rPr lang="en-US" dirty="0" smtClean="0"/>
-              <a:t>Non-parametric learning algorithm</a:t>
-            </a:r>
-          </a:p>
-          <a:p>
-            <a:r>
-              <a:rPr lang="en-US" dirty="0" smtClean="0"/>
-              <a:t>Model-based classifiers</a:t>
-            </a:r>
-          </a:p>
-          <a:p>
-            <a:pPr lvl="1"/>
-            <a:r>
-              <a:rPr lang="en-US" dirty="0" smtClean="0"/>
-              <a:t>Naïve Bayes classifier</a:t>
-            </a:r>
-          </a:p>
-          <a:p>
-            <a:pPr lvl="2"/>
-            <a:r>
-              <a:rPr lang="en-US" dirty="0" smtClean="0"/>
-              <a:t>A generative model</a:t>
-            </a:r>
-          </a:p>
-          <a:p>
-            <a:pPr lvl="1"/>
-            <a:r>
-              <a:rPr lang="en-US" dirty="0" smtClean="0"/>
-              <a:t>Parametric learning algorithm</a:t>
+              <a:rPr lang="en-US" dirty="0"/>
+              <a:t>1.2M images + 1000 dimensions</a:t>
             </a:r>
           </a:p>
         </p:txBody>
@@ -13755,166 +14849,9 @@
           <a:bodyPr/>
           <a:lstStyle/>
           <a:p>
-            <a:fld id="{24818704-ACE4-4DCD-8AA0-225807798D2E}" type="slidenum">
-              <a:rPr lang="en-US" smtClean="0"/>
-              <a:t>2</a:t>
-            </a:fld>
-            <a:endParaRPr lang="en-US"/>
-          </a:p>
-        </p:txBody>
-      </p:sp>
-    </p:spTree>
-    <p:extLst>
-      <p:ext uri="{BB962C8B-B14F-4D97-AF65-F5344CB8AC3E}">
-        <p14:creationId xmlns:p14="http://schemas.microsoft.com/office/powerpoint/2010/main" val="279105435"/>
-      </p:ext>
-    </p:extLst>
-  </p:cSld>
-  <p:clrMapOvr>
-    <a:masterClrMapping/>
-  </p:clrMapOvr>
-  <p:timing>
-    <p:tnLst>
-      <p:par>
-        <p:cTn id="1" dur="indefinite" restart="never" nodeType="tmRoot"/>
-      </p:par>
-    </p:tnLst>
-  </p:timing>
-</p:sld>
-</file>
-
-<file path=ppt/slides/slide20.xml><?xml version="1.0" encoding="utf-8"?>
-<p:sld xmlns:a="http://schemas.openxmlformats.org/drawingml/2006/main" xmlns:r="http://schemas.openxmlformats.org/officeDocument/2006/relationships" xmlns:p="http://schemas.openxmlformats.org/presentationml/2006/main">
-  <p:cSld>
-    <p:spTree>
-      <p:nvGrpSpPr>
-        <p:cNvPr id="1" name=""/>
-        <p:cNvGrpSpPr/>
-        <p:nvPr/>
-      </p:nvGrpSpPr>
-      <p:grpSpPr>
-        <a:xfrm>
-          <a:off x="0" y="0"/>
-          <a:ext cx="0" cy="0"/>
-          <a:chOff x="0" y="0"/>
-          <a:chExt cx="0" cy="0"/>
-        </a:xfrm>
-      </p:grpSpPr>
-      <p:sp>
-        <p:nvSpPr>
-          <p:cNvPr id="2" name="Title 1"/>
-          <p:cNvSpPr>
-            <a:spLocks noGrp="1"/>
-          </p:cNvSpPr>
-          <p:nvPr>
-            <p:ph type="title"/>
-          </p:nvPr>
-        </p:nvSpPr>
-        <p:spPr/>
-        <p:txBody>
-          <a:bodyPr/>
-          <a:lstStyle/>
-          <a:p>
-            <a:r>
-              <a:rPr lang="en-US" dirty="0"/>
-              <a:t>Efficient instance look-up</a:t>
-            </a:r>
-          </a:p>
-        </p:txBody>
-      </p:sp>
-      <p:sp>
-        <p:nvSpPr>
-          <p:cNvPr id="3" name="Content Placeholder 2"/>
-          <p:cNvSpPr>
-            <a:spLocks noGrp="1"/>
-          </p:cNvSpPr>
-          <p:nvPr>
-            <p:ph idx="1"/>
-          </p:nvPr>
-        </p:nvSpPr>
-        <p:spPr/>
-        <p:txBody>
-          <a:bodyPr/>
-          <a:lstStyle/>
-          <a:p>
-            <a:r>
-              <a:rPr lang="en-US" dirty="0" smtClean="0"/>
-              <a:t>Effectiveness of random projection</a:t>
-            </a:r>
-          </a:p>
-          <a:p>
-            <a:pPr lvl="1"/>
-            <a:r>
-              <a:rPr lang="en-US" dirty="0"/>
-              <a:t>1.2M images + 1000 dimensions</a:t>
-            </a:r>
-          </a:p>
-        </p:txBody>
-      </p:sp>
-      <p:sp>
-        <p:nvSpPr>
-          <p:cNvPr id="4" name="Date Placeholder 3"/>
-          <p:cNvSpPr>
-            <a:spLocks noGrp="1"/>
-          </p:cNvSpPr>
-          <p:nvPr>
-            <p:ph type="dt" sz="half" idx="10"/>
-          </p:nvPr>
-        </p:nvSpPr>
-        <p:spPr/>
-        <p:txBody>
-          <a:bodyPr/>
-          <a:lstStyle/>
-          <a:p>
-            <a:r>
-              <a:rPr lang="en-US" smtClean="0"/>
-              <a:t>CS@UVa</a:t>
-            </a:r>
-            <a:endParaRPr lang="en-US"/>
-          </a:p>
-        </p:txBody>
-      </p:sp>
-      <p:sp>
-        <p:nvSpPr>
-          <p:cNvPr id="5" name="Footer Placeholder 4"/>
-          <p:cNvSpPr>
-            <a:spLocks noGrp="1"/>
-          </p:cNvSpPr>
-          <p:nvPr>
-            <p:ph type="ftr" sz="quarter" idx="11"/>
-          </p:nvPr>
-        </p:nvSpPr>
-        <p:spPr/>
-        <p:txBody>
-          <a:bodyPr/>
-          <a:lstStyle/>
-          <a:p>
-            <a:r>
-              <a:rPr lang="en-US" smtClean="0"/>
-              <a:t>CS 6501: Text Mining</a:t>
-            </a:r>
-            <a:endParaRPr lang="en-US"/>
-          </a:p>
-        </p:txBody>
-      </p:sp>
-      <p:sp>
-        <p:nvSpPr>
-          <p:cNvPr id="6" name="Slide Number Placeholder 5"/>
-          <p:cNvSpPr>
-            <a:spLocks noGrp="1"/>
-          </p:cNvSpPr>
-          <p:nvPr>
-            <p:ph type="sldNum" sz="quarter" idx="12"/>
-          </p:nvPr>
-        </p:nvSpPr>
-        <p:spPr/>
-        <p:txBody>
-          <a:bodyPr/>
-          <a:lstStyle/>
-          <a:p>
             <a:fld id="{BA36623C-6CAA-4561-B8E6-59DF76258124}" type="slidenum">
               <a:rPr lang="en-US" smtClean="0"/>
-              <a:t>20</a:t>
+              <a:t>21</a:t>
             </a:fld>
             <a:endParaRPr lang="en-US"/>
           </a:p>
@@ -14222,7 +15159,7 @@
 </p:sld>
 </file>
 
-<file path=ppt/slides/slide21.xml><?xml version="1.0" encoding="utf-8"?>
+<file path=ppt/slides/slide22.xml><?xml version="1.0" encoding="utf-8"?>
 <p:sld xmlns:a="http://schemas.openxmlformats.org/drawingml/2006/main" xmlns:r="http://schemas.openxmlformats.org/officeDocument/2006/relationships" xmlns:p="http://schemas.openxmlformats.org/presentationml/2006/main">
   <p:cSld>
     <p:spTree>
@@ -14358,7 +15295,7 @@
           <a:p>
             <a:fld id="{BA36623C-6CAA-4561-B8E6-59DF76258124}" type="slidenum">
               <a:rPr lang="en-US" smtClean="0"/>
-              <a:t>21</a:t>
+              <a:t>22</a:t>
             </a:fld>
             <a:endParaRPr lang="en-US"/>
           </a:p>
@@ -15599,14 +16536,85 @@
   <p:timing>
     <p:tnLst>
       <p:par>
-        <p:cTn id="1" dur="indefinite" restart="never" nodeType="tmRoot"/>
+        <p:cTn id="1" dur="indefinite" restart="never" nodeType="tmRoot">
+          <p:childTnLst>
+            <p:seq concurrent="1" nextAc="seek">
+              <p:cTn id="2" dur="indefinite" nodeType="mainSeq">
+                <p:childTnLst>
+                  <p:par>
+                    <p:cTn id="3" fill="hold">
+                      <p:stCondLst>
+                        <p:cond delay="indefinite"/>
+                      </p:stCondLst>
+                      <p:childTnLst>
+                        <p:par>
+                          <p:cTn id="4" fill="hold">
+                            <p:stCondLst>
+                              <p:cond delay="0"/>
+                            </p:stCondLst>
+                            <p:childTnLst>
+                              <p:par>
+                                <p:cTn id="5" presetID="1" presetClass="entr" presetSubtype="0" fill="hold" grpId="0" nodeType="clickEffect">
+                                  <p:stCondLst>
+                                    <p:cond delay="0"/>
+                                  </p:stCondLst>
+                                  <p:childTnLst>
+                                    <p:set>
+                                      <p:cBhvr>
+                                        <p:cTn id="6" dur="1" fill="hold">
+                                          <p:stCondLst>
+                                            <p:cond delay="0"/>
+                                          </p:stCondLst>
+                                        </p:cTn>
+                                        <p:tgtEl>
+                                          <p:spTgt spid="2"/>
+                                        </p:tgtEl>
+                                        <p:attrNameLst>
+                                          <p:attrName>style.visibility</p:attrName>
+                                        </p:attrNameLst>
+                                      </p:cBhvr>
+                                      <p:to>
+                                        <p:strVal val="visible"/>
+                                      </p:to>
+                                    </p:set>
+                                  </p:childTnLst>
+                                </p:cTn>
+                              </p:par>
+                            </p:childTnLst>
+                          </p:cTn>
+                        </p:par>
+                      </p:childTnLst>
+                    </p:cTn>
+                  </p:par>
+                </p:childTnLst>
+              </p:cTn>
+              <p:prevCondLst>
+                <p:cond evt="onPrev" delay="0">
+                  <p:tgtEl>
+                    <p:sldTgt/>
+                  </p:tgtEl>
+                </p:cond>
+              </p:prevCondLst>
+              <p:nextCondLst>
+                <p:cond evt="onNext" delay="0">
+                  <p:tgtEl>
+                    <p:sldTgt/>
+                  </p:tgtEl>
+                </p:cond>
+              </p:nextCondLst>
+            </p:seq>
+          </p:childTnLst>
+        </p:cTn>
       </p:par>
     </p:tnLst>
+    <p:bldLst>
+      <p:bldP spid="2" grpId="0"/>
+    </p:bldLst>
   </p:timing>
 </p:sld>
 </file>
 
-<file path=ppt/slides/slide22.xml><?xml version="1.0" encoding="utf-8"?>
+<file path=ppt/slides/slide23.xml><?xml version="1.0" encoding="utf-8"?>
 <p:sld xmlns:a="http://schemas.openxmlformats.org/drawingml/2006/main" xmlns:r="http://schemas.openxmlformats.org/officeDocument/2006/relationships" xmlns:p="http://schemas.openxmlformats.org/presentationml/2006/main">
   <p:cSld>
     <p:spTree>
@@ -16054,7 +17062,7 @@
           <a:p>
             <a:fld id="{BA36623C-6CAA-4561-B8E6-59DF76258124}" type="slidenum">
               <a:rPr lang="en-US" smtClean="0"/>
-              <a:t>22</a:t>
+              <a:t>23</a:t>
             </a:fld>
             <a:endParaRPr lang="en-US"/>
           </a:p>
@@ -16080,7 +17088,7 @@
 </p:sld>
 </file>
 
-<file path=ppt/slides/slide23.xml><?xml version="1.0" encoding="utf-8"?>
+<file path=ppt/slides/slide24.xml><?xml version="1.0" encoding="utf-8"?>
 <p:sld xmlns:a="http://schemas.openxmlformats.org/drawingml/2006/main" xmlns:r="http://schemas.openxmlformats.org/officeDocument/2006/relationships" xmlns:p="http://schemas.openxmlformats.org/presentationml/2006/main">
   <p:cSld>
     <p:spTree>
@@ -16266,7 +17274,7 @@
           <a:p>
             <a:fld id="{BA36623C-6CAA-4561-B8E6-59DF76258124}" type="slidenum">
               <a:rPr lang="en-US" smtClean="0"/>
-              <a:t>23</a:t>
+              <a:t>24</a:t>
             </a:fld>
             <a:endParaRPr lang="en-US"/>
           </a:p>
@@ -16292,7 +17300,7 @@
 </p:sld>
 </file>
 
-<file path=ppt/slides/slide24.xml><?xml version="1.0" encoding="utf-8"?>
+<file path=ppt/slides/slide25.xml><?xml version="1.0" encoding="utf-8"?>
 <p:sld xmlns:a="http://schemas.openxmlformats.org/drawingml/2006/main" xmlns:r="http://schemas.openxmlformats.org/officeDocument/2006/relationships" xmlns:p="http://schemas.openxmlformats.org/presentationml/2006/main">
   <p:cSld>
     <p:spTree>
@@ -16553,7 +17561,7 @@
           <a:p>
             <a:fld id="{BA36623C-6CAA-4561-B8E6-59DF76258124}" type="slidenum">
               <a:rPr lang="en-US" smtClean="0"/>
-              <a:t>24</a:t>
+              <a:t>25</a:t>
             </a:fld>
             <a:endParaRPr lang="en-US"/>
           </a:p>
@@ -18754,7 +19762,7 @@
 </p:sld>
 </file>
 
-<file path=ppt/slides/slide25.xml><?xml version="1.0" encoding="utf-8"?>
+<file path=ppt/slides/slide26.xml><?xml version="1.0" encoding="utf-8"?>
 <p:sld xmlns:a="http://schemas.openxmlformats.org/drawingml/2006/main" xmlns:r="http://schemas.openxmlformats.org/officeDocument/2006/relationships" xmlns:p="http://schemas.openxmlformats.org/presentationml/2006/main">
   <p:cSld>
     <p:spTree>
@@ -19013,7 +20021,7 @@
           <a:p>
             <a:fld id="{BA36623C-6CAA-4561-B8E6-59DF76258124}" type="slidenum">
               <a:rPr lang="en-US" smtClean="0"/>
-              <a:t>25</a:t>
+              <a:t>26</a:t>
             </a:fld>
             <a:endParaRPr lang="en-US"/>
           </a:p>
@@ -21240,7 +22248,7 @@
 </p:sld>
 </file>
 
-<file path=ppt/slides/slide26.xml><?xml version="1.0" encoding="utf-8"?>
+<file path=ppt/slides/slide27.xml><?xml version="1.0" encoding="utf-8"?>
 <p:sld xmlns:a="http://schemas.openxmlformats.org/drawingml/2006/main" xmlns:r="http://schemas.openxmlformats.org/officeDocument/2006/relationships" xmlns:p="http://schemas.openxmlformats.org/presentationml/2006/main">
   <p:cSld>
     <p:spTree>
@@ -21280,8 +22288,8 @@
           </a:p>
         </p:txBody>
       </p:sp>
-      <mc:AlternateContent xmlns:mc="http://schemas.openxmlformats.org/markup-compatibility/2006">
-        <mc:Choice xmlns:a14="http://schemas.microsoft.com/office/drawing/2010/main" Requires="a14">
+      <mc:AlternateContent xmlns:mc="http://schemas.openxmlformats.org/markup-compatibility/2006" xmlns:a14="http://schemas.microsoft.com/office/drawing/2010/main">
+        <mc:Choice Requires="a14">
           <p:sp>
             <p:nvSpPr>
               <p:cNvPr id="3" name="Content Placeholder 2"/>
@@ -21774,7 +22782,7 @@
             </p:txBody>
           </p:sp>
         </mc:Choice>
-        <mc:Fallback>
+        <mc:Fallback xmlns="">
           <p:sp>
             <p:nvSpPr>
               <p:cNvPr id="3" name="Content Placeholder 2"/>
@@ -21871,14 +22879,14 @@
           <a:p>
             <a:fld id="{BA36623C-6CAA-4561-B8E6-59DF76258124}" type="slidenum">
               <a:rPr lang="en-US" smtClean="0"/>
-              <a:t>26</a:t>
+              <a:t>27</a:t>
             </a:fld>
             <a:endParaRPr lang="en-US"/>
           </a:p>
         </p:txBody>
       </p:sp>
-      <mc:AlternateContent xmlns:mc="http://schemas.openxmlformats.org/markup-compatibility/2006">
-        <mc:Choice xmlns:a14="http://schemas.microsoft.com/office/drawing/2010/main" Requires="a14">
+      <mc:AlternateContent xmlns:mc="http://schemas.openxmlformats.org/markup-compatibility/2006" xmlns:a14="http://schemas.microsoft.com/office/drawing/2010/main">
+        <mc:Choice Requires="a14">
           <p:sp>
             <p:nvSpPr>
               <p:cNvPr id="7" name="TextBox 6"/>
@@ -22027,7 +23035,7 @@
             </p:txBody>
           </p:sp>
         </mc:Choice>
-        <mc:Fallback>
+        <mc:Fallback xmlns="">
           <p:sp>
             <p:nvSpPr>
               <p:cNvPr id="7" name="TextBox 6"/>
@@ -22196,7 +23204,7 @@
                             </p:stCondLst>
                             <p:childTnLst>
                               <p:par>
-                                <p:cTn id="9" presetID="1" presetClass="entr" presetSubtype="0" fill="hold" grpId="0" nodeType="clickEffect">
+                                <p:cTn id="9" presetID="1" presetClass="entr" presetSubtype="0" fill="hold" nodeType="clickEffect">
                                   <p:stCondLst>
                                     <p:cond delay="0"/>
                                   </p:stCondLst>
@@ -22204,6 +23212,55 @@
                                     <p:set>
                                       <p:cBhvr>
                                         <p:cTn id="10" dur="1" fill="hold">
+                                          <p:stCondLst>
+                                            <p:cond delay="0"/>
+                                          </p:stCondLst>
+                                        </p:cTn>
+                                        <p:tgtEl>
+                                          <p:spTgt spid="3">
+                                            <p:txEl>
+                                              <p:pRg st="3" end="3"/>
+                                            </p:txEl>
+                                          </p:spTgt>
+                                        </p:tgtEl>
+                                        <p:attrNameLst>
+                                          <p:attrName>style.visibility</p:attrName>
+                                        </p:attrNameLst>
+                                      </p:cBhvr>
+                                      <p:to>
+                                        <p:strVal val="visible"/>
+                                      </p:to>
+                                    </p:set>
+                                  </p:childTnLst>
+                                </p:cTn>
+                              </p:par>
+                            </p:childTnLst>
+                          </p:cTn>
+                        </p:par>
+                      </p:childTnLst>
+                    </p:cTn>
+                  </p:par>
+                  <p:par>
+                    <p:cTn id="11" fill="hold">
+                      <p:stCondLst>
+                        <p:cond delay="indefinite"/>
+                      </p:stCondLst>
+                      <p:childTnLst>
+                        <p:par>
+                          <p:cTn id="12" fill="hold">
+                            <p:stCondLst>
+                              <p:cond delay="0"/>
+                            </p:stCondLst>
+                            <p:childTnLst>
+                              <p:par>
+                                <p:cTn id="13" presetID="1" presetClass="entr" presetSubtype="0" fill="hold" grpId="0" nodeType="clickEffect">
+                                  <p:stCondLst>
+                                    <p:cond delay="0"/>
+                                  </p:stCondLst>
+                                  <p:childTnLst>
+                                    <p:set>
+                                      <p:cBhvr>
+                                        <p:cTn id="14" dur="1" fill="hold">
                                           <p:stCondLst>
                                             <p:cond delay="0"/>
                                           </p:stCondLst>
@@ -22257,7 +23314,7 @@
 </p:sld>
 </file>
 
-<file path=ppt/slides/slide27.xml><?xml version="1.0" encoding="utf-8"?>
+<file path=ppt/slides/slide28.xml><?xml version="1.0" encoding="utf-8"?>
 <p:sld xmlns:a="http://schemas.openxmlformats.org/drawingml/2006/main" xmlns:r="http://schemas.openxmlformats.org/officeDocument/2006/relationships" xmlns:p="http://schemas.openxmlformats.org/presentationml/2006/main">
   <p:cSld>
     <p:spTree>
@@ -22591,7 +23648,7 @@
           <a:p>
             <a:fld id="{BA36623C-6CAA-4561-B8E6-59DF76258124}" type="slidenum">
               <a:rPr lang="en-US" smtClean="0"/>
-              <a:t>27</a:t>
+              <a:t>28</a:t>
             </a:fld>
             <a:endParaRPr lang="en-US"/>
           </a:p>
@@ -22738,7 +23795,7 @@
 </p:sld>
 </file>
 
-<file path=ppt/slides/slide28.xml><?xml version="1.0" encoding="utf-8"?>
+<file path=ppt/slides/slide29.xml><?xml version="1.0" encoding="utf-8"?>
 <p:sld xmlns:a="http://schemas.openxmlformats.org/drawingml/2006/main" xmlns:r="http://schemas.openxmlformats.org/officeDocument/2006/relationships" xmlns:p="http://schemas.openxmlformats.org/presentationml/2006/main">
   <p:cSld>
     <p:spTree>
@@ -23000,7 +24057,7 @@
           <a:p>
             <a:fld id="{BA36623C-6CAA-4561-B8E6-59DF76258124}" type="slidenum">
               <a:rPr lang="en-US" smtClean="0"/>
-              <a:t>28</a:t>
+              <a:t>29</a:t>
             </a:fld>
             <a:endParaRPr lang="en-US"/>
           </a:p>
@@ -23742,8 +24799,8 @@
           </p:sp>
         </mc:Fallback>
       </mc:AlternateContent>
-      <mc:AlternateContent xmlns:mc="http://schemas.openxmlformats.org/markup-compatibility/2006" xmlns:a14="http://schemas.microsoft.com/office/drawing/2010/main">
-        <mc:Choice Requires="a14">
+      <mc:AlternateContent xmlns:mc="http://schemas.openxmlformats.org/markup-compatibility/2006">
+        <mc:Choice xmlns:a14="http://schemas.microsoft.com/office/drawing/2010/main" Requires="a14">
           <p:sp>
             <p:nvSpPr>
               <p:cNvPr id="17" name="TextBox 16"/>
@@ -23805,7 +24862,7 @@
                           </a:solidFill>
                           <a:latin typeface="Cambria Math" panose="02040503050406030204" pitchFamily="18" charset="0"/>
                         </a:rPr>
-                        <m:t>×(</m:t>
+                        <m:t>×</m:t>
                       </m:r>
                       <m:r>
                         <a:rPr lang="en-US" b="0" i="1" dirty="0" smtClean="0">
@@ -23815,15 +24872,6 @@
                           <a:latin typeface="Cambria Math" panose="02040503050406030204" pitchFamily="18" charset="0"/>
                         </a:rPr>
                         <m:t>𝑉</m:t>
-                      </m:r>
-                      <m:r>
-                        <a:rPr lang="en-US" b="0" i="1" dirty="0" smtClean="0">
-                          <a:solidFill>
-                            <a:srgbClr val="FF0000"/>
-                          </a:solidFill>
-                          <a:latin typeface="Cambria Math" panose="02040503050406030204" pitchFamily="18" charset="0"/>
-                        </a:rPr>
-                        <m:t>−1)</m:t>
                       </m:r>
                     </m:oMath>
                   </m:oMathPara>
@@ -23837,7 +24885,7 @@
             </p:txBody>
           </p:sp>
         </mc:Choice>
-        <mc:Fallback xmlns="">
+        <mc:Fallback>
           <p:sp>
             <p:nvSpPr>
               <p:cNvPr id="17" name="TextBox 16"/>
@@ -23857,7 +24905,7 @@
               <a:blipFill rotWithShape="0">
                 <a:blip r:embed="rId6"/>
                 <a:stretch>
-                  <a:fillRect b="-13333"/>
+                  <a:fillRect/>
                 </a:stretch>
               </a:blipFill>
             </p:spPr>
@@ -24093,10 +25141,10 @@
         </p:nvGrpSpPr>
         <p:grpSpPr>
           <a:xfrm>
-            <a:off x="5613596" y="5419361"/>
-            <a:ext cx="3285046" cy="416244"/>
-            <a:chOff x="5507675" y="5644121"/>
-            <a:chExt cx="3285046" cy="416244"/>
+            <a:off x="5258757" y="5053789"/>
+            <a:ext cx="3639885" cy="734904"/>
+            <a:chOff x="5152836" y="5278549"/>
+            <a:chExt cx="3639885" cy="734904"/>
           </a:xfrm>
         </p:grpSpPr>
         <p:sp>
@@ -24134,14 +25182,13 @@
             <p:cNvPr id="22" name="Straight Arrow Connector 21"/>
             <p:cNvCxnSpPr>
               <a:stCxn id="20" idx="1"/>
-              <a:endCxn id="18" idx="3"/>
             </p:cNvCxnSpPr>
             <p:nvPr/>
           </p:nvCxnSpPr>
           <p:spPr>
-            <a:xfrm flipH="1">
-              <a:off x="5507675" y="5828787"/>
-              <a:ext cx="513014" cy="231578"/>
+            <a:xfrm flipH="1" flipV="1">
+              <a:off x="5152836" y="5278549"/>
+              <a:ext cx="867853" cy="550238"/>
             </a:xfrm>
             <a:prstGeom prst="straightConnector1">
               <a:avLst/>
@@ -24529,6 +25576,51 @@
                       </p:childTnLst>
                     </p:cTn>
                   </p:par>
+                  <p:par>
+                    <p:cTn id="33" fill="hold">
+                      <p:stCondLst>
+                        <p:cond delay="indefinite"/>
+                      </p:stCondLst>
+                      <p:childTnLst>
+                        <p:par>
+                          <p:cTn id="34" fill="hold">
+                            <p:stCondLst>
+                              <p:cond delay="0"/>
+                            </p:stCondLst>
+                            <p:childTnLst>
+                              <p:par>
+                                <p:cTn id="35" presetID="1" presetClass="entr" presetSubtype="0" fill="hold" grpId="0" nodeType="clickEffect">
+                                  <p:stCondLst>
+                                    <p:cond delay="0"/>
+                                  </p:stCondLst>
+                                  <p:childTnLst>
+                                    <p:set>
+                                      <p:cBhvr>
+                                        <p:cTn id="36" dur="1" fill="hold">
+                                          <p:stCondLst>
+                                            <p:cond delay="0"/>
+                                          </p:stCondLst>
+                                        </p:cTn>
+                                        <p:tgtEl>
+                                          <p:spTgt spid="2"/>
+                                        </p:tgtEl>
+                                        <p:attrNameLst>
+                                          <p:attrName>style.visibility</p:attrName>
+                                        </p:attrNameLst>
+                                      </p:cBhvr>
+                                      <p:to>
+                                        <p:strVal val="visible"/>
+                                      </p:to>
+                                    </p:set>
+                                  </p:childTnLst>
+                                </p:cTn>
+                              </p:par>
+                            </p:childTnLst>
+                          </p:cTn>
+                        </p:par>
+                      </p:childTnLst>
+                    </p:cTn>
+                  </p:par>
                 </p:childTnLst>
               </p:cTn>
               <p:prevCondLst>
@@ -24551,6 +25643,7 @@
       </p:par>
     </p:tnLst>
     <p:bldLst>
+      <p:bldP spid="2" grpId="0"/>
       <p:bldP spid="8" grpId="0"/>
       <p:bldP spid="15" grpId="0"/>
       <p:bldP spid="16" grpId="0"/>
@@ -24560,7 +25653,1561 @@
 </p:sld>
 </file>
 
-<file path=ppt/slides/slide29.xml><?xml version="1.0" encoding="utf-8"?>
+<file path=ppt/slides/slide3.xml><?xml version="1.0" encoding="utf-8"?>
+<p:sld xmlns:a="http://schemas.openxmlformats.org/drawingml/2006/main" xmlns:r="http://schemas.openxmlformats.org/officeDocument/2006/relationships" xmlns:p="http://schemas.openxmlformats.org/presentationml/2006/main">
+  <p:cSld>
+    <p:spTree>
+      <p:nvGrpSpPr>
+        <p:cNvPr id="1" name=""/>
+        <p:cNvGrpSpPr/>
+        <p:nvPr/>
+      </p:nvGrpSpPr>
+      <p:grpSpPr>
+        <a:xfrm>
+          <a:off x="0" y="0"/>
+          <a:ext cx="0" cy="0"/>
+          <a:chOff x="0" y="0"/>
+          <a:chExt cx="0" cy="0"/>
+        </a:xfrm>
+      </p:grpSpPr>
+      <p:sp>
+        <p:nvSpPr>
+          <p:cNvPr id="2" name="Title 1"/>
+          <p:cNvSpPr>
+            <a:spLocks noGrp="1"/>
+          </p:cNvSpPr>
+          <p:nvPr>
+            <p:ph type="title"/>
+          </p:nvPr>
+        </p:nvSpPr>
+        <p:spPr/>
+        <p:txBody>
+          <a:bodyPr/>
+          <a:lstStyle/>
+          <a:p>
+            <a:r>
+              <a:rPr lang="en-US" dirty="0" smtClean="0"/>
+              <a:t>How to classify this document? </a:t>
+            </a:r>
+            <a:endParaRPr lang="en-US" dirty="0"/>
+          </a:p>
+        </p:txBody>
+      </p:sp>
+      <p:sp>
+        <p:nvSpPr>
+          <p:cNvPr id="4" name="Date Placeholder 3"/>
+          <p:cNvSpPr>
+            <a:spLocks noGrp="1"/>
+          </p:cNvSpPr>
+          <p:nvPr>
+            <p:ph type="dt" sz="half" idx="10"/>
+          </p:nvPr>
+        </p:nvSpPr>
+        <p:spPr/>
+        <p:txBody>
+          <a:bodyPr/>
+          <a:lstStyle/>
+          <a:p>
+            <a:r>
+              <a:rPr lang="en-US" smtClean="0"/>
+              <a:t>CS@UVa</a:t>
+            </a:r>
+            <a:endParaRPr lang="en-US"/>
+          </a:p>
+        </p:txBody>
+      </p:sp>
+      <p:sp>
+        <p:nvSpPr>
+          <p:cNvPr id="5" name="Footer Placeholder 4"/>
+          <p:cNvSpPr>
+            <a:spLocks noGrp="1"/>
+          </p:cNvSpPr>
+          <p:nvPr>
+            <p:ph type="ftr" sz="quarter" idx="11"/>
+          </p:nvPr>
+        </p:nvSpPr>
+        <p:spPr/>
+        <p:txBody>
+          <a:bodyPr/>
+          <a:lstStyle/>
+          <a:p>
+            <a:r>
+              <a:rPr lang="en-US" smtClean="0"/>
+              <a:t>CS 6501: Text Mining</a:t>
+            </a:r>
+            <a:endParaRPr lang="en-US"/>
+          </a:p>
+        </p:txBody>
+      </p:sp>
+      <p:sp>
+        <p:nvSpPr>
+          <p:cNvPr id="6" name="Slide Number Placeholder 5"/>
+          <p:cNvSpPr>
+            <a:spLocks noGrp="1"/>
+          </p:cNvSpPr>
+          <p:nvPr>
+            <p:ph type="sldNum" sz="quarter" idx="12"/>
+          </p:nvPr>
+        </p:nvSpPr>
+        <p:spPr/>
+        <p:txBody>
+          <a:bodyPr/>
+          <a:lstStyle/>
+          <a:p>
+            <a:fld id="{BA36623C-6CAA-4561-B8E6-59DF76258124}" type="slidenum">
+              <a:rPr lang="en-US" smtClean="0"/>
+              <a:t>3</a:t>
+            </a:fld>
+            <a:endParaRPr lang="en-US"/>
+          </a:p>
+        </p:txBody>
+      </p:sp>
+      <p:sp>
+        <p:nvSpPr>
+          <p:cNvPr id="7" name="Rectangle 6"/>
+          <p:cNvSpPr/>
+          <p:nvPr/>
+        </p:nvSpPr>
+        <p:spPr>
+          <a:xfrm>
+            <a:off x="2389908" y="2628900"/>
+            <a:ext cx="280555" cy="280555"/>
+          </a:xfrm>
+          <a:prstGeom prst="rect">
+            <a:avLst/>
+          </a:prstGeom>
+        </p:spPr>
+        <p:style>
+          <a:lnRef idx="2">
+            <a:schemeClr val="accent1">
+              <a:shade val="50000"/>
+            </a:schemeClr>
+          </a:lnRef>
+          <a:fillRef idx="1">
+            <a:schemeClr val="accent1"/>
+          </a:fillRef>
+          <a:effectRef idx="0">
+            <a:schemeClr val="accent1"/>
+          </a:effectRef>
+          <a:fontRef idx="minor">
+            <a:schemeClr val="lt1"/>
+          </a:fontRef>
+        </p:style>
+        <p:txBody>
+          <a:bodyPr rtlCol="0" anchor="ctr"/>
+          <a:lstStyle/>
+          <a:p>
+            <a:pPr algn="ctr"/>
+            <a:endParaRPr lang="en-US"/>
+          </a:p>
+        </p:txBody>
+      </p:sp>
+      <p:sp>
+        <p:nvSpPr>
+          <p:cNvPr id="8" name="Rectangle 7"/>
+          <p:cNvSpPr/>
+          <p:nvPr/>
+        </p:nvSpPr>
+        <p:spPr>
+          <a:xfrm>
+            <a:off x="1932708" y="3262746"/>
+            <a:ext cx="280555" cy="280555"/>
+          </a:xfrm>
+          <a:prstGeom prst="rect">
+            <a:avLst/>
+          </a:prstGeom>
+        </p:spPr>
+        <p:style>
+          <a:lnRef idx="2">
+            <a:schemeClr val="accent1">
+              <a:shade val="50000"/>
+            </a:schemeClr>
+          </a:lnRef>
+          <a:fillRef idx="1">
+            <a:schemeClr val="accent1"/>
+          </a:fillRef>
+          <a:effectRef idx="0">
+            <a:schemeClr val="accent1"/>
+          </a:effectRef>
+          <a:fontRef idx="minor">
+            <a:schemeClr val="lt1"/>
+          </a:fontRef>
+        </p:style>
+        <p:txBody>
+          <a:bodyPr rtlCol="0" anchor="ctr"/>
+          <a:lstStyle/>
+          <a:p>
+            <a:pPr algn="ctr"/>
+            <a:endParaRPr lang="en-US"/>
+          </a:p>
+        </p:txBody>
+      </p:sp>
+      <p:sp>
+        <p:nvSpPr>
+          <p:cNvPr id="9" name="Rectangle 8"/>
+          <p:cNvSpPr/>
+          <p:nvPr/>
+        </p:nvSpPr>
+        <p:spPr>
+          <a:xfrm>
+            <a:off x="2919844" y="3595255"/>
+            <a:ext cx="280555" cy="280555"/>
+          </a:xfrm>
+          <a:prstGeom prst="rect">
+            <a:avLst/>
+          </a:prstGeom>
+        </p:spPr>
+        <p:style>
+          <a:lnRef idx="2">
+            <a:schemeClr val="accent1">
+              <a:shade val="50000"/>
+            </a:schemeClr>
+          </a:lnRef>
+          <a:fillRef idx="1">
+            <a:schemeClr val="accent1"/>
+          </a:fillRef>
+          <a:effectRef idx="0">
+            <a:schemeClr val="accent1"/>
+          </a:effectRef>
+          <a:fontRef idx="minor">
+            <a:schemeClr val="lt1"/>
+          </a:fontRef>
+        </p:style>
+        <p:txBody>
+          <a:bodyPr rtlCol="0" anchor="ctr"/>
+          <a:lstStyle/>
+          <a:p>
+            <a:pPr algn="ctr"/>
+            <a:endParaRPr lang="en-US"/>
+          </a:p>
+        </p:txBody>
+      </p:sp>
+      <p:sp>
+        <p:nvSpPr>
+          <p:cNvPr id="10" name="Rectangle 9"/>
+          <p:cNvSpPr/>
+          <p:nvPr/>
+        </p:nvSpPr>
+        <p:spPr>
+          <a:xfrm>
+            <a:off x="3345871" y="2441864"/>
+            <a:ext cx="280555" cy="280555"/>
+          </a:xfrm>
+          <a:prstGeom prst="rect">
+            <a:avLst/>
+          </a:prstGeom>
+        </p:spPr>
+        <p:style>
+          <a:lnRef idx="2">
+            <a:schemeClr val="accent1">
+              <a:shade val="50000"/>
+            </a:schemeClr>
+          </a:lnRef>
+          <a:fillRef idx="1">
+            <a:schemeClr val="accent1"/>
+          </a:fillRef>
+          <a:effectRef idx="0">
+            <a:schemeClr val="accent1"/>
+          </a:effectRef>
+          <a:fontRef idx="minor">
+            <a:schemeClr val="lt1"/>
+          </a:fontRef>
+        </p:style>
+        <p:txBody>
+          <a:bodyPr rtlCol="0" anchor="ctr"/>
+          <a:lstStyle/>
+          <a:p>
+            <a:pPr algn="ctr"/>
+            <a:endParaRPr lang="en-US"/>
+          </a:p>
+        </p:txBody>
+      </p:sp>
+      <p:sp>
+        <p:nvSpPr>
+          <p:cNvPr id="11" name="Rectangle 10"/>
+          <p:cNvSpPr/>
+          <p:nvPr/>
+        </p:nvSpPr>
+        <p:spPr>
+          <a:xfrm>
+            <a:off x="3678380" y="3345873"/>
+            <a:ext cx="280555" cy="280555"/>
+          </a:xfrm>
+          <a:prstGeom prst="rect">
+            <a:avLst/>
+          </a:prstGeom>
+        </p:spPr>
+        <p:style>
+          <a:lnRef idx="2">
+            <a:schemeClr val="accent1">
+              <a:shade val="50000"/>
+            </a:schemeClr>
+          </a:lnRef>
+          <a:fillRef idx="1">
+            <a:schemeClr val="accent1"/>
+          </a:fillRef>
+          <a:effectRef idx="0">
+            <a:schemeClr val="accent1"/>
+          </a:effectRef>
+          <a:fontRef idx="minor">
+            <a:schemeClr val="lt1"/>
+          </a:fontRef>
+        </p:style>
+        <p:txBody>
+          <a:bodyPr rtlCol="0" anchor="ctr"/>
+          <a:lstStyle/>
+          <a:p>
+            <a:pPr algn="ctr"/>
+            <a:endParaRPr lang="en-US"/>
+          </a:p>
+        </p:txBody>
+      </p:sp>
+      <p:sp>
+        <p:nvSpPr>
+          <p:cNvPr id="12" name="Isosceles Triangle 11"/>
+          <p:cNvSpPr/>
+          <p:nvPr/>
+        </p:nvSpPr>
+        <p:spPr>
+          <a:xfrm>
+            <a:off x="5943599" y="3075709"/>
+            <a:ext cx="325444" cy="280555"/>
+          </a:xfrm>
+          <a:prstGeom prst="triangle">
+            <a:avLst/>
+          </a:prstGeom>
+          <a:solidFill>
+            <a:srgbClr val="FF0000"/>
+          </a:solidFill>
+          <a:ln>
+            <a:solidFill>
+              <a:srgbClr val="FF0000"/>
+            </a:solidFill>
+          </a:ln>
+        </p:spPr>
+        <p:style>
+          <a:lnRef idx="2">
+            <a:schemeClr val="accent1">
+              <a:shade val="50000"/>
+            </a:schemeClr>
+          </a:lnRef>
+          <a:fillRef idx="1">
+            <a:schemeClr val="accent1"/>
+          </a:fillRef>
+          <a:effectRef idx="0">
+            <a:schemeClr val="accent1"/>
+          </a:effectRef>
+          <a:fontRef idx="minor">
+            <a:schemeClr val="lt1"/>
+          </a:fontRef>
+        </p:style>
+        <p:txBody>
+          <a:bodyPr rtlCol="0" anchor="ctr"/>
+          <a:lstStyle/>
+          <a:p>
+            <a:pPr algn="ctr"/>
+            <a:endParaRPr lang="en-US"/>
+          </a:p>
+        </p:txBody>
+      </p:sp>
+      <p:sp>
+        <p:nvSpPr>
+          <p:cNvPr id="13" name="Isosceles Triangle 12"/>
+          <p:cNvSpPr/>
+          <p:nvPr/>
+        </p:nvSpPr>
+        <p:spPr>
+          <a:xfrm>
+            <a:off x="5663044" y="3574472"/>
+            <a:ext cx="325444" cy="280555"/>
+          </a:xfrm>
+          <a:prstGeom prst="triangle">
+            <a:avLst/>
+          </a:prstGeom>
+          <a:solidFill>
+            <a:srgbClr val="FF0000"/>
+          </a:solidFill>
+          <a:ln>
+            <a:solidFill>
+              <a:srgbClr val="FF0000"/>
+            </a:solidFill>
+          </a:ln>
+        </p:spPr>
+        <p:style>
+          <a:lnRef idx="2">
+            <a:schemeClr val="accent1">
+              <a:shade val="50000"/>
+            </a:schemeClr>
+          </a:lnRef>
+          <a:fillRef idx="1">
+            <a:schemeClr val="accent1"/>
+          </a:fillRef>
+          <a:effectRef idx="0">
+            <a:schemeClr val="accent1"/>
+          </a:effectRef>
+          <a:fontRef idx="minor">
+            <a:schemeClr val="lt1"/>
+          </a:fontRef>
+        </p:style>
+        <p:txBody>
+          <a:bodyPr rtlCol="0" anchor="ctr"/>
+          <a:lstStyle/>
+          <a:p>
+            <a:pPr algn="ctr"/>
+            <a:endParaRPr lang="en-US"/>
+          </a:p>
+        </p:txBody>
+      </p:sp>
+      <p:sp>
+        <p:nvSpPr>
+          <p:cNvPr id="14" name="Isosceles Triangle 13"/>
+          <p:cNvSpPr/>
+          <p:nvPr/>
+        </p:nvSpPr>
+        <p:spPr>
+          <a:xfrm>
+            <a:off x="5600698" y="4208318"/>
+            <a:ext cx="325444" cy="280555"/>
+          </a:xfrm>
+          <a:prstGeom prst="triangle">
+            <a:avLst/>
+          </a:prstGeom>
+          <a:solidFill>
+            <a:srgbClr val="FF0000"/>
+          </a:solidFill>
+          <a:ln>
+            <a:solidFill>
+              <a:srgbClr val="FF0000"/>
+            </a:solidFill>
+          </a:ln>
+        </p:spPr>
+        <p:style>
+          <a:lnRef idx="2">
+            <a:schemeClr val="accent1">
+              <a:shade val="50000"/>
+            </a:schemeClr>
+          </a:lnRef>
+          <a:fillRef idx="1">
+            <a:schemeClr val="accent1"/>
+          </a:fillRef>
+          <a:effectRef idx="0">
+            <a:schemeClr val="accent1"/>
+          </a:effectRef>
+          <a:fontRef idx="minor">
+            <a:schemeClr val="lt1"/>
+          </a:fontRef>
+        </p:style>
+        <p:txBody>
+          <a:bodyPr rtlCol="0" anchor="ctr"/>
+          <a:lstStyle/>
+          <a:p>
+            <a:pPr algn="ctr"/>
+            <a:endParaRPr lang="en-US"/>
+          </a:p>
+        </p:txBody>
+      </p:sp>
+      <p:sp>
+        <p:nvSpPr>
+          <p:cNvPr id="15" name="Isosceles Triangle 14"/>
+          <p:cNvSpPr/>
+          <p:nvPr/>
+        </p:nvSpPr>
+        <p:spPr>
+          <a:xfrm>
+            <a:off x="6837216" y="3979718"/>
+            <a:ext cx="325444" cy="280555"/>
+          </a:xfrm>
+          <a:prstGeom prst="triangle">
+            <a:avLst/>
+          </a:prstGeom>
+          <a:solidFill>
+            <a:srgbClr val="FF0000"/>
+          </a:solidFill>
+          <a:ln>
+            <a:solidFill>
+              <a:srgbClr val="FF0000"/>
+            </a:solidFill>
+          </a:ln>
+        </p:spPr>
+        <p:style>
+          <a:lnRef idx="2">
+            <a:schemeClr val="accent1">
+              <a:shade val="50000"/>
+            </a:schemeClr>
+          </a:lnRef>
+          <a:fillRef idx="1">
+            <a:schemeClr val="accent1"/>
+          </a:fillRef>
+          <a:effectRef idx="0">
+            <a:schemeClr val="accent1"/>
+          </a:effectRef>
+          <a:fontRef idx="minor">
+            <a:schemeClr val="lt1"/>
+          </a:fontRef>
+        </p:style>
+        <p:txBody>
+          <a:bodyPr rtlCol="0" anchor="ctr"/>
+          <a:lstStyle/>
+          <a:p>
+            <a:pPr algn="ctr"/>
+            <a:endParaRPr lang="en-US"/>
+          </a:p>
+        </p:txBody>
+      </p:sp>
+      <p:sp>
+        <p:nvSpPr>
+          <p:cNvPr id="16" name="Isosceles Triangle 15"/>
+          <p:cNvSpPr/>
+          <p:nvPr/>
+        </p:nvSpPr>
+        <p:spPr>
+          <a:xfrm>
+            <a:off x="6494316" y="3595254"/>
+            <a:ext cx="325444" cy="280555"/>
+          </a:xfrm>
+          <a:prstGeom prst="triangle">
+            <a:avLst/>
+          </a:prstGeom>
+          <a:solidFill>
+            <a:srgbClr val="FF0000"/>
+          </a:solidFill>
+          <a:ln>
+            <a:solidFill>
+              <a:srgbClr val="FF0000"/>
+            </a:solidFill>
+          </a:ln>
+        </p:spPr>
+        <p:style>
+          <a:lnRef idx="2">
+            <a:schemeClr val="accent1">
+              <a:shade val="50000"/>
+            </a:schemeClr>
+          </a:lnRef>
+          <a:fillRef idx="1">
+            <a:schemeClr val="accent1"/>
+          </a:fillRef>
+          <a:effectRef idx="0">
+            <a:schemeClr val="accent1"/>
+          </a:effectRef>
+          <a:fontRef idx="minor">
+            <a:schemeClr val="lt1"/>
+          </a:fontRef>
+        </p:style>
+        <p:txBody>
+          <a:bodyPr rtlCol="0" anchor="ctr"/>
+          <a:lstStyle/>
+          <a:p>
+            <a:pPr algn="ctr"/>
+            <a:endParaRPr lang="en-US"/>
+          </a:p>
+        </p:txBody>
+      </p:sp>
+      <p:sp>
+        <p:nvSpPr>
+          <p:cNvPr id="17" name="Isosceles Triangle 16"/>
+          <p:cNvSpPr/>
+          <p:nvPr/>
+        </p:nvSpPr>
+        <p:spPr>
+          <a:xfrm>
+            <a:off x="6244934" y="4083627"/>
+            <a:ext cx="325444" cy="280555"/>
+          </a:xfrm>
+          <a:prstGeom prst="triangle">
+            <a:avLst/>
+          </a:prstGeom>
+          <a:solidFill>
+            <a:srgbClr val="FF0000"/>
+          </a:solidFill>
+          <a:ln>
+            <a:solidFill>
+              <a:srgbClr val="FF0000"/>
+            </a:solidFill>
+          </a:ln>
+        </p:spPr>
+        <p:style>
+          <a:lnRef idx="2">
+            <a:schemeClr val="accent1">
+              <a:shade val="50000"/>
+            </a:schemeClr>
+          </a:lnRef>
+          <a:fillRef idx="1">
+            <a:schemeClr val="accent1"/>
+          </a:fillRef>
+          <a:effectRef idx="0">
+            <a:schemeClr val="accent1"/>
+          </a:effectRef>
+          <a:fontRef idx="minor">
+            <a:schemeClr val="lt1"/>
+          </a:fontRef>
+        </p:style>
+        <p:txBody>
+          <a:bodyPr rtlCol="0" anchor="ctr"/>
+          <a:lstStyle/>
+          <a:p>
+            <a:pPr algn="ctr"/>
+            <a:endParaRPr lang="en-US"/>
+          </a:p>
+        </p:txBody>
+      </p:sp>
+      <p:sp>
+        <p:nvSpPr>
+          <p:cNvPr id="19" name="Oval 18"/>
+          <p:cNvSpPr/>
+          <p:nvPr/>
+        </p:nvSpPr>
+        <p:spPr>
+          <a:xfrm>
+            <a:off x="2649682" y="4499264"/>
+            <a:ext cx="259772" cy="259772"/>
+          </a:xfrm>
+          <a:prstGeom prst="ellipse">
+            <a:avLst/>
+          </a:prstGeom>
+          <a:solidFill>
+            <a:srgbClr val="00B050"/>
+          </a:solidFill>
+          <a:ln>
+            <a:solidFill>
+              <a:srgbClr val="00B050"/>
+            </a:solidFill>
+          </a:ln>
+        </p:spPr>
+        <p:style>
+          <a:lnRef idx="2">
+            <a:schemeClr val="accent1">
+              <a:shade val="50000"/>
+            </a:schemeClr>
+          </a:lnRef>
+          <a:fillRef idx="1">
+            <a:schemeClr val="accent1"/>
+          </a:fillRef>
+          <a:effectRef idx="0">
+            <a:schemeClr val="accent1"/>
+          </a:effectRef>
+          <a:fontRef idx="minor">
+            <a:schemeClr val="lt1"/>
+          </a:fontRef>
+        </p:style>
+        <p:txBody>
+          <a:bodyPr rtlCol="0" anchor="ctr"/>
+          <a:lstStyle/>
+          <a:p>
+            <a:pPr algn="ctr"/>
+            <a:endParaRPr lang="en-US"/>
+          </a:p>
+        </p:txBody>
+      </p:sp>
+      <p:sp>
+        <p:nvSpPr>
+          <p:cNvPr id="20" name="Oval 19"/>
+          <p:cNvSpPr/>
+          <p:nvPr/>
+        </p:nvSpPr>
+        <p:spPr>
+          <a:xfrm>
+            <a:off x="3397828" y="4696692"/>
+            <a:ext cx="259772" cy="259772"/>
+          </a:xfrm>
+          <a:prstGeom prst="ellipse">
+            <a:avLst/>
+          </a:prstGeom>
+          <a:solidFill>
+            <a:srgbClr val="00B050"/>
+          </a:solidFill>
+          <a:ln>
+            <a:solidFill>
+              <a:srgbClr val="00B050"/>
+            </a:solidFill>
+          </a:ln>
+        </p:spPr>
+        <p:style>
+          <a:lnRef idx="2">
+            <a:schemeClr val="accent1">
+              <a:shade val="50000"/>
+            </a:schemeClr>
+          </a:lnRef>
+          <a:fillRef idx="1">
+            <a:schemeClr val="accent1"/>
+          </a:fillRef>
+          <a:effectRef idx="0">
+            <a:schemeClr val="accent1"/>
+          </a:effectRef>
+          <a:fontRef idx="minor">
+            <a:schemeClr val="lt1"/>
+          </a:fontRef>
+        </p:style>
+        <p:txBody>
+          <a:bodyPr rtlCol="0" anchor="ctr"/>
+          <a:lstStyle/>
+          <a:p>
+            <a:pPr algn="ctr"/>
+            <a:endParaRPr lang="en-US"/>
+          </a:p>
+        </p:txBody>
+      </p:sp>
+      <p:sp>
+        <p:nvSpPr>
+          <p:cNvPr id="21" name="Oval 20"/>
+          <p:cNvSpPr/>
+          <p:nvPr/>
+        </p:nvSpPr>
+        <p:spPr>
+          <a:xfrm>
+            <a:off x="4010892" y="5049983"/>
+            <a:ext cx="259772" cy="259772"/>
+          </a:xfrm>
+          <a:prstGeom prst="ellipse">
+            <a:avLst/>
+          </a:prstGeom>
+          <a:solidFill>
+            <a:srgbClr val="00B050"/>
+          </a:solidFill>
+          <a:ln>
+            <a:solidFill>
+              <a:srgbClr val="00B050"/>
+            </a:solidFill>
+          </a:ln>
+        </p:spPr>
+        <p:style>
+          <a:lnRef idx="2">
+            <a:schemeClr val="accent1">
+              <a:shade val="50000"/>
+            </a:schemeClr>
+          </a:lnRef>
+          <a:fillRef idx="1">
+            <a:schemeClr val="accent1"/>
+          </a:fillRef>
+          <a:effectRef idx="0">
+            <a:schemeClr val="accent1"/>
+          </a:effectRef>
+          <a:fontRef idx="minor">
+            <a:schemeClr val="lt1"/>
+          </a:fontRef>
+        </p:style>
+        <p:txBody>
+          <a:bodyPr rtlCol="0" anchor="ctr"/>
+          <a:lstStyle/>
+          <a:p>
+            <a:pPr algn="ctr"/>
+            <a:endParaRPr lang="en-US"/>
+          </a:p>
+        </p:txBody>
+      </p:sp>
+      <p:sp>
+        <p:nvSpPr>
+          <p:cNvPr id="22" name="Oval 21"/>
+          <p:cNvSpPr/>
+          <p:nvPr/>
+        </p:nvSpPr>
+        <p:spPr>
+          <a:xfrm>
+            <a:off x="3917373" y="5715001"/>
+            <a:ext cx="259772" cy="259772"/>
+          </a:xfrm>
+          <a:prstGeom prst="ellipse">
+            <a:avLst/>
+          </a:prstGeom>
+          <a:solidFill>
+            <a:srgbClr val="00B050"/>
+          </a:solidFill>
+          <a:ln>
+            <a:solidFill>
+              <a:srgbClr val="00B050"/>
+            </a:solidFill>
+          </a:ln>
+        </p:spPr>
+        <p:style>
+          <a:lnRef idx="2">
+            <a:schemeClr val="accent1">
+              <a:shade val="50000"/>
+            </a:schemeClr>
+          </a:lnRef>
+          <a:fillRef idx="1">
+            <a:schemeClr val="accent1"/>
+          </a:fillRef>
+          <a:effectRef idx="0">
+            <a:schemeClr val="accent1"/>
+          </a:effectRef>
+          <a:fontRef idx="minor">
+            <a:schemeClr val="lt1"/>
+          </a:fontRef>
+        </p:style>
+        <p:txBody>
+          <a:bodyPr rtlCol="0" anchor="ctr"/>
+          <a:lstStyle/>
+          <a:p>
+            <a:pPr algn="ctr"/>
+            <a:endParaRPr lang="en-US"/>
+          </a:p>
+        </p:txBody>
+      </p:sp>
+      <p:sp>
+        <p:nvSpPr>
+          <p:cNvPr id="23" name="Oval 22"/>
+          <p:cNvSpPr/>
+          <p:nvPr/>
+        </p:nvSpPr>
+        <p:spPr>
+          <a:xfrm>
+            <a:off x="3075710" y="5715001"/>
+            <a:ext cx="259772" cy="259772"/>
+          </a:xfrm>
+          <a:prstGeom prst="ellipse">
+            <a:avLst/>
+          </a:prstGeom>
+          <a:solidFill>
+            <a:srgbClr val="00B050"/>
+          </a:solidFill>
+          <a:ln>
+            <a:solidFill>
+              <a:srgbClr val="00B050"/>
+            </a:solidFill>
+          </a:ln>
+        </p:spPr>
+        <p:style>
+          <a:lnRef idx="2">
+            <a:schemeClr val="accent1">
+              <a:shade val="50000"/>
+            </a:schemeClr>
+          </a:lnRef>
+          <a:fillRef idx="1">
+            <a:schemeClr val="accent1"/>
+          </a:fillRef>
+          <a:effectRef idx="0">
+            <a:schemeClr val="accent1"/>
+          </a:effectRef>
+          <a:fontRef idx="minor">
+            <a:schemeClr val="lt1"/>
+          </a:fontRef>
+        </p:style>
+        <p:txBody>
+          <a:bodyPr rtlCol="0" anchor="ctr"/>
+          <a:lstStyle/>
+          <a:p>
+            <a:pPr algn="ctr"/>
+            <a:endParaRPr lang="en-US"/>
+          </a:p>
+        </p:txBody>
+      </p:sp>
+      <p:sp>
+        <p:nvSpPr>
+          <p:cNvPr id="24" name="Oval 23"/>
+          <p:cNvSpPr/>
+          <p:nvPr/>
+        </p:nvSpPr>
+        <p:spPr>
+          <a:xfrm>
+            <a:off x="2670464" y="5185065"/>
+            <a:ext cx="259772" cy="259772"/>
+          </a:xfrm>
+          <a:prstGeom prst="ellipse">
+            <a:avLst/>
+          </a:prstGeom>
+          <a:solidFill>
+            <a:srgbClr val="00B050"/>
+          </a:solidFill>
+          <a:ln>
+            <a:solidFill>
+              <a:srgbClr val="00B050"/>
+            </a:solidFill>
+          </a:ln>
+        </p:spPr>
+        <p:style>
+          <a:lnRef idx="2">
+            <a:schemeClr val="accent1">
+              <a:shade val="50000"/>
+            </a:schemeClr>
+          </a:lnRef>
+          <a:fillRef idx="1">
+            <a:schemeClr val="accent1"/>
+          </a:fillRef>
+          <a:effectRef idx="0">
+            <a:schemeClr val="accent1"/>
+          </a:effectRef>
+          <a:fontRef idx="minor">
+            <a:schemeClr val="lt1"/>
+          </a:fontRef>
+        </p:style>
+        <p:txBody>
+          <a:bodyPr rtlCol="0" anchor="ctr"/>
+          <a:lstStyle/>
+          <a:p>
+            <a:pPr algn="ctr"/>
+            <a:endParaRPr lang="en-US"/>
+          </a:p>
+        </p:txBody>
+      </p:sp>
+      <p:sp>
+        <p:nvSpPr>
+          <p:cNvPr id="25" name="Oval 24"/>
+          <p:cNvSpPr/>
+          <p:nvPr/>
+        </p:nvSpPr>
+        <p:spPr>
+          <a:xfrm>
+            <a:off x="4592782" y="4592782"/>
+            <a:ext cx="259772" cy="259772"/>
+          </a:xfrm>
+          <a:prstGeom prst="ellipse">
+            <a:avLst/>
+          </a:prstGeom>
+          <a:solidFill>
+            <a:srgbClr val="00B050"/>
+          </a:solidFill>
+          <a:ln>
+            <a:solidFill>
+              <a:srgbClr val="00B050"/>
+            </a:solidFill>
+          </a:ln>
+        </p:spPr>
+        <p:style>
+          <a:lnRef idx="2">
+            <a:schemeClr val="accent1">
+              <a:shade val="50000"/>
+            </a:schemeClr>
+          </a:lnRef>
+          <a:fillRef idx="1">
+            <a:schemeClr val="accent1"/>
+          </a:fillRef>
+          <a:effectRef idx="0">
+            <a:schemeClr val="accent1"/>
+          </a:effectRef>
+          <a:fontRef idx="minor">
+            <a:schemeClr val="lt1"/>
+          </a:fontRef>
+        </p:style>
+        <p:txBody>
+          <a:bodyPr rtlCol="0" anchor="ctr"/>
+          <a:lstStyle/>
+          <a:p>
+            <a:pPr algn="ctr"/>
+            <a:endParaRPr lang="en-US"/>
+          </a:p>
+        </p:txBody>
+      </p:sp>
+      <p:sp>
+        <p:nvSpPr>
+          <p:cNvPr id="26" name="Oval 25"/>
+          <p:cNvSpPr/>
+          <p:nvPr/>
+        </p:nvSpPr>
+        <p:spPr>
+          <a:xfrm>
+            <a:off x="4613564" y="5278583"/>
+            <a:ext cx="259772" cy="259772"/>
+          </a:xfrm>
+          <a:prstGeom prst="ellipse">
+            <a:avLst/>
+          </a:prstGeom>
+          <a:solidFill>
+            <a:srgbClr val="00B050"/>
+          </a:solidFill>
+          <a:ln>
+            <a:solidFill>
+              <a:srgbClr val="00B050"/>
+            </a:solidFill>
+          </a:ln>
+        </p:spPr>
+        <p:style>
+          <a:lnRef idx="2">
+            <a:schemeClr val="accent1">
+              <a:shade val="50000"/>
+            </a:schemeClr>
+          </a:lnRef>
+          <a:fillRef idx="1">
+            <a:schemeClr val="accent1"/>
+          </a:fillRef>
+          <a:effectRef idx="0">
+            <a:schemeClr val="accent1"/>
+          </a:effectRef>
+          <a:fontRef idx="minor">
+            <a:schemeClr val="lt1"/>
+          </a:fontRef>
+        </p:style>
+        <p:txBody>
+          <a:bodyPr rtlCol="0" anchor="ctr"/>
+          <a:lstStyle/>
+          <a:p>
+            <a:pPr algn="ctr"/>
+            <a:endParaRPr lang="en-US"/>
+          </a:p>
+        </p:txBody>
+      </p:sp>
+      <p:sp>
+        <p:nvSpPr>
+          <p:cNvPr id="27" name="TextBox 26"/>
+          <p:cNvSpPr txBox="1"/>
+          <p:nvPr/>
+        </p:nvSpPr>
+        <p:spPr>
+          <a:xfrm>
+            <a:off x="4831771" y="2392901"/>
+            <a:ext cx="820881" cy="584775"/>
+          </a:xfrm>
+          <a:prstGeom prst="rect">
+            <a:avLst/>
+          </a:prstGeom>
+          <a:noFill/>
+        </p:spPr>
+        <p:txBody>
+          <a:bodyPr wrap="square" rtlCol="0">
+            <a:spAutoFit/>
+          </a:bodyPr>
+          <a:lstStyle/>
+          <a:p>
+            <a:r>
+              <a:rPr lang="en-US" sz="3200" b="1" dirty="0" smtClean="0"/>
+              <a:t>?</a:t>
+            </a:r>
+            <a:endParaRPr lang="en-US" sz="3200" b="1" dirty="0"/>
+          </a:p>
+        </p:txBody>
+      </p:sp>
+      <p:sp>
+        <p:nvSpPr>
+          <p:cNvPr id="28" name="Regular Pentagon 27"/>
+          <p:cNvSpPr/>
+          <p:nvPr/>
+        </p:nvSpPr>
+        <p:spPr>
+          <a:xfrm>
+            <a:off x="4416134" y="2869292"/>
+            <a:ext cx="374073" cy="356260"/>
+          </a:xfrm>
+          <a:prstGeom prst="pentagon">
+            <a:avLst/>
+          </a:prstGeom>
+          <a:noFill/>
+          <a:ln>
+            <a:solidFill>
+              <a:schemeClr val="tx1"/>
+            </a:solidFill>
+            <a:prstDash val="dash"/>
+          </a:ln>
+        </p:spPr>
+        <p:style>
+          <a:lnRef idx="2">
+            <a:schemeClr val="accent1">
+              <a:shade val="50000"/>
+            </a:schemeClr>
+          </a:lnRef>
+          <a:fillRef idx="1">
+            <a:schemeClr val="accent1"/>
+          </a:fillRef>
+          <a:effectRef idx="0">
+            <a:schemeClr val="accent1"/>
+          </a:effectRef>
+          <a:fontRef idx="minor">
+            <a:schemeClr val="lt1"/>
+          </a:fontRef>
+        </p:style>
+        <p:txBody>
+          <a:bodyPr rtlCol="0" anchor="ctr"/>
+          <a:lstStyle/>
+          <a:p>
+            <a:pPr algn="ctr"/>
+            <a:endParaRPr lang="en-US"/>
+          </a:p>
+        </p:txBody>
+      </p:sp>
+      <p:grpSp>
+        <p:nvGrpSpPr>
+          <p:cNvPr id="40" name="Group 39"/>
+          <p:cNvGrpSpPr/>
+          <p:nvPr/>
+        </p:nvGrpSpPr>
+        <p:grpSpPr>
+          <a:xfrm>
+            <a:off x="6930736" y="4826578"/>
+            <a:ext cx="1756064" cy="1402773"/>
+            <a:chOff x="7304807" y="1818409"/>
+            <a:chExt cx="1756064" cy="1402773"/>
+          </a:xfrm>
+        </p:grpSpPr>
+        <p:grpSp>
+          <p:nvGrpSpPr>
+            <p:cNvPr id="38" name="Group 37"/>
+            <p:cNvGrpSpPr/>
+            <p:nvPr/>
+          </p:nvGrpSpPr>
+          <p:grpSpPr>
+            <a:xfrm>
+              <a:off x="7450280" y="1918316"/>
+              <a:ext cx="1610591" cy="1201779"/>
+              <a:chOff x="7450280" y="1918316"/>
+              <a:chExt cx="1610591" cy="1201779"/>
+            </a:xfrm>
+          </p:grpSpPr>
+          <p:grpSp>
+            <p:nvGrpSpPr>
+              <p:cNvPr id="35" name="Group 34"/>
+              <p:cNvGrpSpPr/>
+              <p:nvPr/>
+            </p:nvGrpSpPr>
+            <p:grpSpPr>
+              <a:xfrm>
+                <a:off x="7450280" y="1918316"/>
+                <a:ext cx="1610591" cy="369332"/>
+                <a:chOff x="7450280" y="1838603"/>
+                <a:chExt cx="1610591" cy="369332"/>
+              </a:xfrm>
+            </p:grpSpPr>
+            <p:sp>
+              <p:nvSpPr>
+                <p:cNvPr id="29" name="Isosceles Triangle 28"/>
+                <p:cNvSpPr/>
+                <p:nvPr/>
+              </p:nvSpPr>
+              <p:spPr>
+                <a:xfrm>
+                  <a:off x="7450280" y="1839191"/>
+                  <a:ext cx="325444" cy="280555"/>
+                </a:xfrm>
+                <a:prstGeom prst="triangle">
+                  <a:avLst/>
+                </a:prstGeom>
+                <a:solidFill>
+                  <a:srgbClr val="FF0000"/>
+                </a:solidFill>
+                <a:ln>
+                  <a:solidFill>
+                    <a:srgbClr val="FF0000"/>
+                  </a:solidFill>
+                </a:ln>
+              </p:spPr>
+              <p:style>
+                <a:lnRef idx="2">
+                  <a:schemeClr val="accent1">
+                    <a:shade val="50000"/>
+                  </a:schemeClr>
+                </a:lnRef>
+                <a:fillRef idx="1">
+                  <a:schemeClr val="accent1"/>
+                </a:fillRef>
+                <a:effectRef idx="0">
+                  <a:schemeClr val="accent1"/>
+                </a:effectRef>
+                <a:fontRef idx="minor">
+                  <a:schemeClr val="lt1"/>
+                </a:fontRef>
+              </p:style>
+              <p:txBody>
+                <a:bodyPr rtlCol="0" anchor="ctr"/>
+                <a:lstStyle/>
+                <a:p>
+                  <a:pPr algn="ctr"/>
+                  <a:endParaRPr lang="en-US"/>
+                </a:p>
+              </p:txBody>
+            </p:sp>
+            <p:sp>
+              <p:nvSpPr>
+                <p:cNvPr id="32" name="TextBox 31"/>
+                <p:cNvSpPr txBox="1"/>
+                <p:nvPr/>
+              </p:nvSpPr>
+              <p:spPr>
+                <a:xfrm>
+                  <a:off x="7793180" y="1838603"/>
+                  <a:ext cx="1267691" cy="369332"/>
+                </a:xfrm>
+                <a:prstGeom prst="rect">
+                  <a:avLst/>
+                </a:prstGeom>
+                <a:noFill/>
+              </p:spPr>
+              <p:txBody>
+                <a:bodyPr wrap="square" rtlCol="0">
+                  <a:spAutoFit/>
+                </a:bodyPr>
+                <a:lstStyle/>
+                <a:p>
+                  <a:r>
+                    <a:rPr lang="en-US" dirty="0" smtClean="0"/>
+                    <a:t>Sports</a:t>
+                  </a:r>
+                  <a:endParaRPr lang="en-US" dirty="0"/>
+                </a:p>
+              </p:txBody>
+            </p:sp>
+          </p:grpSp>
+          <p:grpSp>
+            <p:nvGrpSpPr>
+              <p:cNvPr id="36" name="Group 35"/>
+              <p:cNvGrpSpPr/>
+              <p:nvPr/>
+            </p:nvGrpSpPr>
+            <p:grpSpPr>
+              <a:xfrm>
+                <a:off x="7460673" y="2327933"/>
+                <a:ext cx="1600198" cy="369332"/>
+                <a:chOff x="7460673" y="2327933"/>
+                <a:chExt cx="1600198" cy="369332"/>
+              </a:xfrm>
+            </p:grpSpPr>
+            <p:sp>
+              <p:nvSpPr>
+                <p:cNvPr id="30" name="Oval 29"/>
+                <p:cNvSpPr/>
+                <p:nvPr/>
+              </p:nvSpPr>
+              <p:spPr>
+                <a:xfrm>
+                  <a:off x="7460673" y="2379518"/>
+                  <a:ext cx="259772" cy="259772"/>
+                </a:xfrm>
+                <a:prstGeom prst="ellipse">
+                  <a:avLst/>
+                </a:prstGeom>
+                <a:solidFill>
+                  <a:srgbClr val="00B050"/>
+                </a:solidFill>
+                <a:ln>
+                  <a:solidFill>
+                    <a:srgbClr val="00B050"/>
+                  </a:solidFill>
+                </a:ln>
+              </p:spPr>
+              <p:style>
+                <a:lnRef idx="2">
+                  <a:schemeClr val="accent1">
+                    <a:shade val="50000"/>
+                  </a:schemeClr>
+                </a:lnRef>
+                <a:fillRef idx="1">
+                  <a:schemeClr val="accent1"/>
+                </a:fillRef>
+                <a:effectRef idx="0">
+                  <a:schemeClr val="accent1"/>
+                </a:effectRef>
+                <a:fontRef idx="minor">
+                  <a:schemeClr val="lt1"/>
+                </a:fontRef>
+              </p:style>
+              <p:txBody>
+                <a:bodyPr rtlCol="0" anchor="ctr"/>
+                <a:lstStyle/>
+                <a:p>
+                  <a:pPr algn="ctr"/>
+                  <a:endParaRPr lang="en-US"/>
+                </a:p>
+              </p:txBody>
+            </p:sp>
+            <p:sp>
+              <p:nvSpPr>
+                <p:cNvPr id="33" name="TextBox 32"/>
+                <p:cNvSpPr txBox="1"/>
+                <p:nvPr/>
+              </p:nvSpPr>
+              <p:spPr>
+                <a:xfrm>
+                  <a:off x="7793180" y="2327933"/>
+                  <a:ext cx="1267691" cy="369332"/>
+                </a:xfrm>
+                <a:prstGeom prst="rect">
+                  <a:avLst/>
+                </a:prstGeom>
+                <a:noFill/>
+              </p:spPr>
+              <p:txBody>
+                <a:bodyPr wrap="square" rtlCol="0">
+                  <a:spAutoFit/>
+                </a:bodyPr>
+                <a:lstStyle/>
+                <a:p>
+                  <a:r>
+                    <a:rPr lang="en-US" dirty="0" smtClean="0"/>
+                    <a:t>Politics</a:t>
+                  </a:r>
+                  <a:endParaRPr lang="en-US" dirty="0"/>
+                </a:p>
+              </p:txBody>
+            </p:sp>
+          </p:grpSp>
+          <p:grpSp>
+            <p:nvGrpSpPr>
+              <p:cNvPr id="37" name="Group 36"/>
+              <p:cNvGrpSpPr/>
+              <p:nvPr/>
+            </p:nvGrpSpPr>
+            <p:grpSpPr>
+              <a:xfrm>
+                <a:off x="7450280" y="2750763"/>
+                <a:ext cx="1593135" cy="369332"/>
+                <a:chOff x="7450280" y="2854673"/>
+                <a:chExt cx="1593135" cy="369332"/>
+              </a:xfrm>
+            </p:grpSpPr>
+            <p:sp>
+              <p:nvSpPr>
+                <p:cNvPr id="31" name="Rectangle 30"/>
+                <p:cNvSpPr/>
+                <p:nvPr/>
+              </p:nvSpPr>
+              <p:spPr>
+                <a:xfrm>
+                  <a:off x="7450280" y="2899062"/>
+                  <a:ext cx="280555" cy="280555"/>
+                </a:xfrm>
+                <a:prstGeom prst="rect">
+                  <a:avLst/>
+                </a:prstGeom>
+              </p:spPr>
+              <p:style>
+                <a:lnRef idx="2">
+                  <a:schemeClr val="accent1">
+                    <a:shade val="50000"/>
+                  </a:schemeClr>
+                </a:lnRef>
+                <a:fillRef idx="1">
+                  <a:schemeClr val="accent1"/>
+                </a:fillRef>
+                <a:effectRef idx="0">
+                  <a:schemeClr val="accent1"/>
+                </a:effectRef>
+                <a:fontRef idx="minor">
+                  <a:schemeClr val="lt1"/>
+                </a:fontRef>
+              </p:style>
+              <p:txBody>
+                <a:bodyPr rtlCol="0" anchor="ctr"/>
+                <a:lstStyle/>
+                <a:p>
+                  <a:pPr algn="ctr"/>
+                  <a:endParaRPr lang="en-US"/>
+                </a:p>
+              </p:txBody>
+            </p:sp>
+            <p:sp>
+              <p:nvSpPr>
+                <p:cNvPr id="34" name="TextBox 33"/>
+                <p:cNvSpPr txBox="1"/>
+                <p:nvPr/>
+              </p:nvSpPr>
+              <p:spPr>
+                <a:xfrm>
+                  <a:off x="7775724" y="2854673"/>
+                  <a:ext cx="1267691" cy="369332"/>
+                </a:xfrm>
+                <a:prstGeom prst="rect">
+                  <a:avLst/>
+                </a:prstGeom>
+                <a:noFill/>
+              </p:spPr>
+              <p:txBody>
+                <a:bodyPr wrap="square" rtlCol="0">
+                  <a:spAutoFit/>
+                </a:bodyPr>
+                <a:lstStyle/>
+                <a:p>
+                  <a:r>
+                    <a:rPr lang="en-US" dirty="0" smtClean="0"/>
+                    <a:t>Finance</a:t>
+                  </a:r>
+                  <a:endParaRPr lang="en-US" dirty="0"/>
+                </a:p>
+              </p:txBody>
+            </p:sp>
+          </p:grpSp>
+        </p:grpSp>
+        <p:sp>
+          <p:nvSpPr>
+            <p:cNvPr id="39" name="Rectangle 38"/>
+            <p:cNvSpPr/>
+            <p:nvPr/>
+          </p:nvSpPr>
+          <p:spPr>
+            <a:xfrm>
+              <a:off x="7304807" y="1818409"/>
+              <a:ext cx="1416488" cy="1402773"/>
+            </a:xfrm>
+            <a:prstGeom prst="rect">
+              <a:avLst/>
+            </a:prstGeom>
+            <a:noFill/>
+            <a:ln>
+              <a:solidFill>
+                <a:schemeClr val="tx1"/>
+              </a:solidFill>
+            </a:ln>
+          </p:spPr>
+          <p:style>
+            <a:lnRef idx="2">
+              <a:schemeClr val="accent1">
+                <a:shade val="50000"/>
+              </a:schemeClr>
+            </a:lnRef>
+            <a:fillRef idx="1">
+              <a:schemeClr val="accent1"/>
+            </a:fillRef>
+            <a:effectRef idx="0">
+              <a:schemeClr val="accent1"/>
+            </a:effectRef>
+            <a:fontRef idx="minor">
+              <a:schemeClr val="lt1"/>
+            </a:fontRef>
+          </p:style>
+          <p:txBody>
+            <a:bodyPr rtlCol="0" anchor="ctr"/>
+            <a:lstStyle/>
+            <a:p>
+              <a:pPr algn="ctr"/>
+              <a:endParaRPr lang="en-US"/>
+            </a:p>
+          </p:txBody>
+        </p:sp>
+      </p:grpSp>
+      <p:sp>
+        <p:nvSpPr>
+          <p:cNvPr id="41" name="TextBox 40"/>
+          <p:cNvSpPr txBox="1"/>
+          <p:nvPr/>
+        </p:nvSpPr>
+        <p:spPr>
+          <a:xfrm>
+            <a:off x="6407655" y="1904019"/>
+            <a:ext cx="2590871" cy="646331"/>
+          </a:xfrm>
+          <a:prstGeom prst="rect">
+            <a:avLst/>
+          </a:prstGeom>
+          <a:noFill/>
+        </p:spPr>
+        <p:txBody>
+          <a:bodyPr wrap="square" rtlCol="0">
+            <a:spAutoFit/>
+          </a:bodyPr>
+          <a:lstStyle/>
+          <a:p>
+            <a:r>
+              <a:rPr lang="en-US" i="1" dirty="0" smtClean="0"/>
+              <a:t>Documents by vector space representation</a:t>
+            </a:r>
+            <a:endParaRPr lang="en-US" i="1" dirty="0"/>
+          </a:p>
+        </p:txBody>
+      </p:sp>
+    </p:spTree>
+    <p:extLst>
+      <p:ext uri="{BB962C8B-B14F-4D97-AF65-F5344CB8AC3E}">
+        <p14:creationId xmlns:p14="http://schemas.microsoft.com/office/powerpoint/2010/main" val="2357253636"/>
+      </p:ext>
+    </p:extLst>
+  </p:cSld>
+  <p:clrMapOvr>
+    <a:masterClrMapping/>
+  </p:clrMapOvr>
+  <p:timing>
+    <p:tnLst>
+      <p:par>
+        <p:cTn id="1" dur="indefinite" restart="never" nodeType="tmRoot">
+          <p:childTnLst>
+            <p:seq concurrent="1" nextAc="seek">
+              <p:cTn id="2" dur="indefinite" nodeType="mainSeq">
+                <p:childTnLst>
+                  <p:par>
+                    <p:cTn id="3" fill="hold">
+                      <p:stCondLst>
+                        <p:cond delay="indefinite"/>
+                      </p:stCondLst>
+                      <p:childTnLst>
+                        <p:par>
+                          <p:cTn id="4" fill="hold">
+                            <p:stCondLst>
+                              <p:cond delay="0"/>
+                            </p:stCondLst>
+                            <p:childTnLst>
+                              <p:par>
+                                <p:cTn id="5" presetID="1" presetClass="entr" presetSubtype="0" fill="hold" grpId="0" nodeType="clickEffect">
+                                  <p:stCondLst>
+                                    <p:cond delay="0"/>
+                                  </p:stCondLst>
+                                  <p:childTnLst>
+                                    <p:set>
+                                      <p:cBhvr>
+                                        <p:cTn id="6" dur="1" fill="hold">
+                                          <p:stCondLst>
+                                            <p:cond delay="0"/>
+                                          </p:stCondLst>
+                                        </p:cTn>
+                                        <p:tgtEl>
+                                          <p:spTgt spid="28"/>
+                                        </p:tgtEl>
+                                        <p:attrNameLst>
+                                          <p:attrName>style.visibility</p:attrName>
+                                        </p:attrNameLst>
+                                      </p:cBhvr>
+                                      <p:to>
+                                        <p:strVal val="visible"/>
+                                      </p:to>
+                                    </p:set>
+                                  </p:childTnLst>
+                                </p:cTn>
+                              </p:par>
+                              <p:par>
+                                <p:cTn id="7" presetID="1" presetClass="entr" presetSubtype="0" fill="hold" grpId="0" nodeType="withEffect">
+                                  <p:stCondLst>
+                                    <p:cond delay="0"/>
+                                  </p:stCondLst>
+                                  <p:childTnLst>
+                                    <p:set>
+                                      <p:cBhvr>
+                                        <p:cTn id="8" dur="1" fill="hold">
+                                          <p:stCondLst>
+                                            <p:cond delay="0"/>
+                                          </p:stCondLst>
+                                        </p:cTn>
+                                        <p:tgtEl>
+                                          <p:spTgt spid="27"/>
+                                        </p:tgtEl>
+                                        <p:attrNameLst>
+                                          <p:attrName>style.visibility</p:attrName>
+                                        </p:attrNameLst>
+                                      </p:cBhvr>
+                                      <p:to>
+                                        <p:strVal val="visible"/>
+                                      </p:to>
+                                    </p:set>
+                                  </p:childTnLst>
+                                </p:cTn>
+                              </p:par>
+                            </p:childTnLst>
+                          </p:cTn>
+                        </p:par>
+                      </p:childTnLst>
+                    </p:cTn>
+                  </p:par>
+                </p:childTnLst>
+              </p:cTn>
+              <p:prevCondLst>
+                <p:cond evt="onPrev" delay="0">
+                  <p:tgtEl>
+                    <p:sldTgt/>
+                  </p:tgtEl>
+                </p:cond>
+              </p:prevCondLst>
+              <p:nextCondLst>
+                <p:cond evt="onNext" delay="0">
+                  <p:tgtEl>
+                    <p:sldTgt/>
+                  </p:tgtEl>
+                </p:cond>
+              </p:nextCondLst>
+            </p:seq>
+          </p:childTnLst>
+        </p:cTn>
+      </p:par>
+    </p:tnLst>
+    <p:bldLst>
+      <p:bldP spid="27" grpId="0"/>
+      <p:bldP spid="28" grpId="0" animBg="1"/>
+    </p:bldLst>
+  </p:timing>
+</p:sld>
+</file>
+
+<file path=ppt/slides/slide30.xml><?xml version="1.0" encoding="utf-8"?>
 <p:sld xmlns:a="http://schemas.openxmlformats.org/drawingml/2006/main" xmlns:r="http://schemas.openxmlformats.org/officeDocument/2006/relationships" xmlns:p="http://schemas.openxmlformats.org/presentationml/2006/main">
   <p:cSld>
     <p:spTree>
@@ -24822,7 +27469,7 @@
           <a:p>
             <a:fld id="{BA36623C-6CAA-4561-B8E6-59DF76258124}" type="slidenum">
               <a:rPr lang="en-US" smtClean="0"/>
-              <a:t>29</a:t>
+              <a:t>30</a:t>
             </a:fld>
             <a:endParaRPr lang="en-US"/>
           </a:p>
@@ -26031,1561 +28678,7 @@
 </p:sld>
 </file>
 
-<file path=ppt/slides/slide3.xml><?xml version="1.0" encoding="utf-8"?>
-<p:sld xmlns:a="http://schemas.openxmlformats.org/drawingml/2006/main" xmlns:r="http://schemas.openxmlformats.org/officeDocument/2006/relationships" xmlns:p="http://schemas.openxmlformats.org/presentationml/2006/main">
-  <p:cSld>
-    <p:spTree>
-      <p:nvGrpSpPr>
-        <p:cNvPr id="1" name=""/>
-        <p:cNvGrpSpPr/>
-        <p:nvPr/>
-      </p:nvGrpSpPr>
-      <p:grpSpPr>
-        <a:xfrm>
-          <a:off x="0" y="0"/>
-          <a:ext cx="0" cy="0"/>
-          <a:chOff x="0" y="0"/>
-          <a:chExt cx="0" cy="0"/>
-        </a:xfrm>
-      </p:grpSpPr>
-      <p:sp>
-        <p:nvSpPr>
-          <p:cNvPr id="2" name="Title 1"/>
-          <p:cNvSpPr>
-            <a:spLocks noGrp="1"/>
-          </p:cNvSpPr>
-          <p:nvPr>
-            <p:ph type="title"/>
-          </p:nvPr>
-        </p:nvSpPr>
-        <p:spPr/>
-        <p:txBody>
-          <a:bodyPr/>
-          <a:lstStyle/>
-          <a:p>
-            <a:r>
-              <a:rPr lang="en-US" dirty="0" smtClean="0"/>
-              <a:t>How to classify this document? </a:t>
-            </a:r>
-            <a:endParaRPr lang="en-US" dirty="0"/>
-          </a:p>
-        </p:txBody>
-      </p:sp>
-      <p:sp>
-        <p:nvSpPr>
-          <p:cNvPr id="4" name="Date Placeholder 3"/>
-          <p:cNvSpPr>
-            <a:spLocks noGrp="1"/>
-          </p:cNvSpPr>
-          <p:nvPr>
-            <p:ph type="dt" sz="half" idx="10"/>
-          </p:nvPr>
-        </p:nvSpPr>
-        <p:spPr/>
-        <p:txBody>
-          <a:bodyPr/>
-          <a:lstStyle/>
-          <a:p>
-            <a:r>
-              <a:rPr lang="en-US" smtClean="0"/>
-              <a:t>CS@UVa</a:t>
-            </a:r>
-            <a:endParaRPr lang="en-US"/>
-          </a:p>
-        </p:txBody>
-      </p:sp>
-      <p:sp>
-        <p:nvSpPr>
-          <p:cNvPr id="5" name="Footer Placeholder 4"/>
-          <p:cNvSpPr>
-            <a:spLocks noGrp="1"/>
-          </p:cNvSpPr>
-          <p:nvPr>
-            <p:ph type="ftr" sz="quarter" idx="11"/>
-          </p:nvPr>
-        </p:nvSpPr>
-        <p:spPr/>
-        <p:txBody>
-          <a:bodyPr/>
-          <a:lstStyle/>
-          <a:p>
-            <a:r>
-              <a:rPr lang="en-US" smtClean="0"/>
-              <a:t>CS 6501: Text Mining</a:t>
-            </a:r>
-            <a:endParaRPr lang="en-US"/>
-          </a:p>
-        </p:txBody>
-      </p:sp>
-      <p:sp>
-        <p:nvSpPr>
-          <p:cNvPr id="6" name="Slide Number Placeholder 5"/>
-          <p:cNvSpPr>
-            <a:spLocks noGrp="1"/>
-          </p:cNvSpPr>
-          <p:nvPr>
-            <p:ph type="sldNum" sz="quarter" idx="12"/>
-          </p:nvPr>
-        </p:nvSpPr>
-        <p:spPr/>
-        <p:txBody>
-          <a:bodyPr/>
-          <a:lstStyle/>
-          <a:p>
-            <a:fld id="{BA36623C-6CAA-4561-B8E6-59DF76258124}" type="slidenum">
-              <a:rPr lang="en-US" smtClean="0"/>
-              <a:t>3</a:t>
-            </a:fld>
-            <a:endParaRPr lang="en-US"/>
-          </a:p>
-        </p:txBody>
-      </p:sp>
-      <p:sp>
-        <p:nvSpPr>
-          <p:cNvPr id="7" name="Rectangle 6"/>
-          <p:cNvSpPr/>
-          <p:nvPr/>
-        </p:nvSpPr>
-        <p:spPr>
-          <a:xfrm>
-            <a:off x="2389908" y="2628900"/>
-            <a:ext cx="280555" cy="280555"/>
-          </a:xfrm>
-          <a:prstGeom prst="rect">
-            <a:avLst/>
-          </a:prstGeom>
-        </p:spPr>
-        <p:style>
-          <a:lnRef idx="2">
-            <a:schemeClr val="accent1">
-              <a:shade val="50000"/>
-            </a:schemeClr>
-          </a:lnRef>
-          <a:fillRef idx="1">
-            <a:schemeClr val="accent1"/>
-          </a:fillRef>
-          <a:effectRef idx="0">
-            <a:schemeClr val="accent1"/>
-          </a:effectRef>
-          <a:fontRef idx="minor">
-            <a:schemeClr val="lt1"/>
-          </a:fontRef>
-        </p:style>
-        <p:txBody>
-          <a:bodyPr rtlCol="0" anchor="ctr"/>
-          <a:lstStyle/>
-          <a:p>
-            <a:pPr algn="ctr"/>
-            <a:endParaRPr lang="en-US"/>
-          </a:p>
-        </p:txBody>
-      </p:sp>
-      <p:sp>
-        <p:nvSpPr>
-          <p:cNvPr id="8" name="Rectangle 7"/>
-          <p:cNvSpPr/>
-          <p:nvPr/>
-        </p:nvSpPr>
-        <p:spPr>
-          <a:xfrm>
-            <a:off x="1932708" y="3262746"/>
-            <a:ext cx="280555" cy="280555"/>
-          </a:xfrm>
-          <a:prstGeom prst="rect">
-            <a:avLst/>
-          </a:prstGeom>
-        </p:spPr>
-        <p:style>
-          <a:lnRef idx="2">
-            <a:schemeClr val="accent1">
-              <a:shade val="50000"/>
-            </a:schemeClr>
-          </a:lnRef>
-          <a:fillRef idx="1">
-            <a:schemeClr val="accent1"/>
-          </a:fillRef>
-          <a:effectRef idx="0">
-            <a:schemeClr val="accent1"/>
-          </a:effectRef>
-          <a:fontRef idx="minor">
-            <a:schemeClr val="lt1"/>
-          </a:fontRef>
-        </p:style>
-        <p:txBody>
-          <a:bodyPr rtlCol="0" anchor="ctr"/>
-          <a:lstStyle/>
-          <a:p>
-            <a:pPr algn="ctr"/>
-            <a:endParaRPr lang="en-US"/>
-          </a:p>
-        </p:txBody>
-      </p:sp>
-      <p:sp>
-        <p:nvSpPr>
-          <p:cNvPr id="9" name="Rectangle 8"/>
-          <p:cNvSpPr/>
-          <p:nvPr/>
-        </p:nvSpPr>
-        <p:spPr>
-          <a:xfrm>
-            <a:off x="2919844" y="3595255"/>
-            <a:ext cx="280555" cy="280555"/>
-          </a:xfrm>
-          <a:prstGeom prst="rect">
-            <a:avLst/>
-          </a:prstGeom>
-        </p:spPr>
-        <p:style>
-          <a:lnRef idx="2">
-            <a:schemeClr val="accent1">
-              <a:shade val="50000"/>
-            </a:schemeClr>
-          </a:lnRef>
-          <a:fillRef idx="1">
-            <a:schemeClr val="accent1"/>
-          </a:fillRef>
-          <a:effectRef idx="0">
-            <a:schemeClr val="accent1"/>
-          </a:effectRef>
-          <a:fontRef idx="minor">
-            <a:schemeClr val="lt1"/>
-          </a:fontRef>
-        </p:style>
-        <p:txBody>
-          <a:bodyPr rtlCol="0" anchor="ctr"/>
-          <a:lstStyle/>
-          <a:p>
-            <a:pPr algn="ctr"/>
-            <a:endParaRPr lang="en-US"/>
-          </a:p>
-        </p:txBody>
-      </p:sp>
-      <p:sp>
-        <p:nvSpPr>
-          <p:cNvPr id="10" name="Rectangle 9"/>
-          <p:cNvSpPr/>
-          <p:nvPr/>
-        </p:nvSpPr>
-        <p:spPr>
-          <a:xfrm>
-            <a:off x="3345871" y="2441864"/>
-            <a:ext cx="280555" cy="280555"/>
-          </a:xfrm>
-          <a:prstGeom prst="rect">
-            <a:avLst/>
-          </a:prstGeom>
-        </p:spPr>
-        <p:style>
-          <a:lnRef idx="2">
-            <a:schemeClr val="accent1">
-              <a:shade val="50000"/>
-            </a:schemeClr>
-          </a:lnRef>
-          <a:fillRef idx="1">
-            <a:schemeClr val="accent1"/>
-          </a:fillRef>
-          <a:effectRef idx="0">
-            <a:schemeClr val="accent1"/>
-          </a:effectRef>
-          <a:fontRef idx="minor">
-            <a:schemeClr val="lt1"/>
-          </a:fontRef>
-        </p:style>
-        <p:txBody>
-          <a:bodyPr rtlCol="0" anchor="ctr"/>
-          <a:lstStyle/>
-          <a:p>
-            <a:pPr algn="ctr"/>
-            <a:endParaRPr lang="en-US"/>
-          </a:p>
-        </p:txBody>
-      </p:sp>
-      <p:sp>
-        <p:nvSpPr>
-          <p:cNvPr id="11" name="Rectangle 10"/>
-          <p:cNvSpPr/>
-          <p:nvPr/>
-        </p:nvSpPr>
-        <p:spPr>
-          <a:xfrm>
-            <a:off x="3678380" y="3345873"/>
-            <a:ext cx="280555" cy="280555"/>
-          </a:xfrm>
-          <a:prstGeom prst="rect">
-            <a:avLst/>
-          </a:prstGeom>
-        </p:spPr>
-        <p:style>
-          <a:lnRef idx="2">
-            <a:schemeClr val="accent1">
-              <a:shade val="50000"/>
-            </a:schemeClr>
-          </a:lnRef>
-          <a:fillRef idx="1">
-            <a:schemeClr val="accent1"/>
-          </a:fillRef>
-          <a:effectRef idx="0">
-            <a:schemeClr val="accent1"/>
-          </a:effectRef>
-          <a:fontRef idx="minor">
-            <a:schemeClr val="lt1"/>
-          </a:fontRef>
-        </p:style>
-        <p:txBody>
-          <a:bodyPr rtlCol="0" anchor="ctr"/>
-          <a:lstStyle/>
-          <a:p>
-            <a:pPr algn="ctr"/>
-            <a:endParaRPr lang="en-US"/>
-          </a:p>
-        </p:txBody>
-      </p:sp>
-      <p:sp>
-        <p:nvSpPr>
-          <p:cNvPr id="12" name="Isosceles Triangle 11"/>
-          <p:cNvSpPr/>
-          <p:nvPr/>
-        </p:nvSpPr>
-        <p:spPr>
-          <a:xfrm>
-            <a:off x="5943599" y="3075709"/>
-            <a:ext cx="325444" cy="280555"/>
-          </a:xfrm>
-          <a:prstGeom prst="triangle">
-            <a:avLst/>
-          </a:prstGeom>
-          <a:solidFill>
-            <a:srgbClr val="FF0000"/>
-          </a:solidFill>
-          <a:ln>
-            <a:solidFill>
-              <a:srgbClr val="FF0000"/>
-            </a:solidFill>
-          </a:ln>
-        </p:spPr>
-        <p:style>
-          <a:lnRef idx="2">
-            <a:schemeClr val="accent1">
-              <a:shade val="50000"/>
-            </a:schemeClr>
-          </a:lnRef>
-          <a:fillRef idx="1">
-            <a:schemeClr val="accent1"/>
-          </a:fillRef>
-          <a:effectRef idx="0">
-            <a:schemeClr val="accent1"/>
-          </a:effectRef>
-          <a:fontRef idx="minor">
-            <a:schemeClr val="lt1"/>
-          </a:fontRef>
-        </p:style>
-        <p:txBody>
-          <a:bodyPr rtlCol="0" anchor="ctr"/>
-          <a:lstStyle/>
-          <a:p>
-            <a:pPr algn="ctr"/>
-            <a:endParaRPr lang="en-US"/>
-          </a:p>
-        </p:txBody>
-      </p:sp>
-      <p:sp>
-        <p:nvSpPr>
-          <p:cNvPr id="13" name="Isosceles Triangle 12"/>
-          <p:cNvSpPr/>
-          <p:nvPr/>
-        </p:nvSpPr>
-        <p:spPr>
-          <a:xfrm>
-            <a:off x="5663044" y="3574472"/>
-            <a:ext cx="325444" cy="280555"/>
-          </a:xfrm>
-          <a:prstGeom prst="triangle">
-            <a:avLst/>
-          </a:prstGeom>
-          <a:solidFill>
-            <a:srgbClr val="FF0000"/>
-          </a:solidFill>
-          <a:ln>
-            <a:solidFill>
-              <a:srgbClr val="FF0000"/>
-            </a:solidFill>
-          </a:ln>
-        </p:spPr>
-        <p:style>
-          <a:lnRef idx="2">
-            <a:schemeClr val="accent1">
-              <a:shade val="50000"/>
-            </a:schemeClr>
-          </a:lnRef>
-          <a:fillRef idx="1">
-            <a:schemeClr val="accent1"/>
-          </a:fillRef>
-          <a:effectRef idx="0">
-            <a:schemeClr val="accent1"/>
-          </a:effectRef>
-          <a:fontRef idx="minor">
-            <a:schemeClr val="lt1"/>
-          </a:fontRef>
-        </p:style>
-        <p:txBody>
-          <a:bodyPr rtlCol="0" anchor="ctr"/>
-          <a:lstStyle/>
-          <a:p>
-            <a:pPr algn="ctr"/>
-            <a:endParaRPr lang="en-US"/>
-          </a:p>
-        </p:txBody>
-      </p:sp>
-      <p:sp>
-        <p:nvSpPr>
-          <p:cNvPr id="14" name="Isosceles Triangle 13"/>
-          <p:cNvSpPr/>
-          <p:nvPr/>
-        </p:nvSpPr>
-        <p:spPr>
-          <a:xfrm>
-            <a:off x="5600698" y="4208318"/>
-            <a:ext cx="325444" cy="280555"/>
-          </a:xfrm>
-          <a:prstGeom prst="triangle">
-            <a:avLst/>
-          </a:prstGeom>
-          <a:solidFill>
-            <a:srgbClr val="FF0000"/>
-          </a:solidFill>
-          <a:ln>
-            <a:solidFill>
-              <a:srgbClr val="FF0000"/>
-            </a:solidFill>
-          </a:ln>
-        </p:spPr>
-        <p:style>
-          <a:lnRef idx="2">
-            <a:schemeClr val="accent1">
-              <a:shade val="50000"/>
-            </a:schemeClr>
-          </a:lnRef>
-          <a:fillRef idx="1">
-            <a:schemeClr val="accent1"/>
-          </a:fillRef>
-          <a:effectRef idx="0">
-            <a:schemeClr val="accent1"/>
-          </a:effectRef>
-          <a:fontRef idx="minor">
-            <a:schemeClr val="lt1"/>
-          </a:fontRef>
-        </p:style>
-        <p:txBody>
-          <a:bodyPr rtlCol="0" anchor="ctr"/>
-          <a:lstStyle/>
-          <a:p>
-            <a:pPr algn="ctr"/>
-            <a:endParaRPr lang="en-US"/>
-          </a:p>
-        </p:txBody>
-      </p:sp>
-      <p:sp>
-        <p:nvSpPr>
-          <p:cNvPr id="15" name="Isosceles Triangle 14"/>
-          <p:cNvSpPr/>
-          <p:nvPr/>
-        </p:nvSpPr>
-        <p:spPr>
-          <a:xfrm>
-            <a:off x="6837216" y="3979718"/>
-            <a:ext cx="325444" cy="280555"/>
-          </a:xfrm>
-          <a:prstGeom prst="triangle">
-            <a:avLst/>
-          </a:prstGeom>
-          <a:solidFill>
-            <a:srgbClr val="FF0000"/>
-          </a:solidFill>
-          <a:ln>
-            <a:solidFill>
-              <a:srgbClr val="FF0000"/>
-            </a:solidFill>
-          </a:ln>
-        </p:spPr>
-        <p:style>
-          <a:lnRef idx="2">
-            <a:schemeClr val="accent1">
-              <a:shade val="50000"/>
-            </a:schemeClr>
-          </a:lnRef>
-          <a:fillRef idx="1">
-            <a:schemeClr val="accent1"/>
-          </a:fillRef>
-          <a:effectRef idx="0">
-            <a:schemeClr val="accent1"/>
-          </a:effectRef>
-          <a:fontRef idx="minor">
-            <a:schemeClr val="lt1"/>
-          </a:fontRef>
-        </p:style>
-        <p:txBody>
-          <a:bodyPr rtlCol="0" anchor="ctr"/>
-          <a:lstStyle/>
-          <a:p>
-            <a:pPr algn="ctr"/>
-            <a:endParaRPr lang="en-US"/>
-          </a:p>
-        </p:txBody>
-      </p:sp>
-      <p:sp>
-        <p:nvSpPr>
-          <p:cNvPr id="16" name="Isosceles Triangle 15"/>
-          <p:cNvSpPr/>
-          <p:nvPr/>
-        </p:nvSpPr>
-        <p:spPr>
-          <a:xfrm>
-            <a:off x="6494316" y="3595254"/>
-            <a:ext cx="325444" cy="280555"/>
-          </a:xfrm>
-          <a:prstGeom prst="triangle">
-            <a:avLst/>
-          </a:prstGeom>
-          <a:solidFill>
-            <a:srgbClr val="FF0000"/>
-          </a:solidFill>
-          <a:ln>
-            <a:solidFill>
-              <a:srgbClr val="FF0000"/>
-            </a:solidFill>
-          </a:ln>
-        </p:spPr>
-        <p:style>
-          <a:lnRef idx="2">
-            <a:schemeClr val="accent1">
-              <a:shade val="50000"/>
-            </a:schemeClr>
-          </a:lnRef>
-          <a:fillRef idx="1">
-            <a:schemeClr val="accent1"/>
-          </a:fillRef>
-          <a:effectRef idx="0">
-            <a:schemeClr val="accent1"/>
-          </a:effectRef>
-          <a:fontRef idx="minor">
-            <a:schemeClr val="lt1"/>
-          </a:fontRef>
-        </p:style>
-        <p:txBody>
-          <a:bodyPr rtlCol="0" anchor="ctr"/>
-          <a:lstStyle/>
-          <a:p>
-            <a:pPr algn="ctr"/>
-            <a:endParaRPr lang="en-US"/>
-          </a:p>
-        </p:txBody>
-      </p:sp>
-      <p:sp>
-        <p:nvSpPr>
-          <p:cNvPr id="17" name="Isosceles Triangle 16"/>
-          <p:cNvSpPr/>
-          <p:nvPr/>
-        </p:nvSpPr>
-        <p:spPr>
-          <a:xfrm>
-            <a:off x="6244934" y="4083627"/>
-            <a:ext cx="325444" cy="280555"/>
-          </a:xfrm>
-          <a:prstGeom prst="triangle">
-            <a:avLst/>
-          </a:prstGeom>
-          <a:solidFill>
-            <a:srgbClr val="FF0000"/>
-          </a:solidFill>
-          <a:ln>
-            <a:solidFill>
-              <a:srgbClr val="FF0000"/>
-            </a:solidFill>
-          </a:ln>
-        </p:spPr>
-        <p:style>
-          <a:lnRef idx="2">
-            <a:schemeClr val="accent1">
-              <a:shade val="50000"/>
-            </a:schemeClr>
-          </a:lnRef>
-          <a:fillRef idx="1">
-            <a:schemeClr val="accent1"/>
-          </a:fillRef>
-          <a:effectRef idx="0">
-            <a:schemeClr val="accent1"/>
-          </a:effectRef>
-          <a:fontRef idx="minor">
-            <a:schemeClr val="lt1"/>
-          </a:fontRef>
-        </p:style>
-        <p:txBody>
-          <a:bodyPr rtlCol="0" anchor="ctr"/>
-          <a:lstStyle/>
-          <a:p>
-            <a:pPr algn="ctr"/>
-            <a:endParaRPr lang="en-US"/>
-          </a:p>
-        </p:txBody>
-      </p:sp>
-      <p:sp>
-        <p:nvSpPr>
-          <p:cNvPr id="19" name="Oval 18"/>
-          <p:cNvSpPr/>
-          <p:nvPr/>
-        </p:nvSpPr>
-        <p:spPr>
-          <a:xfrm>
-            <a:off x="2649682" y="4499264"/>
-            <a:ext cx="259772" cy="259772"/>
-          </a:xfrm>
-          <a:prstGeom prst="ellipse">
-            <a:avLst/>
-          </a:prstGeom>
-          <a:solidFill>
-            <a:srgbClr val="00B050"/>
-          </a:solidFill>
-          <a:ln>
-            <a:solidFill>
-              <a:srgbClr val="00B050"/>
-            </a:solidFill>
-          </a:ln>
-        </p:spPr>
-        <p:style>
-          <a:lnRef idx="2">
-            <a:schemeClr val="accent1">
-              <a:shade val="50000"/>
-            </a:schemeClr>
-          </a:lnRef>
-          <a:fillRef idx="1">
-            <a:schemeClr val="accent1"/>
-          </a:fillRef>
-          <a:effectRef idx="0">
-            <a:schemeClr val="accent1"/>
-          </a:effectRef>
-          <a:fontRef idx="minor">
-            <a:schemeClr val="lt1"/>
-          </a:fontRef>
-        </p:style>
-        <p:txBody>
-          <a:bodyPr rtlCol="0" anchor="ctr"/>
-          <a:lstStyle/>
-          <a:p>
-            <a:pPr algn="ctr"/>
-            <a:endParaRPr lang="en-US"/>
-          </a:p>
-        </p:txBody>
-      </p:sp>
-      <p:sp>
-        <p:nvSpPr>
-          <p:cNvPr id="20" name="Oval 19"/>
-          <p:cNvSpPr/>
-          <p:nvPr/>
-        </p:nvSpPr>
-        <p:spPr>
-          <a:xfrm>
-            <a:off x="3397828" y="4696692"/>
-            <a:ext cx="259772" cy="259772"/>
-          </a:xfrm>
-          <a:prstGeom prst="ellipse">
-            <a:avLst/>
-          </a:prstGeom>
-          <a:solidFill>
-            <a:srgbClr val="00B050"/>
-          </a:solidFill>
-          <a:ln>
-            <a:solidFill>
-              <a:srgbClr val="00B050"/>
-            </a:solidFill>
-          </a:ln>
-        </p:spPr>
-        <p:style>
-          <a:lnRef idx="2">
-            <a:schemeClr val="accent1">
-              <a:shade val="50000"/>
-            </a:schemeClr>
-          </a:lnRef>
-          <a:fillRef idx="1">
-            <a:schemeClr val="accent1"/>
-          </a:fillRef>
-          <a:effectRef idx="0">
-            <a:schemeClr val="accent1"/>
-          </a:effectRef>
-          <a:fontRef idx="minor">
-            <a:schemeClr val="lt1"/>
-          </a:fontRef>
-        </p:style>
-        <p:txBody>
-          <a:bodyPr rtlCol="0" anchor="ctr"/>
-          <a:lstStyle/>
-          <a:p>
-            <a:pPr algn="ctr"/>
-            <a:endParaRPr lang="en-US"/>
-          </a:p>
-        </p:txBody>
-      </p:sp>
-      <p:sp>
-        <p:nvSpPr>
-          <p:cNvPr id="21" name="Oval 20"/>
-          <p:cNvSpPr/>
-          <p:nvPr/>
-        </p:nvSpPr>
-        <p:spPr>
-          <a:xfrm>
-            <a:off x="4010892" y="5049983"/>
-            <a:ext cx="259772" cy="259772"/>
-          </a:xfrm>
-          <a:prstGeom prst="ellipse">
-            <a:avLst/>
-          </a:prstGeom>
-          <a:solidFill>
-            <a:srgbClr val="00B050"/>
-          </a:solidFill>
-          <a:ln>
-            <a:solidFill>
-              <a:srgbClr val="00B050"/>
-            </a:solidFill>
-          </a:ln>
-        </p:spPr>
-        <p:style>
-          <a:lnRef idx="2">
-            <a:schemeClr val="accent1">
-              <a:shade val="50000"/>
-            </a:schemeClr>
-          </a:lnRef>
-          <a:fillRef idx="1">
-            <a:schemeClr val="accent1"/>
-          </a:fillRef>
-          <a:effectRef idx="0">
-            <a:schemeClr val="accent1"/>
-          </a:effectRef>
-          <a:fontRef idx="minor">
-            <a:schemeClr val="lt1"/>
-          </a:fontRef>
-        </p:style>
-        <p:txBody>
-          <a:bodyPr rtlCol="0" anchor="ctr"/>
-          <a:lstStyle/>
-          <a:p>
-            <a:pPr algn="ctr"/>
-            <a:endParaRPr lang="en-US"/>
-          </a:p>
-        </p:txBody>
-      </p:sp>
-      <p:sp>
-        <p:nvSpPr>
-          <p:cNvPr id="22" name="Oval 21"/>
-          <p:cNvSpPr/>
-          <p:nvPr/>
-        </p:nvSpPr>
-        <p:spPr>
-          <a:xfrm>
-            <a:off x="3917373" y="5715001"/>
-            <a:ext cx="259772" cy="259772"/>
-          </a:xfrm>
-          <a:prstGeom prst="ellipse">
-            <a:avLst/>
-          </a:prstGeom>
-          <a:solidFill>
-            <a:srgbClr val="00B050"/>
-          </a:solidFill>
-          <a:ln>
-            <a:solidFill>
-              <a:srgbClr val="00B050"/>
-            </a:solidFill>
-          </a:ln>
-        </p:spPr>
-        <p:style>
-          <a:lnRef idx="2">
-            <a:schemeClr val="accent1">
-              <a:shade val="50000"/>
-            </a:schemeClr>
-          </a:lnRef>
-          <a:fillRef idx="1">
-            <a:schemeClr val="accent1"/>
-          </a:fillRef>
-          <a:effectRef idx="0">
-            <a:schemeClr val="accent1"/>
-          </a:effectRef>
-          <a:fontRef idx="minor">
-            <a:schemeClr val="lt1"/>
-          </a:fontRef>
-        </p:style>
-        <p:txBody>
-          <a:bodyPr rtlCol="0" anchor="ctr"/>
-          <a:lstStyle/>
-          <a:p>
-            <a:pPr algn="ctr"/>
-            <a:endParaRPr lang="en-US"/>
-          </a:p>
-        </p:txBody>
-      </p:sp>
-      <p:sp>
-        <p:nvSpPr>
-          <p:cNvPr id="23" name="Oval 22"/>
-          <p:cNvSpPr/>
-          <p:nvPr/>
-        </p:nvSpPr>
-        <p:spPr>
-          <a:xfrm>
-            <a:off x="3075710" y="5715001"/>
-            <a:ext cx="259772" cy="259772"/>
-          </a:xfrm>
-          <a:prstGeom prst="ellipse">
-            <a:avLst/>
-          </a:prstGeom>
-          <a:solidFill>
-            <a:srgbClr val="00B050"/>
-          </a:solidFill>
-          <a:ln>
-            <a:solidFill>
-              <a:srgbClr val="00B050"/>
-            </a:solidFill>
-          </a:ln>
-        </p:spPr>
-        <p:style>
-          <a:lnRef idx="2">
-            <a:schemeClr val="accent1">
-              <a:shade val="50000"/>
-            </a:schemeClr>
-          </a:lnRef>
-          <a:fillRef idx="1">
-            <a:schemeClr val="accent1"/>
-          </a:fillRef>
-          <a:effectRef idx="0">
-            <a:schemeClr val="accent1"/>
-          </a:effectRef>
-          <a:fontRef idx="minor">
-            <a:schemeClr val="lt1"/>
-          </a:fontRef>
-        </p:style>
-        <p:txBody>
-          <a:bodyPr rtlCol="0" anchor="ctr"/>
-          <a:lstStyle/>
-          <a:p>
-            <a:pPr algn="ctr"/>
-            <a:endParaRPr lang="en-US"/>
-          </a:p>
-        </p:txBody>
-      </p:sp>
-      <p:sp>
-        <p:nvSpPr>
-          <p:cNvPr id="24" name="Oval 23"/>
-          <p:cNvSpPr/>
-          <p:nvPr/>
-        </p:nvSpPr>
-        <p:spPr>
-          <a:xfrm>
-            <a:off x="2670464" y="5185065"/>
-            <a:ext cx="259772" cy="259772"/>
-          </a:xfrm>
-          <a:prstGeom prst="ellipse">
-            <a:avLst/>
-          </a:prstGeom>
-          <a:solidFill>
-            <a:srgbClr val="00B050"/>
-          </a:solidFill>
-          <a:ln>
-            <a:solidFill>
-              <a:srgbClr val="00B050"/>
-            </a:solidFill>
-          </a:ln>
-        </p:spPr>
-        <p:style>
-          <a:lnRef idx="2">
-            <a:schemeClr val="accent1">
-              <a:shade val="50000"/>
-            </a:schemeClr>
-          </a:lnRef>
-          <a:fillRef idx="1">
-            <a:schemeClr val="accent1"/>
-          </a:fillRef>
-          <a:effectRef idx="0">
-            <a:schemeClr val="accent1"/>
-          </a:effectRef>
-          <a:fontRef idx="minor">
-            <a:schemeClr val="lt1"/>
-          </a:fontRef>
-        </p:style>
-        <p:txBody>
-          <a:bodyPr rtlCol="0" anchor="ctr"/>
-          <a:lstStyle/>
-          <a:p>
-            <a:pPr algn="ctr"/>
-            <a:endParaRPr lang="en-US"/>
-          </a:p>
-        </p:txBody>
-      </p:sp>
-      <p:sp>
-        <p:nvSpPr>
-          <p:cNvPr id="25" name="Oval 24"/>
-          <p:cNvSpPr/>
-          <p:nvPr/>
-        </p:nvSpPr>
-        <p:spPr>
-          <a:xfrm>
-            <a:off x="4592782" y="4592782"/>
-            <a:ext cx="259772" cy="259772"/>
-          </a:xfrm>
-          <a:prstGeom prst="ellipse">
-            <a:avLst/>
-          </a:prstGeom>
-          <a:solidFill>
-            <a:srgbClr val="00B050"/>
-          </a:solidFill>
-          <a:ln>
-            <a:solidFill>
-              <a:srgbClr val="00B050"/>
-            </a:solidFill>
-          </a:ln>
-        </p:spPr>
-        <p:style>
-          <a:lnRef idx="2">
-            <a:schemeClr val="accent1">
-              <a:shade val="50000"/>
-            </a:schemeClr>
-          </a:lnRef>
-          <a:fillRef idx="1">
-            <a:schemeClr val="accent1"/>
-          </a:fillRef>
-          <a:effectRef idx="0">
-            <a:schemeClr val="accent1"/>
-          </a:effectRef>
-          <a:fontRef idx="minor">
-            <a:schemeClr val="lt1"/>
-          </a:fontRef>
-        </p:style>
-        <p:txBody>
-          <a:bodyPr rtlCol="0" anchor="ctr"/>
-          <a:lstStyle/>
-          <a:p>
-            <a:pPr algn="ctr"/>
-            <a:endParaRPr lang="en-US"/>
-          </a:p>
-        </p:txBody>
-      </p:sp>
-      <p:sp>
-        <p:nvSpPr>
-          <p:cNvPr id="26" name="Oval 25"/>
-          <p:cNvSpPr/>
-          <p:nvPr/>
-        </p:nvSpPr>
-        <p:spPr>
-          <a:xfrm>
-            <a:off x="4613564" y="5278583"/>
-            <a:ext cx="259772" cy="259772"/>
-          </a:xfrm>
-          <a:prstGeom prst="ellipse">
-            <a:avLst/>
-          </a:prstGeom>
-          <a:solidFill>
-            <a:srgbClr val="00B050"/>
-          </a:solidFill>
-          <a:ln>
-            <a:solidFill>
-              <a:srgbClr val="00B050"/>
-            </a:solidFill>
-          </a:ln>
-        </p:spPr>
-        <p:style>
-          <a:lnRef idx="2">
-            <a:schemeClr val="accent1">
-              <a:shade val="50000"/>
-            </a:schemeClr>
-          </a:lnRef>
-          <a:fillRef idx="1">
-            <a:schemeClr val="accent1"/>
-          </a:fillRef>
-          <a:effectRef idx="0">
-            <a:schemeClr val="accent1"/>
-          </a:effectRef>
-          <a:fontRef idx="minor">
-            <a:schemeClr val="lt1"/>
-          </a:fontRef>
-        </p:style>
-        <p:txBody>
-          <a:bodyPr rtlCol="0" anchor="ctr"/>
-          <a:lstStyle/>
-          <a:p>
-            <a:pPr algn="ctr"/>
-            <a:endParaRPr lang="en-US"/>
-          </a:p>
-        </p:txBody>
-      </p:sp>
-      <p:sp>
-        <p:nvSpPr>
-          <p:cNvPr id="27" name="TextBox 26"/>
-          <p:cNvSpPr txBox="1"/>
-          <p:nvPr/>
-        </p:nvSpPr>
-        <p:spPr>
-          <a:xfrm>
-            <a:off x="4831771" y="2392901"/>
-            <a:ext cx="820881" cy="584775"/>
-          </a:xfrm>
-          <a:prstGeom prst="rect">
-            <a:avLst/>
-          </a:prstGeom>
-          <a:noFill/>
-        </p:spPr>
-        <p:txBody>
-          <a:bodyPr wrap="square" rtlCol="0">
-            <a:spAutoFit/>
-          </a:bodyPr>
-          <a:lstStyle/>
-          <a:p>
-            <a:r>
-              <a:rPr lang="en-US" sz="3200" b="1" dirty="0" smtClean="0"/>
-              <a:t>?</a:t>
-            </a:r>
-            <a:endParaRPr lang="en-US" sz="3200" b="1" dirty="0"/>
-          </a:p>
-        </p:txBody>
-      </p:sp>
-      <p:sp>
-        <p:nvSpPr>
-          <p:cNvPr id="28" name="Regular Pentagon 27"/>
-          <p:cNvSpPr/>
-          <p:nvPr/>
-        </p:nvSpPr>
-        <p:spPr>
-          <a:xfrm>
-            <a:off x="4416134" y="2869292"/>
-            <a:ext cx="374073" cy="356260"/>
-          </a:xfrm>
-          <a:prstGeom prst="pentagon">
-            <a:avLst/>
-          </a:prstGeom>
-          <a:noFill/>
-          <a:ln>
-            <a:solidFill>
-              <a:schemeClr val="tx1"/>
-            </a:solidFill>
-            <a:prstDash val="dash"/>
-          </a:ln>
-        </p:spPr>
-        <p:style>
-          <a:lnRef idx="2">
-            <a:schemeClr val="accent1">
-              <a:shade val="50000"/>
-            </a:schemeClr>
-          </a:lnRef>
-          <a:fillRef idx="1">
-            <a:schemeClr val="accent1"/>
-          </a:fillRef>
-          <a:effectRef idx="0">
-            <a:schemeClr val="accent1"/>
-          </a:effectRef>
-          <a:fontRef idx="minor">
-            <a:schemeClr val="lt1"/>
-          </a:fontRef>
-        </p:style>
-        <p:txBody>
-          <a:bodyPr rtlCol="0" anchor="ctr"/>
-          <a:lstStyle/>
-          <a:p>
-            <a:pPr algn="ctr"/>
-            <a:endParaRPr lang="en-US"/>
-          </a:p>
-        </p:txBody>
-      </p:sp>
-      <p:grpSp>
-        <p:nvGrpSpPr>
-          <p:cNvPr id="40" name="Group 39"/>
-          <p:cNvGrpSpPr/>
-          <p:nvPr/>
-        </p:nvGrpSpPr>
-        <p:grpSpPr>
-          <a:xfrm>
-            <a:off x="6930736" y="4826578"/>
-            <a:ext cx="1756064" cy="1402773"/>
-            <a:chOff x="7304807" y="1818409"/>
-            <a:chExt cx="1756064" cy="1402773"/>
-          </a:xfrm>
-        </p:grpSpPr>
-        <p:grpSp>
-          <p:nvGrpSpPr>
-            <p:cNvPr id="38" name="Group 37"/>
-            <p:cNvGrpSpPr/>
-            <p:nvPr/>
-          </p:nvGrpSpPr>
-          <p:grpSpPr>
-            <a:xfrm>
-              <a:off x="7450280" y="1918316"/>
-              <a:ext cx="1610591" cy="1201779"/>
-              <a:chOff x="7450280" y="1918316"/>
-              <a:chExt cx="1610591" cy="1201779"/>
-            </a:xfrm>
-          </p:grpSpPr>
-          <p:grpSp>
-            <p:nvGrpSpPr>
-              <p:cNvPr id="35" name="Group 34"/>
-              <p:cNvGrpSpPr/>
-              <p:nvPr/>
-            </p:nvGrpSpPr>
-            <p:grpSpPr>
-              <a:xfrm>
-                <a:off x="7450280" y="1918316"/>
-                <a:ext cx="1610591" cy="369332"/>
-                <a:chOff x="7450280" y="1838603"/>
-                <a:chExt cx="1610591" cy="369332"/>
-              </a:xfrm>
-            </p:grpSpPr>
-            <p:sp>
-              <p:nvSpPr>
-                <p:cNvPr id="29" name="Isosceles Triangle 28"/>
-                <p:cNvSpPr/>
-                <p:nvPr/>
-              </p:nvSpPr>
-              <p:spPr>
-                <a:xfrm>
-                  <a:off x="7450280" y="1839191"/>
-                  <a:ext cx="325444" cy="280555"/>
-                </a:xfrm>
-                <a:prstGeom prst="triangle">
-                  <a:avLst/>
-                </a:prstGeom>
-                <a:solidFill>
-                  <a:srgbClr val="FF0000"/>
-                </a:solidFill>
-                <a:ln>
-                  <a:solidFill>
-                    <a:srgbClr val="FF0000"/>
-                  </a:solidFill>
-                </a:ln>
-              </p:spPr>
-              <p:style>
-                <a:lnRef idx="2">
-                  <a:schemeClr val="accent1">
-                    <a:shade val="50000"/>
-                  </a:schemeClr>
-                </a:lnRef>
-                <a:fillRef idx="1">
-                  <a:schemeClr val="accent1"/>
-                </a:fillRef>
-                <a:effectRef idx="0">
-                  <a:schemeClr val="accent1"/>
-                </a:effectRef>
-                <a:fontRef idx="minor">
-                  <a:schemeClr val="lt1"/>
-                </a:fontRef>
-              </p:style>
-              <p:txBody>
-                <a:bodyPr rtlCol="0" anchor="ctr"/>
-                <a:lstStyle/>
-                <a:p>
-                  <a:pPr algn="ctr"/>
-                  <a:endParaRPr lang="en-US"/>
-                </a:p>
-              </p:txBody>
-            </p:sp>
-            <p:sp>
-              <p:nvSpPr>
-                <p:cNvPr id="32" name="TextBox 31"/>
-                <p:cNvSpPr txBox="1"/>
-                <p:nvPr/>
-              </p:nvSpPr>
-              <p:spPr>
-                <a:xfrm>
-                  <a:off x="7793180" y="1838603"/>
-                  <a:ext cx="1267691" cy="369332"/>
-                </a:xfrm>
-                <a:prstGeom prst="rect">
-                  <a:avLst/>
-                </a:prstGeom>
-                <a:noFill/>
-              </p:spPr>
-              <p:txBody>
-                <a:bodyPr wrap="square" rtlCol="0">
-                  <a:spAutoFit/>
-                </a:bodyPr>
-                <a:lstStyle/>
-                <a:p>
-                  <a:r>
-                    <a:rPr lang="en-US" dirty="0" smtClean="0"/>
-                    <a:t>Sports</a:t>
-                  </a:r>
-                  <a:endParaRPr lang="en-US" dirty="0"/>
-                </a:p>
-              </p:txBody>
-            </p:sp>
-          </p:grpSp>
-          <p:grpSp>
-            <p:nvGrpSpPr>
-              <p:cNvPr id="36" name="Group 35"/>
-              <p:cNvGrpSpPr/>
-              <p:nvPr/>
-            </p:nvGrpSpPr>
-            <p:grpSpPr>
-              <a:xfrm>
-                <a:off x="7460673" y="2327933"/>
-                <a:ext cx="1600198" cy="369332"/>
-                <a:chOff x="7460673" y="2327933"/>
-                <a:chExt cx="1600198" cy="369332"/>
-              </a:xfrm>
-            </p:grpSpPr>
-            <p:sp>
-              <p:nvSpPr>
-                <p:cNvPr id="30" name="Oval 29"/>
-                <p:cNvSpPr/>
-                <p:nvPr/>
-              </p:nvSpPr>
-              <p:spPr>
-                <a:xfrm>
-                  <a:off x="7460673" y="2379518"/>
-                  <a:ext cx="259772" cy="259772"/>
-                </a:xfrm>
-                <a:prstGeom prst="ellipse">
-                  <a:avLst/>
-                </a:prstGeom>
-                <a:solidFill>
-                  <a:srgbClr val="00B050"/>
-                </a:solidFill>
-                <a:ln>
-                  <a:solidFill>
-                    <a:srgbClr val="00B050"/>
-                  </a:solidFill>
-                </a:ln>
-              </p:spPr>
-              <p:style>
-                <a:lnRef idx="2">
-                  <a:schemeClr val="accent1">
-                    <a:shade val="50000"/>
-                  </a:schemeClr>
-                </a:lnRef>
-                <a:fillRef idx="1">
-                  <a:schemeClr val="accent1"/>
-                </a:fillRef>
-                <a:effectRef idx="0">
-                  <a:schemeClr val="accent1"/>
-                </a:effectRef>
-                <a:fontRef idx="minor">
-                  <a:schemeClr val="lt1"/>
-                </a:fontRef>
-              </p:style>
-              <p:txBody>
-                <a:bodyPr rtlCol="0" anchor="ctr"/>
-                <a:lstStyle/>
-                <a:p>
-                  <a:pPr algn="ctr"/>
-                  <a:endParaRPr lang="en-US"/>
-                </a:p>
-              </p:txBody>
-            </p:sp>
-            <p:sp>
-              <p:nvSpPr>
-                <p:cNvPr id="33" name="TextBox 32"/>
-                <p:cNvSpPr txBox="1"/>
-                <p:nvPr/>
-              </p:nvSpPr>
-              <p:spPr>
-                <a:xfrm>
-                  <a:off x="7793180" y="2327933"/>
-                  <a:ext cx="1267691" cy="369332"/>
-                </a:xfrm>
-                <a:prstGeom prst="rect">
-                  <a:avLst/>
-                </a:prstGeom>
-                <a:noFill/>
-              </p:spPr>
-              <p:txBody>
-                <a:bodyPr wrap="square" rtlCol="0">
-                  <a:spAutoFit/>
-                </a:bodyPr>
-                <a:lstStyle/>
-                <a:p>
-                  <a:r>
-                    <a:rPr lang="en-US" dirty="0" smtClean="0"/>
-                    <a:t>Politics</a:t>
-                  </a:r>
-                  <a:endParaRPr lang="en-US" dirty="0"/>
-                </a:p>
-              </p:txBody>
-            </p:sp>
-          </p:grpSp>
-          <p:grpSp>
-            <p:nvGrpSpPr>
-              <p:cNvPr id="37" name="Group 36"/>
-              <p:cNvGrpSpPr/>
-              <p:nvPr/>
-            </p:nvGrpSpPr>
-            <p:grpSpPr>
-              <a:xfrm>
-                <a:off x="7450280" y="2750763"/>
-                <a:ext cx="1593135" cy="369332"/>
-                <a:chOff x="7450280" y="2854673"/>
-                <a:chExt cx="1593135" cy="369332"/>
-              </a:xfrm>
-            </p:grpSpPr>
-            <p:sp>
-              <p:nvSpPr>
-                <p:cNvPr id="31" name="Rectangle 30"/>
-                <p:cNvSpPr/>
-                <p:nvPr/>
-              </p:nvSpPr>
-              <p:spPr>
-                <a:xfrm>
-                  <a:off x="7450280" y="2899062"/>
-                  <a:ext cx="280555" cy="280555"/>
-                </a:xfrm>
-                <a:prstGeom prst="rect">
-                  <a:avLst/>
-                </a:prstGeom>
-              </p:spPr>
-              <p:style>
-                <a:lnRef idx="2">
-                  <a:schemeClr val="accent1">
-                    <a:shade val="50000"/>
-                  </a:schemeClr>
-                </a:lnRef>
-                <a:fillRef idx="1">
-                  <a:schemeClr val="accent1"/>
-                </a:fillRef>
-                <a:effectRef idx="0">
-                  <a:schemeClr val="accent1"/>
-                </a:effectRef>
-                <a:fontRef idx="minor">
-                  <a:schemeClr val="lt1"/>
-                </a:fontRef>
-              </p:style>
-              <p:txBody>
-                <a:bodyPr rtlCol="0" anchor="ctr"/>
-                <a:lstStyle/>
-                <a:p>
-                  <a:pPr algn="ctr"/>
-                  <a:endParaRPr lang="en-US"/>
-                </a:p>
-              </p:txBody>
-            </p:sp>
-            <p:sp>
-              <p:nvSpPr>
-                <p:cNvPr id="34" name="TextBox 33"/>
-                <p:cNvSpPr txBox="1"/>
-                <p:nvPr/>
-              </p:nvSpPr>
-              <p:spPr>
-                <a:xfrm>
-                  <a:off x="7775724" y="2854673"/>
-                  <a:ext cx="1267691" cy="369332"/>
-                </a:xfrm>
-                <a:prstGeom prst="rect">
-                  <a:avLst/>
-                </a:prstGeom>
-                <a:noFill/>
-              </p:spPr>
-              <p:txBody>
-                <a:bodyPr wrap="square" rtlCol="0">
-                  <a:spAutoFit/>
-                </a:bodyPr>
-                <a:lstStyle/>
-                <a:p>
-                  <a:r>
-                    <a:rPr lang="en-US" dirty="0" smtClean="0"/>
-                    <a:t>Finance</a:t>
-                  </a:r>
-                  <a:endParaRPr lang="en-US" dirty="0"/>
-                </a:p>
-              </p:txBody>
-            </p:sp>
-          </p:grpSp>
-        </p:grpSp>
-        <p:sp>
-          <p:nvSpPr>
-            <p:cNvPr id="39" name="Rectangle 38"/>
-            <p:cNvSpPr/>
-            <p:nvPr/>
-          </p:nvSpPr>
-          <p:spPr>
-            <a:xfrm>
-              <a:off x="7304807" y="1818409"/>
-              <a:ext cx="1416488" cy="1402773"/>
-            </a:xfrm>
-            <a:prstGeom prst="rect">
-              <a:avLst/>
-            </a:prstGeom>
-            <a:noFill/>
-            <a:ln>
-              <a:solidFill>
-                <a:schemeClr val="tx1"/>
-              </a:solidFill>
-            </a:ln>
-          </p:spPr>
-          <p:style>
-            <a:lnRef idx="2">
-              <a:schemeClr val="accent1">
-                <a:shade val="50000"/>
-              </a:schemeClr>
-            </a:lnRef>
-            <a:fillRef idx="1">
-              <a:schemeClr val="accent1"/>
-            </a:fillRef>
-            <a:effectRef idx="0">
-              <a:schemeClr val="accent1"/>
-            </a:effectRef>
-            <a:fontRef idx="minor">
-              <a:schemeClr val="lt1"/>
-            </a:fontRef>
-          </p:style>
-          <p:txBody>
-            <a:bodyPr rtlCol="0" anchor="ctr"/>
-            <a:lstStyle/>
-            <a:p>
-              <a:pPr algn="ctr"/>
-              <a:endParaRPr lang="en-US"/>
-            </a:p>
-          </p:txBody>
-        </p:sp>
-      </p:grpSp>
-      <p:sp>
-        <p:nvSpPr>
-          <p:cNvPr id="41" name="TextBox 40"/>
-          <p:cNvSpPr txBox="1"/>
-          <p:nvPr/>
-        </p:nvSpPr>
-        <p:spPr>
-          <a:xfrm>
-            <a:off x="6407655" y="1904019"/>
-            <a:ext cx="2590871" cy="646331"/>
-          </a:xfrm>
-          <a:prstGeom prst="rect">
-            <a:avLst/>
-          </a:prstGeom>
-          <a:noFill/>
-        </p:spPr>
-        <p:txBody>
-          <a:bodyPr wrap="square" rtlCol="0">
-            <a:spAutoFit/>
-          </a:bodyPr>
-          <a:lstStyle/>
-          <a:p>
-            <a:r>
-              <a:rPr lang="en-US" i="1" dirty="0" smtClean="0"/>
-              <a:t>Documents by vector space representation</a:t>
-            </a:r>
-            <a:endParaRPr lang="en-US" i="1" dirty="0"/>
-          </a:p>
-        </p:txBody>
-      </p:sp>
-    </p:spTree>
-    <p:extLst>
-      <p:ext uri="{BB962C8B-B14F-4D97-AF65-F5344CB8AC3E}">
-        <p14:creationId xmlns:p14="http://schemas.microsoft.com/office/powerpoint/2010/main" val="2357253636"/>
-      </p:ext>
-    </p:extLst>
-  </p:cSld>
-  <p:clrMapOvr>
-    <a:masterClrMapping/>
-  </p:clrMapOvr>
-  <p:timing>
-    <p:tnLst>
-      <p:par>
-        <p:cTn id="1" dur="indefinite" restart="never" nodeType="tmRoot">
-          <p:childTnLst>
-            <p:seq concurrent="1" nextAc="seek">
-              <p:cTn id="2" dur="indefinite" nodeType="mainSeq">
-                <p:childTnLst>
-                  <p:par>
-                    <p:cTn id="3" fill="hold">
-                      <p:stCondLst>
-                        <p:cond delay="indefinite"/>
-                      </p:stCondLst>
-                      <p:childTnLst>
-                        <p:par>
-                          <p:cTn id="4" fill="hold">
-                            <p:stCondLst>
-                              <p:cond delay="0"/>
-                            </p:stCondLst>
-                            <p:childTnLst>
-                              <p:par>
-                                <p:cTn id="5" presetID="1" presetClass="entr" presetSubtype="0" fill="hold" grpId="0" nodeType="clickEffect">
-                                  <p:stCondLst>
-                                    <p:cond delay="0"/>
-                                  </p:stCondLst>
-                                  <p:childTnLst>
-                                    <p:set>
-                                      <p:cBhvr>
-                                        <p:cTn id="6" dur="1" fill="hold">
-                                          <p:stCondLst>
-                                            <p:cond delay="0"/>
-                                          </p:stCondLst>
-                                        </p:cTn>
-                                        <p:tgtEl>
-                                          <p:spTgt spid="28"/>
-                                        </p:tgtEl>
-                                        <p:attrNameLst>
-                                          <p:attrName>style.visibility</p:attrName>
-                                        </p:attrNameLst>
-                                      </p:cBhvr>
-                                      <p:to>
-                                        <p:strVal val="visible"/>
-                                      </p:to>
-                                    </p:set>
-                                  </p:childTnLst>
-                                </p:cTn>
-                              </p:par>
-                              <p:par>
-                                <p:cTn id="7" presetID="1" presetClass="entr" presetSubtype="0" fill="hold" grpId="0" nodeType="withEffect">
-                                  <p:stCondLst>
-                                    <p:cond delay="0"/>
-                                  </p:stCondLst>
-                                  <p:childTnLst>
-                                    <p:set>
-                                      <p:cBhvr>
-                                        <p:cTn id="8" dur="1" fill="hold">
-                                          <p:stCondLst>
-                                            <p:cond delay="0"/>
-                                          </p:stCondLst>
-                                        </p:cTn>
-                                        <p:tgtEl>
-                                          <p:spTgt spid="27"/>
-                                        </p:tgtEl>
-                                        <p:attrNameLst>
-                                          <p:attrName>style.visibility</p:attrName>
-                                        </p:attrNameLst>
-                                      </p:cBhvr>
-                                      <p:to>
-                                        <p:strVal val="visible"/>
-                                      </p:to>
-                                    </p:set>
-                                  </p:childTnLst>
-                                </p:cTn>
-                              </p:par>
-                            </p:childTnLst>
-                          </p:cTn>
-                        </p:par>
-                      </p:childTnLst>
-                    </p:cTn>
-                  </p:par>
-                </p:childTnLst>
-              </p:cTn>
-              <p:prevCondLst>
-                <p:cond evt="onPrev" delay="0">
-                  <p:tgtEl>
-                    <p:sldTgt/>
-                  </p:tgtEl>
-                </p:cond>
-              </p:prevCondLst>
-              <p:nextCondLst>
-                <p:cond evt="onNext" delay="0">
-                  <p:tgtEl>
-                    <p:sldTgt/>
-                  </p:tgtEl>
-                </p:cond>
-              </p:nextCondLst>
-            </p:seq>
-          </p:childTnLst>
-        </p:cTn>
-      </p:par>
-    </p:tnLst>
-    <p:bldLst>
-      <p:bldP spid="27" grpId="0"/>
-      <p:bldP spid="28" grpId="0" animBg="1"/>
-    </p:bldLst>
-  </p:timing>
-</p:sld>
-</file>
-
-<file path=ppt/slides/slide30.xml><?xml version="1.0" encoding="utf-8"?>
+<file path=ppt/slides/slide31.xml><?xml version="1.0" encoding="utf-8"?>
 <p:sld xmlns:a="http://schemas.openxmlformats.org/drawingml/2006/main" xmlns:r="http://schemas.openxmlformats.org/officeDocument/2006/relationships" xmlns:p="http://schemas.openxmlformats.org/presentationml/2006/main">
   <p:cSld>
     <p:spTree>
@@ -28232,278 +29325,12 @@
           <a:p>
             <a:fld id="{BA36623C-6CAA-4561-B8E6-59DF76258124}" type="slidenum">
               <a:rPr lang="en-US" smtClean="0"/>
-              <a:t>30</a:t>
+              <a:t>31</a:t>
             </a:fld>
             <a:endParaRPr lang="en-US"/>
           </a:p>
         </p:txBody>
       </p:sp>
-      <p:grpSp>
-        <p:nvGrpSpPr>
-          <p:cNvPr id="8" name="Group 7"/>
-          <p:cNvGrpSpPr/>
-          <p:nvPr/>
-        </p:nvGrpSpPr>
-        <p:grpSpPr>
-          <a:xfrm>
-            <a:off x="1713469" y="3286897"/>
-            <a:ext cx="6128951" cy="1627548"/>
-            <a:chOff x="1713469" y="3286897"/>
-            <a:chExt cx="6128951" cy="1627548"/>
-          </a:xfrm>
-        </p:grpSpPr>
-        <mc:AlternateContent xmlns:mc="http://schemas.openxmlformats.org/markup-compatibility/2006" xmlns:a14="http://schemas.microsoft.com/office/drawing/2010/main">
-          <mc:Choice Requires="a14">
-            <p:sp>
-              <p:nvSpPr>
-                <p:cNvPr id="7" name="TextBox 6"/>
-                <p:cNvSpPr txBox="1"/>
-                <p:nvPr/>
-              </p:nvSpPr>
-              <p:spPr>
-                <a:xfrm>
-                  <a:off x="1713469" y="4514335"/>
-                  <a:ext cx="6128951" cy="400110"/>
-                </a:xfrm>
-                <a:prstGeom prst="rect">
-                  <a:avLst/>
-                </a:prstGeom>
-                <a:noFill/>
-              </p:spPr>
-              <p:txBody>
-                <a:bodyPr wrap="square" rtlCol="0">
-                  <a:spAutoFit/>
-                </a:bodyPr>
-                <a:lstStyle/>
-                <a:p>
-                  <a:r>
-                    <a:rPr lang="en-US" sz="2000" b="1" i="1" dirty="0" smtClean="0">
-                      <a:solidFill>
-                        <a:srgbClr val="FF0000"/>
-                      </a:solidFill>
-                    </a:rPr>
-                    <a:t>Essentially, estimating </a:t>
-                  </a:r>
-                  <a14:m>
-                    <m:oMath xmlns:m="http://schemas.openxmlformats.org/officeDocument/2006/math">
-                      <m:r>
-                        <a:rPr lang="en-US" sz="2000" b="1" i="1" dirty="0" smtClean="0">
-                          <a:solidFill>
-                            <a:srgbClr val="FF0000"/>
-                          </a:solidFill>
-                          <a:latin typeface="Cambria Math" panose="02040503050406030204" pitchFamily="18" charset="0"/>
-                        </a:rPr>
-                        <m:t>|</m:t>
-                      </m:r>
-                      <m:r>
-                        <a:rPr lang="en-US" sz="2000" b="1" i="1" dirty="0" smtClean="0">
-                          <a:solidFill>
-                            <a:srgbClr val="FF0000"/>
-                          </a:solidFill>
-                          <a:latin typeface="Cambria Math" panose="02040503050406030204" pitchFamily="18" charset="0"/>
-                        </a:rPr>
-                        <m:t>𝒀</m:t>
-                      </m:r>
-                      <m:r>
-                        <a:rPr lang="en-US" sz="2000" b="1" i="1" dirty="0" smtClean="0">
-                          <a:solidFill>
-                            <a:srgbClr val="FF0000"/>
-                          </a:solidFill>
-                          <a:latin typeface="Cambria Math" panose="02040503050406030204" pitchFamily="18" charset="0"/>
-                        </a:rPr>
-                        <m:t>|</m:t>
-                      </m:r>
-                    </m:oMath>
-                  </a14:m>
-                  <a:r>
-                    <a:rPr lang="en-US" sz="2000" b="1" i="1" dirty="0" smtClean="0">
-                      <a:solidFill>
-                        <a:srgbClr val="FF0000"/>
-                      </a:solidFill>
-                    </a:rPr>
-                    <a:t> different language models!</a:t>
-                  </a:r>
-                  <a:endParaRPr lang="en-US" sz="2000" b="1" i="1" dirty="0">
-                    <a:solidFill>
-                      <a:srgbClr val="FF0000"/>
-                    </a:solidFill>
-                  </a:endParaRPr>
-                </a:p>
-              </p:txBody>
-            </p:sp>
-          </mc:Choice>
-          <mc:Fallback xmlns="">
-            <p:sp>
-              <p:nvSpPr>
-                <p:cNvPr id="7" name="TextBox 6"/>
-                <p:cNvSpPr txBox="1">
-                  <a:spLocks noRot="1" noChangeAspect="1" noMove="1" noResize="1" noEditPoints="1" noAdjustHandles="1" noChangeArrowheads="1" noChangeShapeType="1" noTextEdit="1"/>
-                </p:cNvSpPr>
-                <p:nvPr/>
-              </p:nvSpPr>
-              <p:spPr>
-                <a:xfrm>
-                  <a:off x="1713469" y="4514335"/>
-                  <a:ext cx="6128951" cy="400110"/>
-                </a:xfrm>
-                <a:prstGeom prst="rect">
-                  <a:avLst/>
-                </a:prstGeom>
-                <a:blipFill rotWithShape="0">
-                  <a:blip r:embed="rId3"/>
-                  <a:stretch>
-                    <a:fillRect l="-995" t="-9231" b="-27692"/>
-                  </a:stretch>
-                </a:blipFill>
-              </p:spPr>
-              <p:txBody>
-                <a:bodyPr/>
-                <a:lstStyle/>
-                <a:p>
-                  <a:r>
-                    <a:rPr lang="en-US">
-                      <a:noFill/>
-                    </a:rPr>
-                    <a:t> </a:t>
-                  </a:r>
-                </a:p>
-              </p:txBody>
-            </p:sp>
-          </mc:Fallback>
-        </mc:AlternateContent>
-        <p:cxnSp>
-          <p:nvCxnSpPr>
-            <p:cNvPr id="9" name="Straight Arrow Connector 8"/>
-            <p:cNvCxnSpPr>
-              <a:stCxn id="7" idx="0"/>
-            </p:cNvCxnSpPr>
-            <p:nvPr/>
-          </p:nvCxnSpPr>
-          <p:spPr>
-            <a:xfrm flipH="1" flipV="1">
-              <a:off x="4572000" y="3286897"/>
-              <a:ext cx="205945" cy="1227438"/>
-            </a:xfrm>
-            <a:prstGeom prst="straightConnector1">
-              <a:avLst/>
-            </a:prstGeom>
-            <a:ln w="19050">
-              <a:solidFill>
-                <a:srgbClr val="FF0000"/>
-              </a:solidFill>
-              <a:tailEnd type="triangle"/>
-            </a:ln>
-          </p:spPr>
-          <p:style>
-            <a:lnRef idx="1">
-              <a:schemeClr val="accent1"/>
-            </a:lnRef>
-            <a:fillRef idx="0">
-              <a:schemeClr val="accent1"/>
-            </a:fillRef>
-            <a:effectRef idx="0">
-              <a:schemeClr val="accent1"/>
-            </a:effectRef>
-            <a:fontRef idx="minor">
-              <a:schemeClr val="tx1"/>
-            </a:fontRef>
-          </p:style>
-        </p:cxnSp>
-      </p:grpSp>
-      <p:grpSp>
-        <p:nvGrpSpPr>
-          <p:cNvPr id="11" name="Group 10"/>
-          <p:cNvGrpSpPr/>
-          <p:nvPr/>
-        </p:nvGrpSpPr>
-        <p:grpSpPr>
-          <a:xfrm>
-            <a:off x="1573579" y="5063964"/>
-            <a:ext cx="6079371" cy="862285"/>
-            <a:chOff x="1573579" y="5063964"/>
-            <a:chExt cx="6079371" cy="862285"/>
-          </a:xfrm>
-        </p:grpSpPr>
-        <p:sp>
-          <p:nvSpPr>
-            <p:cNvPr id="10" name="TextBox 9"/>
-            <p:cNvSpPr txBox="1"/>
-            <p:nvPr/>
-          </p:nvSpPr>
-          <p:spPr>
-            <a:xfrm>
-              <a:off x="2166550" y="5218363"/>
-              <a:ext cx="5486400" cy="707886"/>
-            </a:xfrm>
-            <a:prstGeom prst="rect">
-              <a:avLst/>
-            </a:prstGeom>
-            <a:noFill/>
-          </p:spPr>
-          <p:txBody>
-            <a:bodyPr wrap="square" rtlCol="0">
-              <a:spAutoFit/>
-            </a:bodyPr>
-            <a:lstStyle/>
-            <a:p>
-              <a:r>
-                <a:rPr lang="en-US" sz="2000" b="1" i="1" dirty="0" smtClean="0">
-                  <a:solidFill>
-                    <a:srgbClr val="00B050"/>
-                  </a:solidFill>
-                </a:rPr>
-                <a:t>We can enhance the conditional independence assumptions by N-gram language models</a:t>
-              </a:r>
-              <a:endParaRPr lang="en-US" sz="2000" b="1" i="1" dirty="0">
-                <a:solidFill>
-                  <a:srgbClr val="00B050"/>
-                </a:solidFill>
-              </a:endParaRPr>
-            </a:p>
-          </p:txBody>
-        </p:sp>
-        <p:pic>
-          <p:nvPicPr>
-            <p:cNvPr id="1026" name="Picture 2" descr="http://images.clipartpanda.com/idea-light-bulb-clip-art-black-and-white-MTLEnkBTa.jpeg"/>
-            <p:cNvPicPr>
-              <a:picLocks noChangeAspect="1" noChangeArrowheads="1"/>
-            </p:cNvPicPr>
-            <p:nvPr/>
-          </p:nvPicPr>
-          <p:blipFill>
-            <a:blip r:embed="rId4" cstate="print">
-              <a:extLst>
-                <a:ext uri="{28A0092B-C50C-407E-A947-70E740481C1C}">
-                  <a14:useLocalDpi xmlns:a14="http://schemas.microsoft.com/office/drawing/2010/main" val="0"/>
-                </a:ext>
-              </a:extLst>
-            </a:blip>
-            <a:srcRect/>
-            <a:stretch>
-              <a:fillRect/>
-            </a:stretch>
-          </p:blipFill>
-          <p:spPr bwMode="auto">
-            <a:xfrm rot="20353938" flipH="1">
-              <a:off x="1573579" y="5063964"/>
-              <a:ext cx="545724" cy="645281"/>
-            </a:xfrm>
-            <a:prstGeom prst="rect">
-              <a:avLst/>
-            </a:prstGeom>
-            <a:noFill/>
-            <a:extLst>
-              <a:ext uri="{909E8E84-426E-40DD-AFC4-6F175D3DCCD1}">
-                <a14:hiddenFill xmlns:a14="http://schemas.microsoft.com/office/drawing/2010/main">
-                  <a:solidFill>
-                    <a:srgbClr val="FFFFFF"/>
-                  </a:solidFill>
-                </a14:hiddenFill>
-              </a:ext>
-            </a:extLst>
-          </p:spPr>
-        </p:pic>
-      </p:grpSp>
     </p:spTree>
     <p:extLst>
       <p:ext uri="{BB962C8B-B14F-4D97-AF65-F5344CB8AC3E}">
@@ -28517,127 +29344,14 @@
   <p:timing>
     <p:tnLst>
       <p:par>
-        <p:cTn id="1" dur="indefinite" restart="never" nodeType="tmRoot">
-          <p:childTnLst>
-            <p:seq concurrent="1" nextAc="seek">
-              <p:cTn id="2" dur="indefinite" nodeType="mainSeq">
-                <p:childTnLst>
-                  <p:par>
-                    <p:cTn id="3" fill="hold">
-                      <p:stCondLst>
-                        <p:cond delay="indefinite"/>
-                      </p:stCondLst>
-                      <p:childTnLst>
-                        <p:par>
-                          <p:cTn id="4" fill="hold">
-                            <p:stCondLst>
-                              <p:cond delay="0"/>
-                            </p:stCondLst>
-                            <p:childTnLst>
-                              <p:par>
-                                <p:cTn id="5" presetID="1" presetClass="entr" presetSubtype="0" fill="hold" nodeType="clickEffect">
-                                  <p:stCondLst>
-                                    <p:cond delay="0"/>
-                                  </p:stCondLst>
-                                  <p:childTnLst>
-                                    <p:set>
-                                      <p:cBhvr>
-                                        <p:cTn id="6" dur="1" fill="hold">
-                                          <p:stCondLst>
-                                            <p:cond delay="0"/>
-                                          </p:stCondLst>
-                                        </p:cTn>
-                                        <p:tgtEl>
-                                          <p:spTgt spid="8"/>
-                                        </p:tgtEl>
-                                        <p:attrNameLst>
-                                          <p:attrName>style.visibility</p:attrName>
-                                        </p:attrNameLst>
-                                      </p:cBhvr>
-                                      <p:to>
-                                        <p:strVal val="visible"/>
-                                      </p:to>
-                                    </p:set>
-                                  </p:childTnLst>
-                                </p:cTn>
-                              </p:par>
-                            </p:childTnLst>
-                          </p:cTn>
-                        </p:par>
-                      </p:childTnLst>
-                    </p:cTn>
-                  </p:par>
-                  <p:par>
-                    <p:cTn id="7" fill="hold">
-                      <p:stCondLst>
-                        <p:cond delay="indefinite"/>
-                      </p:stCondLst>
-                      <p:childTnLst>
-                        <p:par>
-                          <p:cTn id="8" fill="hold">
-                            <p:stCondLst>
-                              <p:cond delay="0"/>
-                            </p:stCondLst>
-                            <p:childTnLst>
-                              <p:par>
-                                <p:cTn id="9" presetID="1" presetClass="entr" presetSubtype="0" fill="hold" nodeType="clickEffect">
-                                  <p:stCondLst>
-                                    <p:cond delay="0"/>
-                                  </p:stCondLst>
-                                  <p:childTnLst>
-                                    <p:set>
-                                      <p:cBhvr>
-                                        <p:cTn id="10" dur="1" fill="hold">
-                                          <p:stCondLst>
-                                            <p:cond delay="0"/>
-                                          </p:stCondLst>
-                                        </p:cTn>
-                                        <p:tgtEl>
-                                          <p:spTgt spid="11"/>
-                                        </p:tgtEl>
-                                        <p:attrNameLst>
-                                          <p:attrName>style.visibility</p:attrName>
-                                        </p:attrNameLst>
-                                      </p:cBhvr>
-                                      <p:to>
-                                        <p:strVal val="visible"/>
-                                      </p:to>
-                                    </p:set>
-                                  </p:childTnLst>
-                                </p:cTn>
-                              </p:par>
-                            </p:childTnLst>
-                          </p:cTn>
-                        </p:par>
-                      </p:childTnLst>
-                    </p:cTn>
-                  </p:par>
-                </p:childTnLst>
-              </p:cTn>
-              <p:prevCondLst>
-                <p:cond evt="onPrev" delay="0">
-                  <p:tgtEl>
-                    <p:sldTgt/>
-                  </p:tgtEl>
-                </p:cond>
-              </p:prevCondLst>
-              <p:nextCondLst>
-                <p:cond evt="onNext" delay="0">
-                  <p:tgtEl>
-                    <p:sldTgt/>
-                  </p:tgtEl>
-                </p:cond>
-              </p:nextCondLst>
-            </p:seq>
-          </p:childTnLst>
-        </p:cTn>
+        <p:cTn id="1" dur="indefinite" restart="never" nodeType="tmRoot"/>
       </p:par>
     </p:tnLst>
   </p:timing>
 </p:sld>
 </file>
 
-<file path=ppt/slides/slide31.xml><?xml version="1.0" encoding="utf-8"?>
+<file path=ppt/slides/slide32.xml><?xml version="1.0" encoding="utf-8"?>
 <p:sld xmlns:a="http://schemas.openxmlformats.org/drawingml/2006/main" xmlns:r="http://schemas.openxmlformats.org/officeDocument/2006/relationships" xmlns:p="http://schemas.openxmlformats.org/presentationml/2006/main">
   <p:cSld>
     <p:spTree>
@@ -29151,7 +29865,7 @@
           <a:p>
             <a:fld id="{BA36623C-6CAA-4561-B8E6-59DF76258124}" type="slidenum">
               <a:rPr lang="en-US" smtClean="0"/>
-              <a:t>31</a:t>
+              <a:t>32</a:t>
             </a:fld>
             <a:endParaRPr lang="en-US"/>
           </a:p>
@@ -29775,6 +30489,178 @@
           </p:style>
         </p:cxnSp>
       </p:grpSp>
+      <p:grpSp>
+        <p:nvGrpSpPr>
+          <p:cNvPr id="17" name="Group 16"/>
+          <p:cNvGrpSpPr/>
+          <p:nvPr/>
+        </p:nvGrpSpPr>
+        <p:grpSpPr>
+          <a:xfrm>
+            <a:off x="3336324" y="3024720"/>
+            <a:ext cx="6128951" cy="779321"/>
+            <a:chOff x="1713469" y="4135124"/>
+            <a:chExt cx="6128951" cy="779321"/>
+          </a:xfrm>
+        </p:grpSpPr>
+        <mc:AlternateContent xmlns:mc="http://schemas.openxmlformats.org/markup-compatibility/2006" xmlns:a14="http://schemas.microsoft.com/office/drawing/2010/main">
+          <mc:Choice Requires="a14">
+            <p:sp>
+              <p:nvSpPr>
+                <p:cNvPr id="21" name="TextBox 20"/>
+                <p:cNvSpPr txBox="1"/>
+                <p:nvPr/>
+              </p:nvSpPr>
+              <p:spPr>
+                <a:xfrm>
+                  <a:off x="1713469" y="4514335"/>
+                  <a:ext cx="6128951" cy="400110"/>
+                </a:xfrm>
+                <a:prstGeom prst="rect">
+                  <a:avLst/>
+                </a:prstGeom>
+                <a:noFill/>
+              </p:spPr>
+              <p:txBody>
+                <a:bodyPr wrap="square" rtlCol="0">
+                  <a:spAutoFit/>
+                </a:bodyPr>
+                <a:lstStyle/>
+                <a:p>
+                  <a:r>
+                    <a:rPr lang="en-US" sz="2000" b="1" i="1" dirty="0" smtClean="0">
+                      <a:solidFill>
+                        <a:srgbClr val="FF0000"/>
+                      </a:solidFill>
+                    </a:rPr>
+                    <a:t>Essentially, estimating </a:t>
+                  </a:r>
+                  <a14:m>
+                    <m:oMath xmlns:m="http://schemas.openxmlformats.org/officeDocument/2006/math">
+                      <m:r>
+                        <a:rPr lang="en-US" sz="2000" b="1" i="1" dirty="0" smtClean="0">
+                          <a:solidFill>
+                            <a:srgbClr val="FF0000"/>
+                          </a:solidFill>
+                          <a:latin typeface="Cambria Math" panose="02040503050406030204" pitchFamily="18" charset="0"/>
+                        </a:rPr>
+                        <m:t>|</m:t>
+                      </m:r>
+                      <m:r>
+                        <a:rPr lang="en-US" sz="2000" b="1" i="1" dirty="0" smtClean="0">
+                          <a:solidFill>
+                            <a:srgbClr val="FF0000"/>
+                          </a:solidFill>
+                          <a:latin typeface="Cambria Math" panose="02040503050406030204" pitchFamily="18" charset="0"/>
+                        </a:rPr>
+                        <m:t>𝒀</m:t>
+                      </m:r>
+                      <m:r>
+                        <a:rPr lang="en-US" sz="2000" b="1" i="1" dirty="0" smtClean="0">
+                          <a:solidFill>
+                            <a:srgbClr val="FF0000"/>
+                          </a:solidFill>
+                          <a:latin typeface="Cambria Math" panose="02040503050406030204" pitchFamily="18" charset="0"/>
+                        </a:rPr>
+                        <m:t>|</m:t>
+                      </m:r>
+                    </m:oMath>
+                  </a14:m>
+                  <a:r>
+                    <a:rPr lang="en-US" sz="2000" b="1" i="1" dirty="0" smtClean="0">
+                      <a:solidFill>
+                        <a:srgbClr val="FF0000"/>
+                      </a:solidFill>
+                    </a:rPr>
+                    <a:t> different language models!</a:t>
+                  </a:r>
+                  <a:endParaRPr lang="en-US" sz="2000" b="1" i="1" dirty="0">
+                    <a:solidFill>
+                      <a:srgbClr val="FF0000"/>
+                    </a:solidFill>
+                  </a:endParaRPr>
+                </a:p>
+              </p:txBody>
+            </p:sp>
+          </mc:Choice>
+          <mc:Fallback xmlns="">
+            <p:sp>
+              <p:nvSpPr>
+                <p:cNvPr id="7" name="TextBox 6"/>
+                <p:cNvSpPr txBox="1">
+                  <a:spLocks noRot="1" noChangeAspect="1" noMove="1" noResize="1" noEditPoints="1" noAdjustHandles="1" noChangeArrowheads="1" noChangeShapeType="1" noTextEdit="1"/>
+                </p:cNvSpPr>
+                <p:nvPr/>
+              </p:nvSpPr>
+              <p:spPr>
+                <a:xfrm>
+                  <a:off x="1713469" y="4514335"/>
+                  <a:ext cx="6128951" cy="400110"/>
+                </a:xfrm>
+                <a:prstGeom prst="rect">
+                  <a:avLst/>
+                </a:prstGeom>
+                <a:blipFill rotWithShape="0">
+                  <a:blip r:embed="rId4"/>
+                  <a:stretch>
+                    <a:fillRect l="-995" t="-9231" b="-27692"/>
+                  </a:stretch>
+                </a:blipFill>
+              </p:spPr>
+              <p:txBody>
+                <a:bodyPr/>
+                <a:lstStyle/>
+                <a:p>
+                  <a:r>
+                    <a:rPr lang="en-US">
+                      <a:noFill/>
+                    </a:rPr>
+                    <a:t> </a:t>
+                  </a:r>
+                </a:p>
+              </p:txBody>
+            </p:sp>
+          </mc:Fallback>
+        </mc:AlternateContent>
+        <p:cxnSp>
+          <p:nvCxnSpPr>
+            <p:cNvPr id="22" name="Straight Arrow Connector 21"/>
+            <p:cNvCxnSpPr>
+              <a:stCxn id="21" idx="0"/>
+            </p:cNvCxnSpPr>
+            <p:nvPr/>
+          </p:nvCxnSpPr>
+          <p:spPr>
+            <a:xfrm flipH="1" flipV="1">
+              <a:off x="3987113" y="4135124"/>
+              <a:ext cx="790832" cy="379211"/>
+            </a:xfrm>
+            <a:prstGeom prst="straightConnector1">
+              <a:avLst/>
+            </a:prstGeom>
+            <a:ln w="19050">
+              <a:solidFill>
+                <a:srgbClr val="FF0000"/>
+              </a:solidFill>
+              <a:tailEnd type="triangle"/>
+            </a:ln>
+          </p:spPr>
+          <p:style>
+            <a:lnRef idx="1">
+              <a:schemeClr val="accent1"/>
+            </a:lnRef>
+            <a:fillRef idx="0">
+              <a:schemeClr val="accent1"/>
+            </a:fillRef>
+            <a:effectRef idx="0">
+              <a:schemeClr val="accent1"/>
+            </a:effectRef>
+            <a:fontRef idx="minor">
+              <a:schemeClr val="tx1"/>
+            </a:fontRef>
+          </p:style>
+        </p:cxnSp>
+      </p:grpSp>
     </p:spTree>
     <p:extLst>
       <p:ext uri="{BB962C8B-B14F-4D97-AF65-F5344CB8AC3E}">
@@ -29819,42 +30705,7 @@
                                           </p:stCondLst>
                                         </p:cTn>
                                         <p:tgtEl>
-                                          <p:spTgt spid="3">
-                                            <p:txEl>
-                                              <p:pRg st="2" end="2"/>
-                                            </p:txEl>
-                                          </p:spTgt>
-                                        </p:tgtEl>
-                                        <p:attrNameLst>
-                                          <p:attrName>style.visibility</p:attrName>
-                                        </p:attrNameLst>
-                                      </p:cBhvr>
-                                      <p:to>
-                                        <p:strVal val="visible"/>
-                                      </p:to>
-                                    </p:set>
-                                  </p:childTnLst>
-                                </p:cTn>
-                              </p:par>
-                              <p:par>
-                                <p:cTn id="7" presetID="1" presetClass="entr" presetSubtype="0" fill="hold" nodeType="withEffect">
-                                  <p:stCondLst>
-                                    <p:cond delay="0"/>
-                                  </p:stCondLst>
-                                  <p:childTnLst>
-                                    <p:set>
-                                      <p:cBhvr>
-                                        <p:cTn id="8" dur="1" fill="hold">
-                                          <p:stCondLst>
-                                            <p:cond delay="0"/>
-                                          </p:stCondLst>
-                                        </p:cTn>
-                                        <p:tgtEl>
-                                          <p:spTgt spid="3">
-                                            <p:txEl>
-                                              <p:pRg st="3" end="3"/>
-                                            </p:txEl>
-                                          </p:spTgt>
+                                          <p:spTgt spid="17"/>
                                         </p:tgtEl>
                                         <p:attrNameLst>
                                           <p:attrName>style.visibility</p:attrName>
@@ -29874,19 +30725,50 @@
                     </p:cTn>
                   </p:par>
                   <p:par>
-                    <p:cTn id="9" fill="hold">
+                    <p:cTn id="7" fill="hold">
                       <p:stCondLst>
                         <p:cond delay="indefinite"/>
                       </p:stCondLst>
                       <p:childTnLst>
                         <p:par>
-                          <p:cTn id="10" fill="hold">
+                          <p:cTn id="8" fill="hold">
                             <p:stCondLst>
                               <p:cond delay="0"/>
                             </p:stCondLst>
                             <p:childTnLst>
                               <p:par>
-                                <p:cTn id="11" presetID="1" presetClass="entr" presetSubtype="0" fill="hold" grpId="0" nodeType="clickEffect">
+                                <p:cTn id="9" presetID="1" presetClass="entr" presetSubtype="0" fill="hold" nodeType="clickEffect">
+                                  <p:stCondLst>
+                                    <p:cond delay="0"/>
+                                  </p:stCondLst>
+                                  <p:childTnLst>
+                                    <p:set>
+                                      <p:cBhvr>
+                                        <p:cTn id="10" dur="1" fill="hold">
+                                          <p:stCondLst>
+                                            <p:cond delay="0"/>
+                                          </p:stCondLst>
+                                        </p:cTn>
+                                        <p:tgtEl>
+                                          <p:spTgt spid="3">
+                                            <p:txEl>
+                                              <p:pRg st="2" end="2"/>
+                                            </p:txEl>
+                                          </p:spTgt>
+                                        </p:tgtEl>
+                                        <p:attrNameLst>
+                                          <p:attrName>style.visibility</p:attrName>
+                                        </p:attrNameLst>
+                                      </p:cBhvr>
+                                      <p:to>
+                                        <p:strVal val="visible"/>
+                                      </p:to>
+                                    </p:set>
+                                  </p:childTnLst>
+                                </p:cTn>
+                              </p:par>
+                              <p:par>
+                                <p:cTn id="11" presetID="1" presetClass="entr" presetSubtype="0" fill="hold" nodeType="withEffect">
                                   <p:stCondLst>
                                     <p:cond delay="0"/>
                                   </p:stCondLst>
@@ -29899,7 +30781,11 @@
                                           </p:stCondLst>
                                         </p:cTn>
                                         <p:tgtEl>
-                                          <p:spTgt spid="7"/>
+                                          <p:spTgt spid="3">
+                                            <p:txEl>
+                                              <p:pRg st="3" end="3"/>
+                                            </p:txEl>
+                                          </p:spTgt>
                                         </p:tgtEl>
                                         <p:attrNameLst>
                                           <p:attrName>style.visibility</p:attrName>
@@ -29931,7 +30817,7 @@
                             </p:stCondLst>
                             <p:childTnLst>
                               <p:par>
-                                <p:cTn id="15" presetID="1" presetClass="entr" presetSubtype="0" fill="hold" nodeType="clickEffect">
+                                <p:cTn id="15" presetID="1" presetClass="entr" presetSubtype="0" fill="hold" grpId="0" nodeType="clickEffect">
                                   <p:stCondLst>
                                     <p:cond delay="0"/>
                                   </p:stCondLst>
@@ -29944,7 +30830,7 @@
                                           </p:stCondLst>
                                         </p:cTn>
                                         <p:tgtEl>
-                                          <p:spTgt spid="13"/>
+                                          <p:spTgt spid="7"/>
                                         </p:tgtEl>
                                         <p:attrNameLst>
                                           <p:attrName>style.visibility</p:attrName>
@@ -29989,7 +30875,7 @@
                                           </p:stCondLst>
                                         </p:cTn>
                                         <p:tgtEl>
-                                          <p:spTgt spid="18"/>
+                                          <p:spTgt spid="13"/>
                                         </p:tgtEl>
                                         <p:attrNameLst>
                                           <p:attrName>style.visibility</p:attrName>
@@ -30029,6 +30915,51 @@
                                     <p:set>
                                       <p:cBhvr>
                                         <p:cTn id="24" dur="1" fill="hold">
+                                          <p:stCondLst>
+                                            <p:cond delay="0"/>
+                                          </p:stCondLst>
+                                        </p:cTn>
+                                        <p:tgtEl>
+                                          <p:spTgt spid="18"/>
+                                        </p:tgtEl>
+                                        <p:attrNameLst>
+                                          <p:attrName>style.visibility</p:attrName>
+                                        </p:attrNameLst>
+                                      </p:cBhvr>
+                                      <p:to>
+                                        <p:strVal val="visible"/>
+                                      </p:to>
+                                    </p:set>
+                                  </p:childTnLst>
+                                </p:cTn>
+                              </p:par>
+                            </p:childTnLst>
+                          </p:cTn>
+                        </p:par>
+                      </p:childTnLst>
+                    </p:cTn>
+                  </p:par>
+                  <p:par>
+                    <p:cTn id="25" fill="hold">
+                      <p:stCondLst>
+                        <p:cond delay="indefinite"/>
+                      </p:stCondLst>
+                      <p:childTnLst>
+                        <p:par>
+                          <p:cTn id="26" fill="hold">
+                            <p:stCondLst>
+                              <p:cond delay="0"/>
+                            </p:stCondLst>
+                            <p:childTnLst>
+                              <p:par>
+                                <p:cTn id="27" presetID="1" presetClass="entr" presetSubtype="0" fill="hold" nodeType="clickEffect">
+                                  <p:stCondLst>
+                                    <p:cond delay="0"/>
+                                  </p:stCondLst>
+                                  <p:childTnLst>
+                                    <p:set>
+                                      <p:cBhvr>
+                                        <p:cTn id="28" dur="1" fill="hold">
                                           <p:stCondLst>
                                             <p:cond delay="0"/>
                                           </p:stCondLst>
@@ -30081,7 +31012,7 @@
 </p:sld>
 </file>
 
-<file path=ppt/slides/slide32.xml><?xml version="1.0" encoding="utf-8"?>
+<file path=ppt/slides/slide33.xml><?xml version="1.0" encoding="utf-8"?>
 <p:sld xmlns:a="http://schemas.openxmlformats.org/drawingml/2006/main" xmlns:r="http://schemas.openxmlformats.org/officeDocument/2006/relationships" xmlns:p="http://schemas.openxmlformats.org/presentationml/2006/main">
   <p:cSld>
     <p:spTree>
@@ -30123,8 +31054,8 @@
           </a:p>
         </p:txBody>
       </p:sp>
-      <mc:AlternateContent xmlns:mc="http://schemas.openxmlformats.org/markup-compatibility/2006">
-        <mc:Choice xmlns:a14="http://schemas.microsoft.com/office/drawing/2010/main" Requires="a14">
+      <mc:AlternateContent xmlns:mc="http://schemas.openxmlformats.org/markup-compatibility/2006" xmlns:a14="http://schemas.microsoft.com/office/drawing/2010/main">
+        <mc:Choice Requires="a14">
           <p:sp>
             <p:nvSpPr>
               <p:cNvPr id="3" name="Content Placeholder 2"/>
@@ -30318,7 +31249,7 @@
             </p:txBody>
           </p:sp>
         </mc:Choice>
-        <mc:Fallback>
+        <mc:Fallback xmlns="">
           <p:sp>
             <p:nvSpPr>
               <p:cNvPr id="3" name="Content Placeholder 2"/>
@@ -30415,14 +31346,14 @@
           <a:p>
             <a:fld id="{BA36623C-6CAA-4561-B8E6-59DF76258124}" type="slidenum">
               <a:rPr lang="en-US" smtClean="0"/>
-              <a:t>32</a:t>
+              <a:t>33</a:t>
             </a:fld>
             <a:endParaRPr lang="en-US"/>
           </a:p>
         </p:txBody>
       </p:sp>
-      <mc:AlternateContent xmlns:mc="http://schemas.openxmlformats.org/markup-compatibility/2006">
-        <mc:Choice xmlns:a14="http://schemas.microsoft.com/office/drawing/2010/main" Requires="a14">
+      <mc:AlternateContent xmlns:mc="http://schemas.openxmlformats.org/markup-compatibility/2006" xmlns:a14="http://schemas.microsoft.com/office/drawing/2010/main">
+        <mc:Choice Requires="a14">
           <p:sp>
             <p:nvSpPr>
               <p:cNvPr id="7" name="TextBox 6"/>
@@ -30834,7 +31765,7 @@
             </p:txBody>
           </p:sp>
         </mc:Choice>
-        <mc:Fallback>
+        <mc:Fallback xmlns="">
           <p:sp>
             <p:nvSpPr>
               <p:cNvPr id="7" name="TextBox 6"/>
@@ -30887,8 +31818,8 @@
             <a:chExt cx="6376086" cy="1705904"/>
           </a:xfrm>
         </p:grpSpPr>
-        <mc:AlternateContent xmlns:mc="http://schemas.openxmlformats.org/markup-compatibility/2006">
-          <mc:Choice xmlns:a14="http://schemas.microsoft.com/office/drawing/2010/main" Requires="a14">
+        <mc:AlternateContent xmlns:mc="http://schemas.openxmlformats.org/markup-compatibility/2006" xmlns:a14="http://schemas.microsoft.com/office/drawing/2010/main">
+          <mc:Choice Requires="a14">
             <p:sp>
               <p:nvSpPr>
                 <p:cNvPr id="17" name="TextBox 16"/>
@@ -30993,7 +31924,7 @@
               </p:txBody>
             </p:sp>
           </mc:Choice>
-          <mc:Fallback>
+          <mc:Fallback xmlns="">
             <p:sp>
               <p:nvSpPr>
                 <p:cNvPr id="17" name="TextBox 16"/>
@@ -31889,7 +32820,23 @@
                   <a:srgbClr val="FF0000"/>
                 </a:solidFill>
               </a:rPr>
-              <a:t>We will come back to this later.</a:t>
+              <a:t>We will come back to this </a:t>
+            </a:r>
+            <a:r>
+              <a:rPr lang="en-US" dirty="0" smtClean="0">
+                <a:solidFill>
+                  <a:srgbClr val="FF0000"/>
+                </a:solidFill>
+              </a:rPr>
+              <a:t>topic later</a:t>
+            </a:r>
+            <a:r>
+              <a:rPr lang="en-US" dirty="0" smtClean="0">
+                <a:solidFill>
+                  <a:srgbClr val="FF0000"/>
+                </a:solidFill>
+              </a:rPr>
+              <a:t>.</a:t>
             </a:r>
             <a:endParaRPr lang="en-US" dirty="0">
               <a:solidFill>
@@ -32126,7 +33073,7 @@
 </p:sld>
 </file>
 
-<file path=ppt/slides/slide33.xml><?xml version="1.0" encoding="utf-8"?>
+<file path=ppt/slides/slide34.xml><?xml version="1.0" encoding="utf-8"?>
 <p:sld xmlns:a="http://schemas.openxmlformats.org/drawingml/2006/main" xmlns:r="http://schemas.openxmlformats.org/officeDocument/2006/relationships" xmlns:p="http://schemas.openxmlformats.org/presentationml/2006/main">
   <p:cSld>
     <p:spTree>
@@ -32692,7 +33639,7 @@
           <a:p>
             <a:fld id="{BA36623C-6CAA-4561-B8E6-59DF76258124}" type="slidenum">
               <a:rPr lang="en-US" smtClean="0"/>
-              <a:t>33</a:t>
+              <a:t>34</a:t>
             </a:fld>
             <a:endParaRPr lang="en-US"/>
           </a:p>
@@ -32821,7 +33768,7 @@
 </p:sld>
 </file>
 
-<file path=ppt/slides/slide34.xml><?xml version="1.0" encoding="utf-8"?>
+<file path=ppt/slides/slide35.xml><?xml version="1.0" encoding="utf-8"?>
 <p:sld xmlns:a="http://schemas.openxmlformats.org/drawingml/2006/main" xmlns:r="http://schemas.openxmlformats.org/officeDocument/2006/relationships" xmlns:p="http://schemas.openxmlformats.org/presentationml/2006/main">
   <p:cSld>
     <p:spTree>
@@ -32863,8 +33810,8 @@
           </a:p>
         </p:txBody>
       </p:sp>
-      <mc:AlternateContent xmlns:mc="http://schemas.openxmlformats.org/markup-compatibility/2006">
-        <mc:Choice xmlns:a14="http://schemas.microsoft.com/office/drawing/2010/main" Requires="a14">
+      <mc:AlternateContent xmlns:mc="http://schemas.openxmlformats.org/markup-compatibility/2006" xmlns:a14="http://schemas.microsoft.com/office/drawing/2010/main">
+        <mc:Choice Requires="a14">
           <p:sp>
             <p:nvSpPr>
               <p:cNvPr id="3" name="Content Placeholder 2"/>
@@ -33242,7 +34189,7 @@
             </p:txBody>
           </p:sp>
         </mc:Choice>
-        <mc:Fallback>
+        <mc:Fallback xmlns="">
           <p:sp>
             <p:nvSpPr>
               <p:cNvPr id="3" name="Content Placeholder 2"/>
@@ -33339,7 +34286,7 @@
           <a:p>
             <a:fld id="{BA36623C-6CAA-4561-B8E6-59DF76258124}" type="slidenum">
               <a:rPr lang="en-US" smtClean="0"/>
-              <a:t>34</a:t>
+              <a:t>35</a:t>
             </a:fld>
             <a:endParaRPr lang="en-US"/>
           </a:p>
@@ -33468,7 +34415,7 @@
 </p:sld>
 </file>
 
-<file path=ppt/slides/slide35.xml><?xml version="1.0" encoding="utf-8"?>
+<file path=ppt/slides/slide36.xml><?xml version="1.0" encoding="utf-8"?>
 <p:sld xmlns:a="http://schemas.openxmlformats.org/drawingml/2006/main" xmlns:r="http://schemas.openxmlformats.org/officeDocument/2006/relationships" xmlns:p="http://schemas.openxmlformats.org/presentationml/2006/main">
   <p:cSld>
     <p:spTree>
@@ -34131,7 +35078,7 @@
           <a:p>
             <a:fld id="{BA36623C-6CAA-4561-B8E6-59DF76258124}" type="slidenum">
               <a:rPr lang="en-US" smtClean="0"/>
-              <a:t>35</a:t>
+              <a:t>36</a:t>
             </a:fld>
             <a:endParaRPr lang="en-US"/>
           </a:p>
@@ -34530,7 +35477,7 @@
 </p:sld>
 </file>
 
-<file path=ppt/slides/slide36.xml><?xml version="1.0" encoding="utf-8"?>
+<file path=ppt/slides/slide37.xml><?xml version="1.0" encoding="utf-8"?>
 <p:sld xmlns:a="http://schemas.openxmlformats.org/drawingml/2006/main" xmlns:r="http://schemas.openxmlformats.org/officeDocument/2006/relationships" xmlns:p="http://schemas.openxmlformats.org/presentationml/2006/main">
   <p:cSld>
     <p:spTree>
@@ -34683,7 +35630,7 @@
           <a:p>
             <a:fld id="{BA36623C-6CAA-4561-B8E6-59DF76258124}" type="slidenum">
               <a:rPr lang="en-US" smtClean="0"/>
-              <a:t>36</a:t>
+              <a:t>37</a:t>
             </a:fld>
             <a:endParaRPr lang="en-US"/>
           </a:p>
@@ -34693,6 +35640,240 @@
     <p:extLst>
       <p:ext uri="{BB962C8B-B14F-4D97-AF65-F5344CB8AC3E}">
         <p14:creationId xmlns:p14="http://schemas.microsoft.com/office/powerpoint/2010/main" val="4011098172"/>
+      </p:ext>
+    </p:extLst>
+  </p:cSld>
+  <p:clrMapOvr>
+    <a:masterClrMapping/>
+  </p:clrMapOvr>
+  <p:timing>
+    <p:tnLst>
+      <p:par>
+        <p:cTn id="1" dur="indefinite" restart="never" nodeType="tmRoot"/>
+      </p:par>
+    </p:tnLst>
+  </p:timing>
+</p:sld>
+</file>
+
+<file path=ppt/slides/slide38.xml><?xml version="1.0" encoding="utf-8"?>
+<p:sld xmlns:a="http://schemas.openxmlformats.org/drawingml/2006/main" xmlns:r="http://schemas.openxmlformats.org/officeDocument/2006/relationships" xmlns:p="http://schemas.openxmlformats.org/presentationml/2006/main">
+  <p:cSld>
+    <p:spTree>
+      <p:nvGrpSpPr>
+        <p:cNvPr id="1" name=""/>
+        <p:cNvGrpSpPr/>
+        <p:nvPr/>
+      </p:nvGrpSpPr>
+      <p:grpSpPr>
+        <a:xfrm>
+          <a:off x="0" y="0"/>
+          <a:ext cx="0" cy="0"/>
+          <a:chOff x="0" y="0"/>
+          <a:chExt cx="0" cy="0"/>
+        </a:xfrm>
+      </p:grpSpPr>
+      <p:sp>
+        <p:nvSpPr>
+          <p:cNvPr id="2" name="Title 1"/>
+          <p:cNvSpPr>
+            <a:spLocks noGrp="1"/>
+          </p:cNvSpPr>
+          <p:nvPr>
+            <p:ph type="title"/>
+          </p:nvPr>
+        </p:nvSpPr>
+        <p:spPr/>
+        <p:txBody>
+          <a:bodyPr/>
+          <a:lstStyle/>
+          <a:p>
+            <a:r>
+              <a:rPr lang="en-US" dirty="0" smtClean="0"/>
+              <a:t>Today’s reading</a:t>
+            </a:r>
+            <a:endParaRPr lang="en-US" dirty="0"/>
+          </a:p>
+        </p:txBody>
+      </p:sp>
+      <p:sp>
+        <p:nvSpPr>
+          <p:cNvPr id="3" name="Content Placeholder 2"/>
+          <p:cNvSpPr>
+            <a:spLocks noGrp="1"/>
+          </p:cNvSpPr>
+          <p:nvPr>
+            <p:ph idx="1"/>
+          </p:nvPr>
+        </p:nvSpPr>
+        <p:spPr/>
+        <p:txBody>
+          <a:bodyPr/>
+          <a:lstStyle/>
+          <a:p>
+            <a:r>
+              <a:rPr lang="en-US" dirty="0"/>
+              <a:t>Introduction to Information </a:t>
+            </a:r>
+            <a:r>
+              <a:rPr lang="en-US" dirty="0" smtClean="0"/>
+              <a:t>Retrieval</a:t>
+            </a:r>
+          </a:p>
+          <a:p>
+            <a:pPr lvl="1"/>
+            <a:r>
+              <a:rPr lang="en-US" dirty="0" smtClean="0"/>
+              <a:t>Chapter </a:t>
+            </a:r>
+            <a:r>
+              <a:rPr lang="en-US" dirty="0"/>
+              <a:t>13: Text classification and Naive </a:t>
+            </a:r>
+            <a:r>
+              <a:rPr lang="en-US" dirty="0" smtClean="0"/>
+              <a:t>Bayes</a:t>
+            </a:r>
+          </a:p>
+          <a:p>
+            <a:pPr lvl="2"/>
+            <a:r>
+              <a:rPr lang="en-US" dirty="0" smtClean="0"/>
+              <a:t>13.2 – </a:t>
+            </a:r>
+            <a:r>
+              <a:rPr lang="en-US" dirty="0"/>
+              <a:t>Naive Bayes text classification</a:t>
+            </a:r>
+            <a:endParaRPr lang="en-US" dirty="0" smtClean="0"/>
+          </a:p>
+          <a:p>
+            <a:pPr lvl="2"/>
+            <a:r>
+              <a:rPr lang="en-US" dirty="0" smtClean="0"/>
+              <a:t>13.4 – </a:t>
+            </a:r>
+            <a:r>
+              <a:rPr lang="en-US" dirty="0"/>
+              <a:t>Properties of Naive </a:t>
+            </a:r>
+            <a:r>
+              <a:rPr lang="en-US" dirty="0" smtClean="0"/>
+              <a:t>Bayes</a:t>
+            </a:r>
+          </a:p>
+          <a:p>
+            <a:pPr lvl="1"/>
+            <a:r>
+              <a:rPr lang="en-US" dirty="0" smtClean="0"/>
+              <a:t>Chapter 14</a:t>
+            </a:r>
+            <a:r>
+              <a:rPr lang="en-US" dirty="0"/>
+              <a:t>: Vector space </a:t>
+            </a:r>
+            <a:r>
+              <a:rPr lang="en-US" dirty="0" smtClean="0"/>
+              <a:t>classification</a:t>
+            </a:r>
+          </a:p>
+          <a:p>
+            <a:pPr lvl="2"/>
+            <a:r>
+              <a:rPr lang="en-US" dirty="0" smtClean="0"/>
+              <a:t>14.3 k nearest neighbor</a:t>
+            </a:r>
+          </a:p>
+          <a:p>
+            <a:pPr lvl="2"/>
+            <a:r>
+              <a:rPr lang="en-US" dirty="0"/>
+              <a:t>14.4 Linear versus nonlinear classifiers</a:t>
+            </a:r>
+          </a:p>
+          <a:p>
+            <a:pPr lvl="1"/>
+            <a:endParaRPr lang="en-US" dirty="0" smtClean="0"/>
+          </a:p>
+          <a:p>
+            <a:pPr lvl="2"/>
+            <a:endParaRPr lang="en-US" dirty="0"/>
+          </a:p>
+        </p:txBody>
+      </p:sp>
+      <p:sp>
+        <p:nvSpPr>
+          <p:cNvPr id="4" name="Date Placeholder 3"/>
+          <p:cNvSpPr>
+            <a:spLocks noGrp="1"/>
+          </p:cNvSpPr>
+          <p:nvPr>
+            <p:ph type="dt" sz="half" idx="10"/>
+          </p:nvPr>
+        </p:nvSpPr>
+        <p:spPr/>
+        <p:txBody>
+          <a:bodyPr/>
+          <a:lstStyle/>
+          <a:p>
+            <a:r>
+              <a:rPr lang="en-US" smtClean="0"/>
+              <a:t>CS@UVa</a:t>
+            </a:r>
+            <a:endParaRPr lang="en-US"/>
+          </a:p>
+        </p:txBody>
+      </p:sp>
+      <p:sp>
+        <p:nvSpPr>
+          <p:cNvPr id="5" name="Footer Placeholder 4"/>
+          <p:cNvSpPr>
+            <a:spLocks noGrp="1"/>
+          </p:cNvSpPr>
+          <p:nvPr>
+            <p:ph type="ftr" sz="quarter" idx="11"/>
+          </p:nvPr>
+        </p:nvSpPr>
+        <p:spPr/>
+        <p:txBody>
+          <a:bodyPr/>
+          <a:lstStyle/>
+          <a:p>
+            <a:r>
+              <a:rPr lang="en-US" smtClean="0"/>
+              <a:t>CS 6501: Text Mining</a:t>
+            </a:r>
+            <a:endParaRPr lang="en-US"/>
+          </a:p>
+        </p:txBody>
+      </p:sp>
+      <p:sp>
+        <p:nvSpPr>
+          <p:cNvPr id="6" name="Slide Number Placeholder 5"/>
+          <p:cNvSpPr>
+            <a:spLocks noGrp="1"/>
+          </p:cNvSpPr>
+          <p:nvPr>
+            <p:ph type="sldNum" sz="quarter" idx="12"/>
+          </p:nvPr>
+        </p:nvSpPr>
+        <p:spPr/>
+        <p:txBody>
+          <a:bodyPr/>
+          <a:lstStyle/>
+          <a:p>
+            <a:fld id="{24818704-ACE4-4DCD-8AA0-225807798D2E}" type="slidenum">
+              <a:rPr lang="en-US" smtClean="0"/>
+              <a:t>38</a:t>
+            </a:fld>
+            <a:endParaRPr lang="en-US"/>
+          </a:p>
+        </p:txBody>
+      </p:sp>
+    </p:spTree>
+    <p:extLst>
+      <p:ext uri="{BB962C8B-B14F-4D97-AF65-F5344CB8AC3E}">
+        <p14:creationId xmlns:p14="http://schemas.microsoft.com/office/powerpoint/2010/main" val="2209870481"/>
       </p:ext>
     </p:extLst>
   </p:cSld>
@@ -39765,7 +40946,11 @@
             <a:p>
               <a:r>
                 <a:rPr lang="en-US" i="1" dirty="0" smtClean="0"/>
-                <a:t>Counting the nearest neighbors from class1</a:t>
+                <a:t>Counting the nearest neighbors from </a:t>
+              </a:r>
+              <a:r>
+                <a:rPr lang="en-US" i="1" dirty="0" smtClean="0"/>
+                <a:t>class 1</a:t>
               </a:r>
               <a:endParaRPr lang="en-US" i="1" dirty="0"/>
             </a:p>

--- a/docs/kNN & Naïve Bayes.pptx
+++ b/docs/kNN & Naïve Bayes.pptx
@@ -245,7 +245,7 @@
           <a:p>
             <a:fld id="{9A2D3781-CE78-4015-89C7-4E1DF9CFA5A2}" type="datetimeFigureOut">
               <a:rPr lang="en-US" smtClean="0"/>
-              <a:t>4/1/2015</a:t>
+              <a:t>4/6/2015</a:t>
             </a:fld>
             <a:endParaRPr lang="en-US"/>
           </a:p>
@@ -5564,13 +5564,8 @@
             <a:pPr lvl="2"/>
             <a:r>
               <a:rPr lang="en-US" dirty="0" smtClean="0"/>
-              <a:t>Speed-up is limited when average document length is </a:t>
+              <a:t>Speed-up is limited when average document length is large</a:t>
             </a:r>
-            <a:r>
-              <a:rPr lang="en-US" dirty="0" smtClean="0"/>
-              <a:t>large</a:t>
-            </a:r>
-            <a:endParaRPr lang="en-US" dirty="0" smtClean="0"/>
           </a:p>
         </p:txBody>
       </p:sp>
@@ -8237,13 +8232,8 @@
             <a:pPr lvl="3"/>
             <a:r>
               <a:rPr lang="en-US" dirty="0" smtClean="0"/>
-              <a:t>Learning-based: learn the hash function with annotated examples, e.g., must-link, </a:t>
+              <a:t>Learning-based: learn the hash function with annotated examples, e.g., must-link, cannot-link</a:t>
             </a:r>
-            <a:r>
-              <a:rPr lang="en-US" dirty="0" smtClean="0"/>
-              <a:t>cannot-link</a:t>
-            </a:r>
-            <a:endParaRPr lang="en-US" dirty="0" smtClean="0"/>
           </a:p>
           <a:p>
             <a:pPr lvl="3"/>
@@ -11410,8 +11400,8 @@
           </a:p>
         </p:txBody>
       </p:sp>
-      <mc:AlternateContent xmlns:mc="http://schemas.openxmlformats.org/markup-compatibility/2006">
-        <mc:Choice xmlns:a14="http://schemas.microsoft.com/office/drawing/2010/main" Requires="a14">
+      <mc:AlternateContent xmlns:mc="http://schemas.openxmlformats.org/markup-compatibility/2006" xmlns:a14="http://schemas.microsoft.com/office/drawing/2010/main">
+        <mc:Choice Requires="a14">
           <p:sp>
             <p:nvSpPr>
               <p:cNvPr id="3" name="Content Placeholder 2"/>
@@ -11433,11 +11423,7 @@
                 </a:r>
                 <a:r>
                   <a:rPr lang="en-US" dirty="0"/>
-                  <a:t>the cosine </a:t>
-                </a:r>
-                <a:r>
-                  <a:rPr lang="en-US" dirty="0"/>
-                  <a:t>similarity between </a:t>
+                  <a:t>the cosine similarity between </a:t>
                 </a:r>
                 <a:r>
                   <a:rPr lang="en-US" dirty="0" smtClean="0"/>
@@ -11578,7 +11564,7 @@
             </p:txBody>
           </p:sp>
         </mc:Choice>
-        <mc:Fallback>
+        <mc:Fallback xmlns="">
           <p:sp>
             <p:nvSpPr>
               <p:cNvPr id="3" name="Content Placeholder 2"/>
@@ -24799,8 +24785,8 @@
           </p:sp>
         </mc:Fallback>
       </mc:AlternateContent>
-      <mc:AlternateContent xmlns:mc="http://schemas.openxmlformats.org/markup-compatibility/2006">
-        <mc:Choice xmlns:a14="http://schemas.microsoft.com/office/drawing/2010/main" Requires="a14">
+      <mc:AlternateContent xmlns:mc="http://schemas.openxmlformats.org/markup-compatibility/2006" xmlns:a14="http://schemas.microsoft.com/office/drawing/2010/main">
+        <mc:Choice Requires="a14">
           <p:sp>
             <p:nvSpPr>
               <p:cNvPr id="17" name="TextBox 16"/>
@@ -24885,7 +24871,7 @@
             </p:txBody>
           </p:sp>
         </mc:Choice>
-        <mc:Fallback>
+        <mc:Fallback xmlns="">
           <p:sp>
             <p:nvSpPr>
               <p:cNvPr id="17" name="TextBox 16"/>
@@ -29331,6 +29317,833 @@
           </a:p>
         </p:txBody>
       </p:sp>
+      <p:graphicFrame>
+        <p:nvGraphicFramePr>
+          <p:cNvPr id="7" name="Table 6"/>
+          <p:cNvGraphicFramePr>
+            <a:graphicFrameLocks noGrp="1"/>
+          </p:cNvGraphicFramePr>
+          <p:nvPr>
+            <p:extLst>
+              <p:ext uri="{D42A27DB-BD31-4B8C-83A1-F6EECF244321}">
+                <p14:modId xmlns:p14="http://schemas.microsoft.com/office/powerpoint/2010/main" val="2520221323"/>
+              </p:ext>
+            </p:extLst>
+          </p:nvPr>
+        </p:nvGraphicFramePr>
+        <p:xfrm>
+          <a:off x="350109" y="4491241"/>
+          <a:ext cx="8526159" cy="1371600"/>
+        </p:xfrm>
+        <a:graphic>
+          <a:graphicData uri="http://schemas.openxmlformats.org/drawingml/2006/table">
+            <a:tbl>
+              <a:tblPr firstRow="1" bandRow="1">
+                <a:tableStyleId>{5940675A-B579-460E-94D1-54222C63F5DA}</a:tableStyleId>
+              </a:tblPr>
+              <a:tblGrid>
+                <a:gridCol w="444373"/>
+                <a:gridCol w="506669"/>
+                <a:gridCol w="1162848"/>
+                <a:gridCol w="817766"/>
+                <a:gridCol w="772815"/>
+                <a:gridCol w="734402"/>
+                <a:gridCol w="348397"/>
+                <a:gridCol w="729718"/>
+                <a:gridCol w="374954"/>
+                <a:gridCol w="620315"/>
+                <a:gridCol w="705291"/>
+                <a:gridCol w="956726"/>
+                <a:gridCol w="351885"/>
+              </a:tblGrid>
+              <a:tr h="365760">
+                <a:tc>
+                  <a:txBody>
+                    <a:bodyPr/>
+                    <a:lstStyle/>
+                    <a:p>
+                      <a:pPr algn="ctr"/>
+                      <a:endParaRPr lang="en-US" sz="1600" dirty="0"/>
+                    </a:p>
+                  </a:txBody>
+                  <a:tcPr/>
+                </a:tc>
+                <a:tc>
+                  <a:txBody>
+                    <a:bodyPr/>
+                    <a:lstStyle/>
+                    <a:p>
+                      <a:pPr algn="ctr"/>
+                      <a:r>
+                        <a:rPr lang="en-US" sz="1600" dirty="0" smtClean="0"/>
+                        <a:t>text</a:t>
+                      </a:r>
+                      <a:endParaRPr lang="en-US" sz="1600" dirty="0"/>
+                    </a:p>
+                  </a:txBody>
+                  <a:tcPr/>
+                </a:tc>
+                <a:tc>
+                  <a:txBody>
+                    <a:bodyPr/>
+                    <a:lstStyle/>
+                    <a:p>
+                      <a:pPr algn="ctr"/>
+                      <a:r>
+                        <a:rPr lang="en-US" sz="1600" dirty="0" smtClean="0"/>
+                        <a:t>information</a:t>
+                      </a:r>
+                      <a:endParaRPr lang="en-US" sz="1600" dirty="0"/>
+                    </a:p>
+                  </a:txBody>
+                  <a:tcPr/>
+                </a:tc>
+                <a:tc>
+                  <a:txBody>
+                    <a:bodyPr/>
+                    <a:lstStyle/>
+                    <a:p>
+                      <a:pPr algn="ctr"/>
+                      <a:r>
+                        <a:rPr lang="en-US" sz="1600" dirty="0" smtClean="0"/>
+                        <a:t>identify</a:t>
+                      </a:r>
+                      <a:endParaRPr lang="en-US" sz="1600" dirty="0"/>
+                    </a:p>
+                  </a:txBody>
+                  <a:tcPr/>
+                </a:tc>
+                <a:tc>
+                  <a:txBody>
+                    <a:bodyPr/>
+                    <a:lstStyle/>
+                    <a:p>
+                      <a:pPr algn="ctr"/>
+                      <a:r>
+                        <a:rPr lang="en-US" sz="1600" dirty="0" smtClean="0"/>
+                        <a:t>mining</a:t>
+                      </a:r>
+                      <a:endParaRPr lang="en-US" sz="1600" dirty="0"/>
+                    </a:p>
+                  </a:txBody>
+                  <a:tcPr/>
+                </a:tc>
+                <a:tc>
+                  <a:txBody>
+                    <a:bodyPr/>
+                    <a:lstStyle/>
+                    <a:p>
+                      <a:pPr algn="ctr"/>
+                      <a:r>
+                        <a:rPr lang="en-US" sz="1600" dirty="0" smtClean="0"/>
+                        <a:t>mined</a:t>
+                      </a:r>
+                      <a:endParaRPr lang="en-US" sz="1600" dirty="0"/>
+                    </a:p>
+                  </a:txBody>
+                  <a:tcPr/>
+                </a:tc>
+                <a:tc>
+                  <a:txBody>
+                    <a:bodyPr/>
+                    <a:lstStyle/>
+                    <a:p>
+                      <a:pPr algn="ctr"/>
+                      <a:r>
+                        <a:rPr lang="en-US" sz="1600" dirty="0" smtClean="0"/>
+                        <a:t>is</a:t>
+                      </a:r>
+                      <a:endParaRPr lang="en-US" sz="1600" dirty="0"/>
+                    </a:p>
+                  </a:txBody>
+                  <a:tcPr/>
+                </a:tc>
+                <a:tc>
+                  <a:txBody>
+                    <a:bodyPr/>
+                    <a:lstStyle/>
+                    <a:p>
+                      <a:pPr algn="ctr"/>
+                      <a:r>
+                        <a:rPr lang="en-US" sz="1600" dirty="0" smtClean="0"/>
+                        <a:t>useful</a:t>
+                      </a:r>
+                      <a:endParaRPr lang="en-US" sz="1600" dirty="0"/>
+                    </a:p>
+                  </a:txBody>
+                  <a:tcPr/>
+                </a:tc>
+                <a:tc>
+                  <a:txBody>
+                    <a:bodyPr/>
+                    <a:lstStyle/>
+                    <a:p>
+                      <a:pPr algn="ctr"/>
+                      <a:r>
+                        <a:rPr lang="en-US" sz="1600" dirty="0" smtClean="0"/>
+                        <a:t>to</a:t>
+                      </a:r>
+                      <a:endParaRPr lang="en-US" sz="1600" dirty="0"/>
+                    </a:p>
+                  </a:txBody>
+                  <a:tcPr/>
+                </a:tc>
+                <a:tc>
+                  <a:txBody>
+                    <a:bodyPr/>
+                    <a:lstStyle/>
+                    <a:p>
+                      <a:pPr algn="ctr"/>
+                      <a:r>
+                        <a:rPr lang="en-US" sz="1600" dirty="0" smtClean="0"/>
+                        <a:t>from</a:t>
+                      </a:r>
+                      <a:endParaRPr lang="en-US" sz="1600" dirty="0"/>
+                    </a:p>
+                  </a:txBody>
+                  <a:tcPr/>
+                </a:tc>
+                <a:tc>
+                  <a:txBody>
+                    <a:bodyPr/>
+                    <a:lstStyle/>
+                    <a:p>
+                      <a:pPr algn="ctr"/>
+                      <a:r>
+                        <a:rPr lang="en-US" sz="1600" dirty="0" smtClean="0"/>
+                        <a:t>apple</a:t>
+                      </a:r>
+                      <a:endParaRPr lang="en-US" sz="1600" dirty="0"/>
+                    </a:p>
+                  </a:txBody>
+                  <a:tcPr/>
+                </a:tc>
+                <a:tc>
+                  <a:txBody>
+                    <a:bodyPr/>
+                    <a:lstStyle/>
+                    <a:p>
+                      <a:pPr algn="ctr"/>
+                      <a:r>
+                        <a:rPr lang="en-US" sz="1600" dirty="0" smtClean="0"/>
+                        <a:t>delicious</a:t>
+                      </a:r>
+                      <a:endParaRPr lang="en-US" sz="1600" dirty="0"/>
+                    </a:p>
+                  </a:txBody>
+                  <a:tcPr/>
+                </a:tc>
+                <a:tc>
+                  <a:txBody>
+                    <a:bodyPr/>
+                    <a:lstStyle/>
+                    <a:p>
+                      <a:pPr algn="ctr"/>
+                      <a:r>
+                        <a:rPr lang="en-US" sz="1600" b="1" dirty="0" smtClean="0"/>
+                        <a:t>Y</a:t>
+                      </a:r>
+                      <a:endParaRPr lang="en-US" sz="1600" b="1" dirty="0"/>
+                    </a:p>
+                  </a:txBody>
+                  <a:tcPr/>
+                </a:tc>
+              </a:tr>
+              <a:tr h="119442">
+                <a:tc>
+                  <a:txBody>
+                    <a:bodyPr/>
+                    <a:lstStyle/>
+                    <a:p>
+                      <a:pPr algn="ctr"/>
+                      <a:r>
+                        <a:rPr lang="en-US" sz="1600" dirty="0" smtClean="0"/>
+                        <a:t>D1</a:t>
+                      </a:r>
+                      <a:endParaRPr lang="en-US" sz="1600" dirty="0"/>
+                    </a:p>
+                  </a:txBody>
+                  <a:tcPr/>
+                </a:tc>
+                <a:tc>
+                  <a:txBody>
+                    <a:bodyPr/>
+                    <a:lstStyle/>
+                    <a:p>
+                      <a:pPr algn="ctr"/>
+                      <a:r>
+                        <a:rPr lang="en-US" sz="1600" dirty="0" smtClean="0"/>
+                        <a:t>1</a:t>
+                      </a:r>
+                      <a:endParaRPr lang="en-US" sz="1600" dirty="0"/>
+                    </a:p>
+                  </a:txBody>
+                  <a:tcPr/>
+                </a:tc>
+                <a:tc>
+                  <a:txBody>
+                    <a:bodyPr/>
+                    <a:lstStyle/>
+                    <a:p>
+                      <a:pPr algn="ctr"/>
+                      <a:r>
+                        <a:rPr lang="en-US" sz="1600" dirty="0" smtClean="0"/>
+                        <a:t>1</a:t>
+                      </a:r>
+                      <a:endParaRPr lang="en-US" sz="1600" dirty="0"/>
+                    </a:p>
+                  </a:txBody>
+                  <a:tcPr/>
+                </a:tc>
+                <a:tc>
+                  <a:txBody>
+                    <a:bodyPr/>
+                    <a:lstStyle/>
+                    <a:p>
+                      <a:pPr algn="ctr"/>
+                      <a:r>
+                        <a:rPr lang="en-US" sz="1600" dirty="0" smtClean="0"/>
+                        <a:t>1</a:t>
+                      </a:r>
+                      <a:endParaRPr lang="en-US" sz="1600" dirty="0"/>
+                    </a:p>
+                  </a:txBody>
+                  <a:tcPr/>
+                </a:tc>
+                <a:tc>
+                  <a:txBody>
+                    <a:bodyPr/>
+                    <a:lstStyle/>
+                    <a:p>
+                      <a:pPr algn="ctr"/>
+                      <a:r>
+                        <a:rPr lang="en-US" sz="1600" dirty="0" smtClean="0"/>
+                        <a:t>1</a:t>
+                      </a:r>
+                      <a:endParaRPr lang="en-US" sz="1600" dirty="0"/>
+                    </a:p>
+                  </a:txBody>
+                  <a:tcPr/>
+                </a:tc>
+                <a:tc>
+                  <a:txBody>
+                    <a:bodyPr/>
+                    <a:lstStyle/>
+                    <a:p>
+                      <a:pPr algn="ctr"/>
+                      <a:r>
+                        <a:rPr lang="en-US" sz="1600" dirty="0" smtClean="0"/>
+                        <a:t>0</a:t>
+                      </a:r>
+                      <a:endParaRPr lang="en-US" sz="1600" dirty="0"/>
+                    </a:p>
+                  </a:txBody>
+                  <a:tcPr/>
+                </a:tc>
+                <a:tc>
+                  <a:txBody>
+                    <a:bodyPr/>
+                    <a:lstStyle/>
+                    <a:p>
+                      <a:pPr algn="ctr"/>
+                      <a:r>
+                        <a:rPr lang="en-US" sz="1600" dirty="0" smtClean="0"/>
+                        <a:t>1</a:t>
+                      </a:r>
+                      <a:endParaRPr lang="en-US" sz="1600" dirty="0"/>
+                    </a:p>
+                  </a:txBody>
+                  <a:tcPr/>
+                </a:tc>
+                <a:tc>
+                  <a:txBody>
+                    <a:bodyPr/>
+                    <a:lstStyle/>
+                    <a:p>
+                      <a:pPr algn="ctr"/>
+                      <a:r>
+                        <a:rPr lang="en-US" sz="1600" dirty="0" smtClean="0"/>
+                        <a:t>1</a:t>
+                      </a:r>
+                      <a:endParaRPr lang="en-US" sz="1600" dirty="0"/>
+                    </a:p>
+                  </a:txBody>
+                  <a:tcPr/>
+                </a:tc>
+                <a:tc>
+                  <a:txBody>
+                    <a:bodyPr/>
+                    <a:lstStyle/>
+                    <a:p>
+                      <a:pPr algn="ctr"/>
+                      <a:r>
+                        <a:rPr lang="en-US" sz="1600" dirty="0" smtClean="0"/>
+                        <a:t>1</a:t>
+                      </a:r>
+                      <a:endParaRPr lang="en-US" sz="1600" dirty="0"/>
+                    </a:p>
+                  </a:txBody>
+                  <a:tcPr/>
+                </a:tc>
+                <a:tc>
+                  <a:txBody>
+                    <a:bodyPr/>
+                    <a:lstStyle/>
+                    <a:p>
+                      <a:pPr algn="ctr"/>
+                      <a:r>
+                        <a:rPr lang="en-US" sz="1600" dirty="0" smtClean="0"/>
+                        <a:t>0</a:t>
+                      </a:r>
+                      <a:endParaRPr lang="en-US" sz="1600" dirty="0"/>
+                    </a:p>
+                  </a:txBody>
+                  <a:tcPr/>
+                </a:tc>
+                <a:tc>
+                  <a:txBody>
+                    <a:bodyPr/>
+                    <a:lstStyle/>
+                    <a:p>
+                      <a:pPr algn="ctr"/>
+                      <a:r>
+                        <a:rPr lang="en-US" sz="1600" dirty="0" smtClean="0"/>
+                        <a:t>0</a:t>
+                      </a:r>
+                      <a:endParaRPr lang="en-US" sz="1600" dirty="0"/>
+                    </a:p>
+                  </a:txBody>
+                  <a:tcPr/>
+                </a:tc>
+                <a:tc>
+                  <a:txBody>
+                    <a:bodyPr/>
+                    <a:lstStyle/>
+                    <a:p>
+                      <a:pPr algn="ctr"/>
+                      <a:r>
+                        <a:rPr lang="en-US" sz="1600" dirty="0" smtClean="0"/>
+                        <a:t>0</a:t>
+                      </a:r>
+                      <a:endParaRPr lang="en-US" sz="1600" dirty="0"/>
+                    </a:p>
+                  </a:txBody>
+                  <a:tcPr/>
+                </a:tc>
+                <a:tc>
+                  <a:txBody>
+                    <a:bodyPr/>
+                    <a:lstStyle/>
+                    <a:p>
+                      <a:pPr algn="ctr"/>
+                      <a:r>
+                        <a:rPr lang="en-US" sz="1600" b="1" dirty="0" smtClean="0"/>
+                        <a:t>1</a:t>
+                      </a:r>
+                      <a:endParaRPr lang="en-US" sz="1600" b="1" dirty="0"/>
+                    </a:p>
+                  </a:txBody>
+                  <a:tcPr/>
+                </a:tc>
+              </a:tr>
+              <a:tr h="119442">
+                <a:tc>
+                  <a:txBody>
+                    <a:bodyPr/>
+                    <a:lstStyle/>
+                    <a:p>
+                      <a:pPr algn="ctr"/>
+                      <a:r>
+                        <a:rPr lang="en-US" sz="1600" dirty="0" smtClean="0"/>
+                        <a:t>D2</a:t>
+                      </a:r>
+                      <a:endParaRPr lang="en-US" sz="1600" dirty="0"/>
+                    </a:p>
+                  </a:txBody>
+                  <a:tcPr/>
+                </a:tc>
+                <a:tc>
+                  <a:txBody>
+                    <a:bodyPr/>
+                    <a:lstStyle/>
+                    <a:p>
+                      <a:pPr algn="ctr"/>
+                      <a:r>
+                        <a:rPr lang="en-US" sz="1600" dirty="0" smtClean="0"/>
+                        <a:t>1</a:t>
+                      </a:r>
+                      <a:endParaRPr lang="en-US" sz="1600" dirty="0"/>
+                    </a:p>
+                  </a:txBody>
+                  <a:tcPr/>
+                </a:tc>
+                <a:tc>
+                  <a:txBody>
+                    <a:bodyPr/>
+                    <a:lstStyle/>
+                    <a:p>
+                      <a:pPr algn="ctr"/>
+                      <a:r>
+                        <a:rPr lang="en-US" sz="1600" dirty="0" smtClean="0"/>
+                        <a:t>1</a:t>
+                      </a:r>
+                      <a:endParaRPr lang="en-US" sz="1600" dirty="0"/>
+                    </a:p>
+                  </a:txBody>
+                  <a:tcPr/>
+                </a:tc>
+                <a:tc>
+                  <a:txBody>
+                    <a:bodyPr/>
+                    <a:lstStyle/>
+                    <a:p>
+                      <a:pPr algn="ctr"/>
+                      <a:r>
+                        <a:rPr lang="en-US" sz="1600" dirty="0" smtClean="0"/>
+                        <a:t>0</a:t>
+                      </a:r>
+                      <a:endParaRPr lang="en-US" sz="1600" dirty="0"/>
+                    </a:p>
+                  </a:txBody>
+                  <a:tcPr/>
+                </a:tc>
+                <a:tc>
+                  <a:txBody>
+                    <a:bodyPr/>
+                    <a:lstStyle/>
+                    <a:p>
+                      <a:pPr algn="ctr"/>
+                      <a:r>
+                        <a:rPr lang="en-US" sz="1600" dirty="0" smtClean="0"/>
+                        <a:t>0</a:t>
+                      </a:r>
+                      <a:endParaRPr lang="en-US" sz="1600" dirty="0"/>
+                    </a:p>
+                  </a:txBody>
+                  <a:tcPr/>
+                </a:tc>
+                <a:tc>
+                  <a:txBody>
+                    <a:bodyPr/>
+                    <a:lstStyle/>
+                    <a:p>
+                      <a:pPr algn="ctr"/>
+                      <a:r>
+                        <a:rPr lang="en-US" sz="1600" dirty="0" smtClean="0"/>
+                        <a:t>1</a:t>
+                      </a:r>
+                      <a:endParaRPr lang="en-US" sz="1600" dirty="0"/>
+                    </a:p>
+                  </a:txBody>
+                  <a:tcPr/>
+                </a:tc>
+                <a:tc>
+                  <a:txBody>
+                    <a:bodyPr/>
+                    <a:lstStyle/>
+                    <a:p>
+                      <a:pPr algn="ctr"/>
+                      <a:r>
+                        <a:rPr lang="en-US" sz="1600" dirty="0" smtClean="0"/>
+                        <a:t>1</a:t>
+                      </a:r>
+                      <a:endParaRPr lang="en-US" sz="1600" dirty="0"/>
+                    </a:p>
+                  </a:txBody>
+                  <a:tcPr/>
+                </a:tc>
+                <a:tc>
+                  <a:txBody>
+                    <a:bodyPr/>
+                    <a:lstStyle/>
+                    <a:p>
+                      <a:pPr algn="ctr"/>
+                      <a:r>
+                        <a:rPr lang="en-US" sz="1600" dirty="0" smtClean="0"/>
+                        <a:t>1</a:t>
+                      </a:r>
+                      <a:endParaRPr lang="en-US" sz="1600" dirty="0"/>
+                    </a:p>
+                  </a:txBody>
+                  <a:tcPr/>
+                </a:tc>
+                <a:tc>
+                  <a:txBody>
+                    <a:bodyPr/>
+                    <a:lstStyle/>
+                    <a:p>
+                      <a:pPr algn="ctr"/>
+                      <a:r>
+                        <a:rPr lang="en-US" sz="1600" dirty="0" smtClean="0"/>
+                        <a:t>0</a:t>
+                      </a:r>
+                      <a:endParaRPr lang="en-US" sz="1600" dirty="0"/>
+                    </a:p>
+                  </a:txBody>
+                  <a:tcPr/>
+                </a:tc>
+                <a:tc>
+                  <a:txBody>
+                    <a:bodyPr/>
+                    <a:lstStyle/>
+                    <a:p>
+                      <a:pPr algn="ctr"/>
+                      <a:r>
+                        <a:rPr lang="en-US" sz="1600" dirty="0" smtClean="0"/>
+                        <a:t>1</a:t>
+                      </a:r>
+                      <a:endParaRPr lang="en-US" sz="1600" dirty="0"/>
+                    </a:p>
+                  </a:txBody>
+                  <a:tcPr/>
+                </a:tc>
+                <a:tc>
+                  <a:txBody>
+                    <a:bodyPr/>
+                    <a:lstStyle/>
+                    <a:p>
+                      <a:pPr algn="ctr"/>
+                      <a:r>
+                        <a:rPr lang="en-US" sz="1600" dirty="0" smtClean="0"/>
+                        <a:t>0</a:t>
+                      </a:r>
+                      <a:endParaRPr lang="en-US" sz="1600" dirty="0"/>
+                    </a:p>
+                  </a:txBody>
+                  <a:tcPr/>
+                </a:tc>
+                <a:tc>
+                  <a:txBody>
+                    <a:bodyPr/>
+                    <a:lstStyle/>
+                    <a:p>
+                      <a:pPr algn="ctr"/>
+                      <a:r>
+                        <a:rPr lang="en-US" sz="1600" dirty="0" smtClean="0"/>
+                        <a:t>0</a:t>
+                      </a:r>
+                      <a:endParaRPr lang="en-US" sz="1600" dirty="0"/>
+                    </a:p>
+                  </a:txBody>
+                  <a:tcPr/>
+                </a:tc>
+                <a:tc>
+                  <a:txBody>
+                    <a:bodyPr/>
+                    <a:lstStyle/>
+                    <a:p>
+                      <a:pPr algn="ctr"/>
+                      <a:r>
+                        <a:rPr lang="en-US" sz="1600" b="1" dirty="0" smtClean="0"/>
+                        <a:t>1</a:t>
+                      </a:r>
+                      <a:endParaRPr lang="en-US" sz="1600" b="1" dirty="0"/>
+                    </a:p>
+                  </a:txBody>
+                  <a:tcPr/>
+                </a:tc>
+              </a:tr>
+              <a:tr h="119442">
+                <a:tc>
+                  <a:txBody>
+                    <a:bodyPr/>
+                    <a:lstStyle/>
+                    <a:p>
+                      <a:pPr algn="ctr"/>
+                      <a:r>
+                        <a:rPr lang="en-US" sz="1600" dirty="0" smtClean="0"/>
+                        <a:t>D3</a:t>
+                      </a:r>
+                      <a:endParaRPr lang="en-US" sz="1600" dirty="0"/>
+                    </a:p>
+                  </a:txBody>
+                  <a:tcPr/>
+                </a:tc>
+                <a:tc>
+                  <a:txBody>
+                    <a:bodyPr/>
+                    <a:lstStyle/>
+                    <a:p>
+                      <a:pPr algn="ctr"/>
+                      <a:r>
+                        <a:rPr lang="en-US" sz="1600" dirty="0" smtClean="0"/>
+                        <a:t>0</a:t>
+                      </a:r>
+                      <a:endParaRPr lang="en-US" sz="1600" dirty="0"/>
+                    </a:p>
+                  </a:txBody>
+                  <a:tcPr/>
+                </a:tc>
+                <a:tc>
+                  <a:txBody>
+                    <a:bodyPr/>
+                    <a:lstStyle/>
+                    <a:p>
+                      <a:pPr algn="ctr"/>
+                      <a:r>
+                        <a:rPr lang="en-US" sz="1600" dirty="0" smtClean="0"/>
+                        <a:t>0</a:t>
+                      </a:r>
+                      <a:endParaRPr lang="en-US" sz="1600" dirty="0"/>
+                    </a:p>
+                  </a:txBody>
+                  <a:tcPr/>
+                </a:tc>
+                <a:tc>
+                  <a:txBody>
+                    <a:bodyPr/>
+                    <a:lstStyle/>
+                    <a:p>
+                      <a:pPr algn="ctr"/>
+                      <a:r>
+                        <a:rPr lang="en-US" sz="1600" dirty="0" smtClean="0"/>
+                        <a:t>0</a:t>
+                      </a:r>
+                      <a:endParaRPr lang="en-US" sz="1600" dirty="0"/>
+                    </a:p>
+                  </a:txBody>
+                  <a:tcPr/>
+                </a:tc>
+                <a:tc>
+                  <a:txBody>
+                    <a:bodyPr/>
+                    <a:lstStyle/>
+                    <a:p>
+                      <a:pPr algn="ctr"/>
+                      <a:r>
+                        <a:rPr lang="en-US" sz="1600" dirty="0" smtClean="0"/>
+                        <a:t>0</a:t>
+                      </a:r>
+                      <a:endParaRPr lang="en-US" sz="1600" dirty="0"/>
+                    </a:p>
+                  </a:txBody>
+                  <a:tcPr/>
+                </a:tc>
+                <a:tc>
+                  <a:txBody>
+                    <a:bodyPr/>
+                    <a:lstStyle/>
+                    <a:p>
+                      <a:pPr algn="ctr"/>
+                      <a:r>
+                        <a:rPr lang="en-US" sz="1600" dirty="0" smtClean="0"/>
+                        <a:t>0</a:t>
+                      </a:r>
+                      <a:endParaRPr lang="en-US" sz="1600" dirty="0"/>
+                    </a:p>
+                  </a:txBody>
+                  <a:tcPr/>
+                </a:tc>
+                <a:tc>
+                  <a:txBody>
+                    <a:bodyPr/>
+                    <a:lstStyle/>
+                    <a:p>
+                      <a:pPr algn="ctr"/>
+                      <a:r>
+                        <a:rPr lang="en-US" sz="1600" dirty="0" smtClean="0"/>
+                        <a:t>1</a:t>
+                      </a:r>
+                      <a:endParaRPr lang="en-US" sz="1600" dirty="0"/>
+                    </a:p>
+                  </a:txBody>
+                  <a:tcPr/>
+                </a:tc>
+                <a:tc>
+                  <a:txBody>
+                    <a:bodyPr/>
+                    <a:lstStyle/>
+                    <a:p>
+                      <a:pPr algn="ctr"/>
+                      <a:r>
+                        <a:rPr lang="en-US" sz="1600" dirty="0" smtClean="0"/>
+                        <a:t>0</a:t>
+                      </a:r>
+                      <a:endParaRPr lang="en-US" sz="1600" dirty="0"/>
+                    </a:p>
+                  </a:txBody>
+                  <a:tcPr/>
+                </a:tc>
+                <a:tc>
+                  <a:txBody>
+                    <a:bodyPr/>
+                    <a:lstStyle/>
+                    <a:p>
+                      <a:pPr algn="ctr"/>
+                      <a:r>
+                        <a:rPr lang="en-US" sz="1600" dirty="0" smtClean="0"/>
+                        <a:t>0</a:t>
+                      </a:r>
+                      <a:endParaRPr lang="en-US" sz="1600" dirty="0"/>
+                    </a:p>
+                  </a:txBody>
+                  <a:tcPr/>
+                </a:tc>
+                <a:tc>
+                  <a:txBody>
+                    <a:bodyPr/>
+                    <a:lstStyle/>
+                    <a:p>
+                      <a:pPr algn="ctr"/>
+                      <a:r>
+                        <a:rPr lang="en-US" sz="1600" dirty="0" smtClean="0"/>
+                        <a:t>0</a:t>
+                      </a:r>
+                      <a:endParaRPr lang="en-US" sz="1600" dirty="0"/>
+                    </a:p>
+                  </a:txBody>
+                  <a:tcPr/>
+                </a:tc>
+                <a:tc>
+                  <a:txBody>
+                    <a:bodyPr/>
+                    <a:lstStyle/>
+                    <a:p>
+                      <a:pPr algn="ctr"/>
+                      <a:r>
+                        <a:rPr lang="en-US" sz="1600" dirty="0" smtClean="0"/>
+                        <a:t>1</a:t>
+                      </a:r>
+                      <a:endParaRPr lang="en-US" sz="1600" dirty="0"/>
+                    </a:p>
+                  </a:txBody>
+                  <a:tcPr/>
+                </a:tc>
+                <a:tc>
+                  <a:txBody>
+                    <a:bodyPr/>
+                    <a:lstStyle/>
+                    <a:p>
+                      <a:pPr algn="ctr"/>
+                      <a:r>
+                        <a:rPr lang="en-US" sz="1600" dirty="0" smtClean="0"/>
+                        <a:t>1</a:t>
+                      </a:r>
+                      <a:endParaRPr lang="en-US" sz="1600" dirty="0"/>
+                    </a:p>
+                  </a:txBody>
+                  <a:tcPr/>
+                </a:tc>
+                <a:tc>
+                  <a:txBody>
+                    <a:bodyPr/>
+                    <a:lstStyle/>
+                    <a:p>
+                      <a:pPr algn="ctr"/>
+                      <a:r>
+                        <a:rPr lang="en-US" sz="1600" b="1" dirty="0" smtClean="0"/>
+                        <a:t>0</a:t>
+                      </a:r>
+                      <a:endParaRPr lang="en-US" sz="1600" b="1" dirty="0"/>
+                    </a:p>
+                  </a:txBody>
+                  <a:tcPr/>
+                </a:tc>
+              </a:tr>
+            </a:tbl>
+          </a:graphicData>
+        </a:graphic>
+      </p:graphicFrame>
     </p:spTree>
     <p:extLst>
       <p:ext uri="{BB962C8B-B14F-4D97-AF65-F5344CB8AC3E}">
@@ -29344,7 +30157,75 @@
   <p:timing>
     <p:tnLst>
       <p:par>
-        <p:cTn id="1" dur="indefinite" restart="never" nodeType="tmRoot"/>
+        <p:cTn id="1" dur="indefinite" restart="never" nodeType="tmRoot">
+          <p:childTnLst>
+            <p:seq concurrent="1" nextAc="seek">
+              <p:cTn id="2" dur="indefinite" nodeType="mainSeq">
+                <p:childTnLst>
+                  <p:par>
+                    <p:cTn id="3" fill="hold">
+                      <p:stCondLst>
+                        <p:cond delay="indefinite"/>
+                      </p:stCondLst>
+                      <p:childTnLst>
+                        <p:par>
+                          <p:cTn id="4" fill="hold">
+                            <p:stCondLst>
+                              <p:cond delay="0"/>
+                            </p:stCondLst>
+                            <p:childTnLst>
+                              <p:par>
+                                <p:cTn id="5" presetID="1" presetClass="entr" presetSubtype="0" fill="hold" nodeType="clickEffect">
+                                  <p:stCondLst>
+                                    <p:cond delay="0"/>
+                                  </p:stCondLst>
+                                  <p:childTnLst>
+                                    <p:set>
+                                      <p:cBhvr>
+                                        <p:cTn id="6" dur="1" fill="hold">
+                                          <p:stCondLst>
+                                            <p:cond delay="0"/>
+                                          </p:stCondLst>
+                                        </p:cTn>
+                                        <p:tgtEl>
+                                          <p:spTgt spid="7"/>
+                                        </p:tgtEl>
+                                        <p:attrNameLst>
+                                          <p:attrName>style.visibility</p:attrName>
+                                        </p:attrNameLst>
+                                      </p:cBhvr>
+                                      <p:to>
+                                        <p:strVal val="visible"/>
+                                      </p:to>
+                                    </p:set>
+                                  </p:childTnLst>
+                                </p:cTn>
+                              </p:par>
+                            </p:childTnLst>
+                          </p:cTn>
+                        </p:par>
+                      </p:childTnLst>
+                    </p:cTn>
+                  </p:par>
+                </p:childTnLst>
+              </p:cTn>
+              <p:prevCondLst>
+                <p:cond evt="onPrev" delay="0">
+                  <p:tgtEl>
+                    <p:sldTgt/>
+                  </p:tgtEl>
+                </p:cond>
+              </p:prevCondLst>
+              <p:nextCondLst>
+                <p:cond evt="onNext" delay="0">
+                  <p:tgtEl>
+                    <p:sldTgt/>
+                  </p:tgtEl>
+                </p:cond>
+              </p:nextCondLst>
+            </p:seq>
+          </p:childTnLst>
+        </p:cTn>
       </p:par>
     </p:tnLst>
   </p:timing>
@@ -29387,14 +30268,18 @@
           <a:p>
             <a:r>
               <a:rPr lang="en-US" dirty="0" smtClean="0"/>
-              <a:t>Enhancing Naïve Bayes for text classification</a:t>
+              <a:t>Enhancing Naïve Bayes for text </a:t>
+            </a:r>
+            <a:r>
+              <a:rPr lang="en-US" dirty="0" smtClean="0"/>
+              <a:t>classification I</a:t>
             </a:r>
             <a:endParaRPr lang="en-US" dirty="0"/>
           </a:p>
         </p:txBody>
       </p:sp>
-      <mc:AlternateContent xmlns:mc="http://schemas.openxmlformats.org/markup-compatibility/2006" xmlns:a14="http://schemas.microsoft.com/office/drawing/2010/main">
-        <mc:Choice Requires="a14">
+      <mc:AlternateContent xmlns:mc="http://schemas.openxmlformats.org/markup-compatibility/2006">
+        <mc:Choice xmlns:a14="http://schemas.microsoft.com/office/drawing/2010/main" Requires="a14">
           <p:sp>
             <p:nvSpPr>
               <p:cNvPr id="3" name="Content Placeholder 2"/>
@@ -29420,10 +30305,10 @@
                 <a14:m>
                   <m:oMath xmlns:m="http://schemas.openxmlformats.org/officeDocument/2006/math">
                     <m:r>
-                      <a:rPr lang="en-US" i="1">
+                      <a:rPr lang="en-US" b="0" i="1" smtClean="0">
                         <a:latin typeface="Cambria Math" panose="02040503050406030204" pitchFamily="18" charset="0"/>
                       </a:rPr>
-                      <m:t>𝑝</m:t>
+                      <m:t>𝑃</m:t>
                     </m:r>
                     <m:d>
                       <m:dPr>
@@ -29768,7 +30653,7 @@
             </p:txBody>
           </p:sp>
         </mc:Choice>
-        <mc:Fallback xmlns="">
+        <mc:Fallback>
           <p:sp>
             <p:nvSpPr>
               <p:cNvPr id="3" name="Content Placeholder 2"/>
@@ -31352,8 +32237,8 @@
           </a:p>
         </p:txBody>
       </p:sp>
-      <mc:AlternateContent xmlns:mc="http://schemas.openxmlformats.org/markup-compatibility/2006" xmlns:a14="http://schemas.microsoft.com/office/drawing/2010/main">
-        <mc:Choice Requires="a14">
+      <mc:AlternateContent xmlns:mc="http://schemas.openxmlformats.org/markup-compatibility/2006">
+        <mc:Choice xmlns:a14="http://schemas.microsoft.com/office/drawing/2010/main" Requires="a14">
           <p:sp>
             <p:nvSpPr>
               <p:cNvPr id="7" name="TextBox 6"/>
@@ -31362,8 +32247,8 @@
             </p:nvSpPr>
             <p:spPr>
               <a:xfrm>
-                <a:off x="1976144" y="3025763"/>
-                <a:ext cx="6752554" cy="1062407"/>
+                <a:off x="2078556" y="3001721"/>
+                <a:ext cx="6869188" cy="1189043"/>
               </a:xfrm>
               <a:prstGeom prst="rect">
                 <a:avLst/>
@@ -31395,217 +32280,19 @@
                         </a:rPr>
                         <m:t>𝑠𝑔𝑛</m:t>
                       </m:r>
-                      <m:r>
-                        <a:rPr lang="en-US" sz="2400" b="0" i="1" smtClean="0">
-                          <a:latin typeface="Cambria Math" panose="02040503050406030204" pitchFamily="18" charset="0"/>
-                        </a:rPr>
-                        <m:t>(</m:t>
-                      </m:r>
-                      <m:func>
-                        <m:funcPr>
+                      <m:d>
+                        <m:dPr>
                           <m:ctrlPr>
                             <a:rPr lang="en-US" sz="2400" b="0" i="1" smtClean="0">
                               <a:latin typeface="Cambria Math" panose="02040503050406030204" pitchFamily="18" charset="0"/>
                             </a:rPr>
                           </m:ctrlPr>
-                        </m:funcPr>
-                        <m:fName>
-                          <m:r>
-                            <m:rPr>
-                              <m:sty m:val="p"/>
-                            </m:rPr>
-                            <a:rPr lang="en-US" sz="2400" b="0" i="0" smtClean="0">
-                              <a:latin typeface="Cambria Math" panose="02040503050406030204" pitchFamily="18" charset="0"/>
-                            </a:rPr>
-                            <m:t>log</m:t>
-                          </m:r>
-                        </m:fName>
+                        </m:dPr>
                         <m:e>
-                          <m:f>
-                            <m:fPr>
-                              <m:ctrlPr>
-                                <a:rPr lang="en-US" sz="2400" b="0" i="1" smtClean="0">
-                                  <a:latin typeface="Cambria Math" panose="02040503050406030204" pitchFamily="18" charset="0"/>
-                                </a:rPr>
-                              </m:ctrlPr>
-                            </m:fPr>
-                            <m:num>
-                              <m:r>
-                                <a:rPr lang="en-US" sz="2400" i="1">
-                                  <a:latin typeface="Cambria Math" panose="02040503050406030204" pitchFamily="18" charset="0"/>
-                                </a:rPr>
-                                <m:t>𝑃</m:t>
-                              </m:r>
-                              <m:d>
-                                <m:dPr>
-                                  <m:ctrlPr>
-                                    <a:rPr lang="en-US" sz="2400" i="1">
-                                      <a:latin typeface="Cambria Math" panose="02040503050406030204" pitchFamily="18" charset="0"/>
-                                    </a:rPr>
-                                  </m:ctrlPr>
-                                </m:dPr>
-                                <m:e>
-                                  <m:r>
-                                    <a:rPr lang="en-US" sz="2400" i="1">
-                                      <a:latin typeface="Cambria Math" panose="02040503050406030204" pitchFamily="18" charset="0"/>
-                                    </a:rPr>
-                                    <m:t>𝑦</m:t>
-                                  </m:r>
-                                  <m:r>
-                                    <a:rPr lang="en-US" sz="2400" b="0" i="1" smtClean="0">
-                                      <a:latin typeface="Cambria Math" panose="02040503050406030204" pitchFamily="18" charset="0"/>
-                                    </a:rPr>
-                                    <m:t>=1</m:t>
-                                  </m:r>
-                                </m:e>
-                              </m:d>
-                            </m:num>
-                            <m:den>
-                              <m:r>
-                                <a:rPr lang="en-US" sz="2400" b="0" i="1" smtClean="0">
-                                  <a:latin typeface="Cambria Math" panose="02040503050406030204" pitchFamily="18" charset="0"/>
-                                </a:rPr>
-                                <m:t>𝑃</m:t>
-                              </m:r>
-                              <m:d>
-                                <m:dPr>
-                                  <m:ctrlPr>
-                                    <a:rPr lang="en-US" sz="2400" b="0" i="1" smtClean="0">
-                                      <a:latin typeface="Cambria Math" panose="02040503050406030204" pitchFamily="18" charset="0"/>
-                                    </a:rPr>
-                                  </m:ctrlPr>
-                                </m:dPr>
-                                <m:e>
-                                  <m:r>
-                                    <a:rPr lang="en-US" sz="2400" b="0" i="1" smtClean="0">
-                                      <a:latin typeface="Cambria Math" panose="02040503050406030204" pitchFamily="18" charset="0"/>
-                                    </a:rPr>
-                                    <m:t>𝑦</m:t>
-                                  </m:r>
-                                  <m:r>
-                                    <a:rPr lang="en-US" sz="2400" b="0" i="1" smtClean="0">
-                                      <a:latin typeface="Cambria Math" panose="02040503050406030204" pitchFamily="18" charset="0"/>
-                                    </a:rPr>
-                                    <m:t>=0</m:t>
-                                  </m:r>
-                                </m:e>
-                              </m:d>
-                            </m:den>
-                          </m:f>
-                        </m:e>
-                      </m:func>
-                      <m:r>
-                        <a:rPr lang="en-US" sz="2400" b="0" i="1" smtClean="0">
-                          <a:latin typeface="Cambria Math" panose="02040503050406030204" pitchFamily="18" charset="0"/>
-                        </a:rPr>
-                        <m:t>+</m:t>
-                      </m:r>
-                      <m:nary>
-                        <m:naryPr>
-                          <m:chr m:val="∑"/>
-                          <m:ctrlPr>
-                            <a:rPr lang="en-US" sz="2400" i="1" smtClean="0">
-                              <a:latin typeface="Cambria Math" panose="02040503050406030204" pitchFamily="18" charset="0"/>
-                            </a:rPr>
-                          </m:ctrlPr>
-                        </m:naryPr>
-                        <m:sub>
-                          <m:r>
-                            <m:rPr>
-                              <m:brk m:alnAt="23"/>
-                            </m:rPr>
-                            <a:rPr lang="en-US" sz="2400" b="0" i="1" smtClean="0">
-                              <a:latin typeface="Cambria Math" panose="02040503050406030204" pitchFamily="18" charset="0"/>
-                            </a:rPr>
-                            <m:t>𝑖</m:t>
-                          </m:r>
-                          <m:r>
-                            <a:rPr lang="en-US" sz="2400" b="0" i="1" smtClean="0">
-                              <a:latin typeface="Cambria Math" panose="02040503050406030204" pitchFamily="18" charset="0"/>
-                            </a:rPr>
-                            <m:t>=1</m:t>
-                          </m:r>
-                        </m:sub>
-                        <m:sup>
-                          <m:d>
-                            <m:dPr>
-                              <m:begChr m:val="|"/>
-                              <m:endChr m:val="|"/>
-                              <m:ctrlPr>
-                                <a:rPr lang="en-US" sz="2400" b="0" i="1" smtClean="0">
-                                  <a:latin typeface="Cambria Math" panose="02040503050406030204" pitchFamily="18" charset="0"/>
-                                </a:rPr>
-                              </m:ctrlPr>
-                            </m:dPr>
-                            <m:e>
-                              <m:r>
-                                <a:rPr lang="en-US" sz="2400" b="0" i="1" smtClean="0">
-                                  <a:latin typeface="Cambria Math" panose="02040503050406030204" pitchFamily="18" charset="0"/>
-                                </a:rPr>
-                                <m:t>𝑑</m:t>
-                              </m:r>
-                            </m:e>
-                          </m:d>
-                        </m:sup>
-                        <m:e>
-                          <m:r>
-                            <a:rPr lang="en-US" sz="2400" b="0" i="1" smtClean="0">
-                              <a:latin typeface="Cambria Math" panose="02040503050406030204" pitchFamily="18" charset="0"/>
-                            </a:rPr>
-                            <m:t>𝑐</m:t>
-                          </m:r>
-                          <m:d>
-                            <m:dPr>
-                              <m:ctrlPr>
-                                <a:rPr lang="en-US" sz="2400" b="0" i="1" smtClean="0">
-                                  <a:latin typeface="Cambria Math" panose="02040503050406030204" pitchFamily="18" charset="0"/>
-                                </a:rPr>
-                              </m:ctrlPr>
-                            </m:dPr>
-                            <m:e>
-                              <m:sSub>
-                                <m:sSubPr>
-                                  <m:ctrlPr>
-                                    <a:rPr lang="en-US" sz="2400" b="0" i="1" smtClean="0">
-                                      <a:latin typeface="Cambria Math" panose="02040503050406030204" pitchFamily="18" charset="0"/>
-                                    </a:rPr>
-                                  </m:ctrlPr>
-                                </m:sSubPr>
-                                <m:e>
-                                  <m:r>
-                                    <a:rPr lang="en-US" sz="2400" b="0" i="1" smtClean="0">
-                                      <a:latin typeface="Cambria Math" panose="02040503050406030204" pitchFamily="18" charset="0"/>
-                                    </a:rPr>
-                                    <m:t>𝑥</m:t>
-                                  </m:r>
-                                </m:e>
-                                <m:sub>
-                                  <m:r>
-                                    <a:rPr lang="en-US" sz="2400" b="0" i="1" smtClean="0">
-                                      <a:latin typeface="Cambria Math" panose="02040503050406030204" pitchFamily="18" charset="0"/>
-                                    </a:rPr>
-                                    <m:t>𝑖</m:t>
-                                  </m:r>
-                                </m:sub>
-                              </m:sSub>
-                              <m:r>
-                                <a:rPr lang="en-US" sz="2400" b="0" i="1" smtClean="0">
-                                  <a:latin typeface="Cambria Math" panose="02040503050406030204" pitchFamily="18" charset="0"/>
-                                </a:rPr>
-                                <m:t>,</m:t>
-                              </m:r>
-                              <m:r>
-                                <a:rPr lang="en-US" sz="2400" b="0" i="1" smtClean="0">
-                                  <a:latin typeface="Cambria Math" panose="02040503050406030204" pitchFamily="18" charset="0"/>
-                                </a:rPr>
-                                <m:t>𝑑</m:t>
-                              </m:r>
-                            </m:e>
-                          </m:d>
                           <m:func>
                             <m:funcPr>
                               <m:ctrlPr>
-                                <a:rPr lang="en-US" sz="2400" b="0" i="1" smtClean="0">
+                                <a:rPr lang="en-US" sz="2400" i="1">
                                   <a:latin typeface="Cambria Math" panose="02040503050406030204" pitchFamily="18" charset="0"/>
                                 </a:rPr>
                               </m:ctrlPr>
@@ -31615,7 +32302,7 @@
                                 <m:rPr>
                                   <m:sty m:val="p"/>
                                 </m:rPr>
-                                <a:rPr lang="en-US" sz="2400" b="0" i="0" smtClean="0">
+                                <a:rPr lang="en-US" sz="2400">
                                   <a:latin typeface="Cambria Math" panose="02040503050406030204" pitchFamily="18" charset="0"/>
                                 </a:rPr>
                                 <m:t>log</m:t>
@@ -31625,7 +32312,7 @@
                               <m:f>
                                 <m:fPr>
                                   <m:ctrlPr>
-                                    <a:rPr lang="en-US" sz="2400" b="0" i="1" smtClean="0">
+                                    <a:rPr lang="en-US" sz="2400" i="1">
                                       <a:latin typeface="Cambria Math" panose="02040503050406030204" pitchFamily="18" charset="0"/>
                                     </a:rPr>
                                   </m:ctrlPr>
@@ -31646,33 +32333,6 @@
                                       </m:ctrlPr>
                                     </m:dPr>
                                     <m:e>
-                                      <m:sSub>
-                                        <m:sSubPr>
-                                          <m:ctrlPr>
-                                            <a:rPr lang="en-US" sz="2400" i="1">
-                                              <a:latin typeface="Cambria Math" panose="02040503050406030204" pitchFamily="18" charset="0"/>
-                                            </a:rPr>
-                                          </m:ctrlPr>
-                                        </m:sSubPr>
-                                        <m:e>
-                                          <m:r>
-                                            <a:rPr lang="en-US" sz="2400" i="1">
-                                              <a:latin typeface="Cambria Math" panose="02040503050406030204" pitchFamily="18" charset="0"/>
-                                            </a:rPr>
-                                            <m:t>𝑥</m:t>
-                                          </m:r>
-                                        </m:e>
-                                        <m:sub>
-                                          <m:r>
-                                            <a:rPr lang="en-US" sz="2400" i="1">
-                                              <a:latin typeface="Cambria Math" panose="02040503050406030204" pitchFamily="18" charset="0"/>
-                                            </a:rPr>
-                                            <m:t>𝑖</m:t>
-                                          </m:r>
-                                        </m:sub>
-                                      </m:sSub>
-                                    </m:e>
-                                    <m:e>
                                       <m:r>
                                         <a:rPr lang="en-US" sz="2400" i="1">
                                           <a:latin typeface="Cambria Math" panose="02040503050406030204" pitchFamily="18" charset="0"/>
@@ -31680,7 +32340,7 @@
                                         <m:t>𝑦</m:t>
                                       </m:r>
                                       <m:r>
-                                        <a:rPr lang="en-US" sz="2400" b="0" i="1" smtClean="0">
+                                        <a:rPr lang="en-US" sz="2400" i="1">
                                           <a:latin typeface="Cambria Math" panose="02040503050406030204" pitchFamily="18" charset="0"/>
                                         </a:rPr>
                                         <m:t>=1</m:t>
@@ -31704,33 +32364,6 @@
                                       </m:ctrlPr>
                                     </m:dPr>
                                     <m:e>
-                                      <m:sSub>
-                                        <m:sSubPr>
-                                          <m:ctrlPr>
-                                            <a:rPr lang="en-US" sz="2400" i="1">
-                                              <a:latin typeface="Cambria Math" panose="02040503050406030204" pitchFamily="18" charset="0"/>
-                                            </a:rPr>
-                                          </m:ctrlPr>
-                                        </m:sSubPr>
-                                        <m:e>
-                                          <m:r>
-                                            <a:rPr lang="en-US" sz="2400" i="1">
-                                              <a:latin typeface="Cambria Math" panose="02040503050406030204" pitchFamily="18" charset="0"/>
-                                            </a:rPr>
-                                            <m:t>𝑥</m:t>
-                                          </m:r>
-                                        </m:e>
-                                        <m:sub>
-                                          <m:r>
-                                            <a:rPr lang="en-US" sz="2400" i="1">
-                                              <a:latin typeface="Cambria Math" panose="02040503050406030204" pitchFamily="18" charset="0"/>
-                                            </a:rPr>
-                                            <m:t>𝑖</m:t>
-                                          </m:r>
-                                        </m:sub>
-                                      </m:sSub>
-                                    </m:e>
-                                    <m:e>
                                       <m:r>
                                         <a:rPr lang="en-US" sz="2400" i="1">
                                           <a:latin typeface="Cambria Math" panose="02040503050406030204" pitchFamily="18" charset="0"/>
@@ -31738,7 +32371,7 @@
                                         <m:t>𝑦</m:t>
                                       </m:r>
                                       <m:r>
-                                        <a:rPr lang="en-US" sz="2400" b="0" i="1" smtClean="0">
+                                        <a:rPr lang="en-US" sz="2400" i="1">
                                           <a:latin typeface="Cambria Math" panose="02040503050406030204" pitchFamily="18" charset="0"/>
                                         </a:rPr>
                                         <m:t>=0</m:t>
@@ -31749,14 +32382,265 @@
                               </m:f>
                             </m:e>
                           </m:func>
+                          <m:r>
+                            <a:rPr lang="en-US" sz="2400" i="1">
+                              <a:latin typeface="Cambria Math" panose="02040503050406030204" pitchFamily="18" charset="0"/>
+                            </a:rPr>
+                            <m:t>+</m:t>
+                          </m:r>
+                          <m:nary>
+                            <m:naryPr>
+                              <m:chr m:val="∑"/>
+                              <m:ctrlPr>
+                                <a:rPr lang="en-US" sz="2400" i="1">
+                                  <a:latin typeface="Cambria Math" panose="02040503050406030204" pitchFamily="18" charset="0"/>
+                                </a:rPr>
+                              </m:ctrlPr>
+                            </m:naryPr>
+                            <m:sub>
+                              <m:r>
+                                <m:rPr>
+                                  <m:brk m:alnAt="23"/>
+                                </m:rPr>
+                                <a:rPr lang="en-US" sz="2400" i="1">
+                                  <a:latin typeface="Cambria Math" panose="02040503050406030204" pitchFamily="18" charset="0"/>
+                                </a:rPr>
+                                <m:t>𝑖</m:t>
+                              </m:r>
+                              <m:r>
+                                <a:rPr lang="en-US" sz="2400" i="1">
+                                  <a:latin typeface="Cambria Math" panose="02040503050406030204" pitchFamily="18" charset="0"/>
+                                </a:rPr>
+                                <m:t>=1</m:t>
+                              </m:r>
+                            </m:sub>
+                            <m:sup>
+                              <m:d>
+                                <m:dPr>
+                                  <m:begChr m:val="|"/>
+                                  <m:endChr m:val="|"/>
+                                  <m:ctrlPr>
+                                    <a:rPr lang="en-US" sz="2400" i="1">
+                                      <a:latin typeface="Cambria Math" panose="02040503050406030204" pitchFamily="18" charset="0"/>
+                                    </a:rPr>
+                                  </m:ctrlPr>
+                                </m:dPr>
+                                <m:e>
+                                  <m:r>
+                                    <a:rPr lang="en-US" sz="2400" i="1">
+                                      <a:latin typeface="Cambria Math" panose="02040503050406030204" pitchFamily="18" charset="0"/>
+                                    </a:rPr>
+                                    <m:t>𝑑</m:t>
+                                  </m:r>
+                                </m:e>
+                              </m:d>
+                            </m:sup>
+                            <m:e>
+                              <m:r>
+                                <a:rPr lang="en-US" sz="2400" i="1">
+                                  <a:latin typeface="Cambria Math" panose="02040503050406030204" pitchFamily="18" charset="0"/>
+                                </a:rPr>
+                                <m:t>𝑐</m:t>
+                              </m:r>
+                              <m:d>
+                                <m:dPr>
+                                  <m:ctrlPr>
+                                    <a:rPr lang="en-US" sz="2400" i="1">
+                                      <a:latin typeface="Cambria Math" panose="02040503050406030204" pitchFamily="18" charset="0"/>
+                                    </a:rPr>
+                                  </m:ctrlPr>
+                                </m:dPr>
+                                <m:e>
+                                  <m:sSub>
+                                    <m:sSubPr>
+                                      <m:ctrlPr>
+                                        <a:rPr lang="en-US" sz="2400" i="1">
+                                          <a:latin typeface="Cambria Math" panose="02040503050406030204" pitchFamily="18" charset="0"/>
+                                        </a:rPr>
+                                      </m:ctrlPr>
+                                    </m:sSubPr>
+                                    <m:e>
+                                      <m:r>
+                                        <a:rPr lang="en-US" sz="2400" i="1">
+                                          <a:latin typeface="Cambria Math" panose="02040503050406030204" pitchFamily="18" charset="0"/>
+                                        </a:rPr>
+                                        <m:t>𝑥</m:t>
+                                      </m:r>
+                                    </m:e>
+                                    <m:sub>
+                                      <m:r>
+                                        <a:rPr lang="en-US" sz="2400" i="1">
+                                          <a:latin typeface="Cambria Math" panose="02040503050406030204" pitchFamily="18" charset="0"/>
+                                        </a:rPr>
+                                        <m:t>𝑖</m:t>
+                                      </m:r>
+                                    </m:sub>
+                                  </m:sSub>
+                                  <m:r>
+                                    <a:rPr lang="en-US" sz="2400" i="1">
+                                      <a:latin typeface="Cambria Math" panose="02040503050406030204" pitchFamily="18" charset="0"/>
+                                    </a:rPr>
+                                    <m:t>,</m:t>
+                                  </m:r>
+                                  <m:r>
+                                    <a:rPr lang="en-US" sz="2400" i="1">
+                                      <a:latin typeface="Cambria Math" panose="02040503050406030204" pitchFamily="18" charset="0"/>
+                                    </a:rPr>
+                                    <m:t>𝑑</m:t>
+                                  </m:r>
+                                </m:e>
+                              </m:d>
+                              <m:func>
+                                <m:funcPr>
+                                  <m:ctrlPr>
+                                    <a:rPr lang="en-US" sz="2400" i="1">
+                                      <a:latin typeface="Cambria Math" panose="02040503050406030204" pitchFamily="18" charset="0"/>
+                                    </a:rPr>
+                                  </m:ctrlPr>
+                                </m:funcPr>
+                                <m:fName>
+                                  <m:r>
+                                    <m:rPr>
+                                      <m:sty m:val="p"/>
+                                    </m:rPr>
+                                    <a:rPr lang="en-US" sz="2400">
+                                      <a:latin typeface="Cambria Math" panose="02040503050406030204" pitchFamily="18" charset="0"/>
+                                    </a:rPr>
+                                    <m:t>log</m:t>
+                                  </m:r>
+                                </m:fName>
+                                <m:e>
+                                  <m:f>
+                                    <m:fPr>
+                                      <m:ctrlPr>
+                                        <a:rPr lang="en-US" sz="2400" i="1">
+                                          <a:latin typeface="Cambria Math" panose="02040503050406030204" pitchFamily="18" charset="0"/>
+                                        </a:rPr>
+                                      </m:ctrlPr>
+                                    </m:fPr>
+                                    <m:num>
+                                      <m:r>
+                                        <a:rPr lang="en-US" sz="2400" i="1">
+                                          <a:latin typeface="Cambria Math" panose="02040503050406030204" pitchFamily="18" charset="0"/>
+                                        </a:rPr>
+                                        <m:t>𝑃</m:t>
+                                      </m:r>
+                                      <m:d>
+                                        <m:dPr>
+                                          <m:ctrlPr>
+                                            <a:rPr lang="en-US" sz="2400" i="1">
+                                              <a:latin typeface="Cambria Math" panose="02040503050406030204" pitchFamily="18" charset="0"/>
+                                            </a:rPr>
+                                          </m:ctrlPr>
+                                        </m:dPr>
+                                        <m:e>
+                                          <m:sSub>
+                                            <m:sSubPr>
+                                              <m:ctrlPr>
+                                                <a:rPr lang="en-US" sz="2400" i="1">
+                                                  <a:latin typeface="Cambria Math" panose="02040503050406030204" pitchFamily="18" charset="0"/>
+                                                </a:rPr>
+                                              </m:ctrlPr>
+                                            </m:sSubPr>
+                                            <m:e>
+                                              <m:r>
+                                                <a:rPr lang="en-US" sz="2400" i="1">
+                                                  <a:latin typeface="Cambria Math" panose="02040503050406030204" pitchFamily="18" charset="0"/>
+                                                </a:rPr>
+                                                <m:t>𝑥</m:t>
+                                              </m:r>
+                                            </m:e>
+                                            <m:sub>
+                                              <m:r>
+                                                <a:rPr lang="en-US" sz="2400" i="1">
+                                                  <a:latin typeface="Cambria Math" panose="02040503050406030204" pitchFamily="18" charset="0"/>
+                                                </a:rPr>
+                                                <m:t>𝑖</m:t>
+                                              </m:r>
+                                            </m:sub>
+                                          </m:sSub>
+                                        </m:e>
+                                        <m:e>
+                                          <m:r>
+                                            <a:rPr lang="en-US" sz="2400" i="1">
+                                              <a:latin typeface="Cambria Math" panose="02040503050406030204" pitchFamily="18" charset="0"/>
+                                            </a:rPr>
+                                            <m:t>𝑦</m:t>
+                                          </m:r>
+                                          <m:r>
+                                            <a:rPr lang="en-US" sz="2400" i="1">
+                                              <a:latin typeface="Cambria Math" panose="02040503050406030204" pitchFamily="18" charset="0"/>
+                                            </a:rPr>
+                                            <m:t>=1</m:t>
+                                          </m:r>
+                                        </m:e>
+                                      </m:d>
+                                    </m:num>
+                                    <m:den>
+                                      <m:r>
+                                        <a:rPr lang="en-US" sz="2400" i="1">
+                                          <a:latin typeface="Cambria Math" panose="02040503050406030204" pitchFamily="18" charset="0"/>
+                                        </a:rPr>
+                                        <m:t>𝑃</m:t>
+                                      </m:r>
+                                      <m:d>
+                                        <m:dPr>
+                                          <m:ctrlPr>
+                                            <a:rPr lang="en-US" sz="2400" i="1">
+                                              <a:latin typeface="Cambria Math" panose="02040503050406030204" pitchFamily="18" charset="0"/>
+                                            </a:rPr>
+                                          </m:ctrlPr>
+                                        </m:dPr>
+                                        <m:e>
+                                          <m:sSub>
+                                            <m:sSubPr>
+                                              <m:ctrlPr>
+                                                <a:rPr lang="en-US" sz="2400" i="1">
+                                                  <a:latin typeface="Cambria Math" panose="02040503050406030204" pitchFamily="18" charset="0"/>
+                                                </a:rPr>
+                                              </m:ctrlPr>
+                                            </m:sSubPr>
+                                            <m:e>
+                                              <m:r>
+                                                <a:rPr lang="en-US" sz="2400" i="1">
+                                                  <a:latin typeface="Cambria Math" panose="02040503050406030204" pitchFamily="18" charset="0"/>
+                                                </a:rPr>
+                                                <m:t>𝑥</m:t>
+                                              </m:r>
+                                            </m:e>
+                                            <m:sub>
+                                              <m:r>
+                                                <a:rPr lang="en-US" sz="2400" i="1">
+                                                  <a:latin typeface="Cambria Math" panose="02040503050406030204" pitchFamily="18" charset="0"/>
+                                                </a:rPr>
+                                                <m:t>𝑖</m:t>
+                                              </m:r>
+                                            </m:sub>
+                                          </m:sSub>
+                                        </m:e>
+                                        <m:e>
+                                          <m:r>
+                                            <a:rPr lang="en-US" sz="2400" i="1">
+                                              <a:latin typeface="Cambria Math" panose="02040503050406030204" pitchFamily="18" charset="0"/>
+                                            </a:rPr>
+                                            <m:t>𝑦</m:t>
+                                          </m:r>
+                                          <m:r>
+                                            <a:rPr lang="en-US" sz="2400" i="1">
+                                              <a:latin typeface="Cambria Math" panose="02040503050406030204" pitchFamily="18" charset="0"/>
+                                            </a:rPr>
+                                            <m:t>=0</m:t>
+                                          </m:r>
+                                        </m:e>
+                                      </m:d>
+                                    </m:den>
+                                  </m:f>
+                                </m:e>
+                              </m:func>
+                            </m:e>
+                          </m:nary>
                         </m:e>
-                      </m:nary>
-                      <m:r>
-                        <a:rPr lang="en-US" sz="2400" b="0" i="1" smtClean="0">
-                          <a:latin typeface="Cambria Math" panose="02040503050406030204" pitchFamily="18" charset="0"/>
-                        </a:rPr>
-                        <m:t>)</m:t>
-                      </m:r>
+                      </m:d>
                     </m:oMath>
                   </m:oMathPara>
                 </a14:m>
@@ -31765,7 +32649,7 @@
             </p:txBody>
           </p:sp>
         </mc:Choice>
-        <mc:Fallback xmlns="">
+        <mc:Fallback>
           <p:sp>
             <p:nvSpPr>
               <p:cNvPr id="7" name="TextBox 6"/>
@@ -31776,8 +32660,8 @@
             </p:nvSpPr>
             <p:spPr>
               <a:xfrm>
-                <a:off x="1976144" y="3025763"/>
-                <a:ext cx="6752554" cy="1062407"/>
+                <a:off x="2078556" y="3001721"/>
+                <a:ext cx="6869188" cy="1189043"/>
               </a:xfrm>
               <a:prstGeom prst="rect">
                 <a:avLst/>
@@ -31812,10 +32696,10 @@
         </p:nvGrpSpPr>
         <p:grpSpPr>
           <a:xfrm>
-            <a:off x="1243914" y="3962952"/>
-            <a:ext cx="6376086" cy="1705904"/>
+            <a:off x="1317906" y="4175317"/>
+            <a:ext cx="6446863" cy="1705904"/>
             <a:chOff x="1243914" y="3962952"/>
-            <a:chExt cx="6376086" cy="1705904"/>
+            <a:chExt cx="6446863" cy="1705904"/>
           </a:xfrm>
         </p:grpSpPr>
         <mc:AlternateContent xmlns:mc="http://schemas.openxmlformats.org/markup-compatibility/2006" xmlns:a14="http://schemas.microsoft.com/office/drawing/2010/main">
@@ -31993,8 +32877,8 @@
             </a:p>
           </p:txBody>
         </p:sp>
-        <mc:AlternateContent xmlns:mc="http://schemas.openxmlformats.org/markup-compatibility/2006" xmlns:a14="http://schemas.microsoft.com/office/drawing/2010/main">
-          <mc:Choice Requires="a14">
+        <mc:AlternateContent xmlns:mc="http://schemas.openxmlformats.org/markup-compatibility/2006">
+          <mc:Choice xmlns:a14="http://schemas.microsoft.com/office/drawing/2010/main" Requires="a14">
             <p:sp>
               <p:nvSpPr>
                 <p:cNvPr id="10" name="TextBox 9"/>
@@ -32003,8 +32887,8 @@
               </p:nvSpPr>
               <p:spPr>
                 <a:xfrm>
-                  <a:off x="2036164" y="4586795"/>
-                  <a:ext cx="5583836" cy="584840"/>
+                  <a:off x="2028073" y="4665055"/>
+                  <a:ext cx="5662704" cy="622350"/>
                 </a:xfrm>
                 <a:prstGeom prst="rect">
                   <a:avLst/>
@@ -32034,413 +32918,418 @@
                           <a:rPr lang="en-US" b="0" i="1" smtClean="0">
                             <a:latin typeface="Cambria Math" panose="02040503050406030204" pitchFamily="18" charset="0"/>
                           </a:rPr>
-                          <m:t>=(</m:t>
+                          <m:t>=</m:t>
                         </m:r>
-                        <m:func>
-                          <m:funcPr>
+                        <m:d>
+                          <m:dPr>
                             <m:ctrlPr>
-                              <a:rPr lang="en-US" i="1">
+                              <a:rPr lang="en-US" b="0" i="1" smtClean="0">
                                 <a:latin typeface="Cambria Math" panose="02040503050406030204" pitchFamily="18" charset="0"/>
                               </a:rPr>
                             </m:ctrlPr>
-                          </m:funcPr>
-                          <m:fName>
-                            <m:r>
-                              <m:rPr>
-                                <m:sty m:val="p"/>
-                              </m:rPr>
-                              <a:rPr lang="en-US">
-                                <a:latin typeface="Cambria Math" panose="02040503050406030204" pitchFamily="18" charset="0"/>
-                              </a:rPr>
-                              <m:t>log</m:t>
-                            </m:r>
-                          </m:fName>
+                          </m:dPr>
                           <m:e>
-                            <m:f>
-                              <m:fPr>
+                            <m:func>
+                              <m:funcPr>
                                 <m:ctrlPr>
                                   <a:rPr lang="en-US" i="1">
                                     <a:latin typeface="Cambria Math" panose="02040503050406030204" pitchFamily="18" charset="0"/>
                                   </a:rPr>
                                 </m:ctrlPr>
-                              </m:fPr>
-                              <m:num>
+                              </m:funcPr>
+                              <m:fName>
                                 <m:r>
-                                  <a:rPr lang="en-US" i="1">
+                                  <m:rPr>
+                                    <m:sty m:val="p"/>
+                                  </m:rPr>
+                                  <a:rPr lang="en-US">
                                     <a:latin typeface="Cambria Math" panose="02040503050406030204" pitchFamily="18" charset="0"/>
                                   </a:rPr>
-                                  <m:t>𝑃</m:t>
+                                  <m:t>log</m:t>
                                 </m:r>
-                                <m:d>
-                                  <m:dPr>
+                              </m:fName>
+                              <m:e>
+                                <m:f>
+                                  <m:fPr>
                                     <m:ctrlPr>
                                       <a:rPr lang="en-US" i="1">
                                         <a:latin typeface="Cambria Math" panose="02040503050406030204" pitchFamily="18" charset="0"/>
                                       </a:rPr>
                                     </m:ctrlPr>
-                                  </m:dPr>
-                                  <m:e>
+                                  </m:fPr>
+                                  <m:num>
                                     <m:r>
                                       <a:rPr lang="en-US" i="1">
                                         <a:latin typeface="Cambria Math" panose="02040503050406030204" pitchFamily="18" charset="0"/>
                                       </a:rPr>
-                                      <m:t>𝑦</m:t>
+                                      <m:t>𝑃</m:t>
                                     </m:r>
+                                    <m:d>
+                                      <m:dPr>
+                                        <m:ctrlPr>
+                                          <a:rPr lang="en-US" i="1">
+                                            <a:latin typeface="Cambria Math" panose="02040503050406030204" pitchFamily="18" charset="0"/>
+                                          </a:rPr>
+                                        </m:ctrlPr>
+                                      </m:dPr>
+                                      <m:e>
+                                        <m:r>
+                                          <a:rPr lang="en-US" i="1">
+                                            <a:latin typeface="Cambria Math" panose="02040503050406030204" pitchFamily="18" charset="0"/>
+                                          </a:rPr>
+                                          <m:t>𝑦</m:t>
+                                        </m:r>
+                                        <m:r>
+                                          <a:rPr lang="en-US" i="1">
+                                            <a:latin typeface="Cambria Math" panose="02040503050406030204" pitchFamily="18" charset="0"/>
+                                          </a:rPr>
+                                          <m:t>=1</m:t>
+                                        </m:r>
+                                      </m:e>
+                                    </m:d>
+                                  </m:num>
+                                  <m:den>
                                     <m:r>
                                       <a:rPr lang="en-US" i="1">
                                         <a:latin typeface="Cambria Math" panose="02040503050406030204" pitchFamily="18" charset="0"/>
                                       </a:rPr>
-                                      <m:t>=1</m:t>
+                                      <m:t>𝑃</m:t>
                                     </m:r>
-                                  </m:e>
-                                </m:d>
-                              </m:num>
-                              <m:den>
-                                <m:r>
+                                    <m:d>
+                                      <m:dPr>
+                                        <m:ctrlPr>
+                                          <a:rPr lang="en-US" i="1">
+                                            <a:latin typeface="Cambria Math" panose="02040503050406030204" pitchFamily="18" charset="0"/>
+                                          </a:rPr>
+                                        </m:ctrlPr>
+                                      </m:dPr>
+                                      <m:e>
+                                        <m:r>
+                                          <a:rPr lang="en-US" i="1">
+                                            <a:latin typeface="Cambria Math" panose="02040503050406030204" pitchFamily="18" charset="0"/>
+                                          </a:rPr>
+                                          <m:t>𝑦</m:t>
+                                        </m:r>
+                                        <m:r>
+                                          <a:rPr lang="en-US" i="1">
+                                            <a:latin typeface="Cambria Math" panose="02040503050406030204" pitchFamily="18" charset="0"/>
+                                          </a:rPr>
+                                          <m:t>=0</m:t>
+                                        </m:r>
+                                      </m:e>
+                                    </m:d>
+                                  </m:den>
+                                </m:f>
+                              </m:e>
+                            </m:func>
+                            <m:r>
+                              <a:rPr lang="en-US" i="1">
+                                <a:latin typeface="Cambria Math" panose="02040503050406030204" pitchFamily="18" charset="0"/>
+                              </a:rPr>
+                              <m:t>,</m:t>
+                            </m:r>
+                            <m:func>
+                              <m:funcPr>
+                                <m:ctrlPr>
                                   <a:rPr lang="en-US" i="1">
                                     <a:latin typeface="Cambria Math" panose="02040503050406030204" pitchFamily="18" charset="0"/>
                                   </a:rPr>
-                                  <m:t>𝑃</m:t>
+                                </m:ctrlPr>
+                              </m:funcPr>
+                              <m:fName>
+                                <m:r>
+                                  <m:rPr>
+                                    <m:sty m:val="p"/>
+                                  </m:rPr>
+                                  <a:rPr lang="en-US">
+                                    <a:latin typeface="Cambria Math" panose="02040503050406030204" pitchFamily="18" charset="0"/>
+                                  </a:rPr>
+                                  <m:t>log</m:t>
                                 </m:r>
-                                <m:d>
-                                  <m:dPr>
+                              </m:fName>
+                              <m:e>
+                                <m:f>
+                                  <m:fPr>
                                     <m:ctrlPr>
                                       <a:rPr lang="en-US" i="1">
                                         <a:latin typeface="Cambria Math" panose="02040503050406030204" pitchFamily="18" charset="0"/>
                                       </a:rPr>
                                     </m:ctrlPr>
-                                  </m:dPr>
-                                  <m:e>
+                                  </m:fPr>
+                                  <m:num>
                                     <m:r>
                                       <a:rPr lang="en-US" i="1">
                                         <a:latin typeface="Cambria Math" panose="02040503050406030204" pitchFamily="18" charset="0"/>
                                       </a:rPr>
-                                      <m:t>𝑦</m:t>
+                                      <m:t>𝑃</m:t>
                                     </m:r>
+                                    <m:d>
+                                      <m:dPr>
+                                        <m:ctrlPr>
+                                          <a:rPr lang="en-US" i="1">
+                                            <a:latin typeface="Cambria Math" panose="02040503050406030204" pitchFamily="18" charset="0"/>
+                                          </a:rPr>
+                                        </m:ctrlPr>
+                                      </m:dPr>
+                                      <m:e>
+                                        <m:sSub>
+                                          <m:sSubPr>
+                                            <m:ctrlPr>
+                                              <a:rPr lang="en-US" i="1">
+                                                <a:latin typeface="Cambria Math" panose="02040503050406030204" pitchFamily="18" charset="0"/>
+                                              </a:rPr>
+                                            </m:ctrlPr>
+                                          </m:sSubPr>
+                                          <m:e>
+                                            <m:r>
+                                              <a:rPr lang="en-US" i="1">
+                                                <a:latin typeface="Cambria Math" panose="02040503050406030204" pitchFamily="18" charset="0"/>
+                                              </a:rPr>
+                                              <m:t>𝑥</m:t>
+                                            </m:r>
+                                          </m:e>
+                                          <m:sub>
+                                            <m:r>
+                                              <a:rPr lang="en-US" i="1">
+                                                <a:latin typeface="Cambria Math" panose="02040503050406030204" pitchFamily="18" charset="0"/>
+                                              </a:rPr>
+                                              <m:t>1</m:t>
+                                            </m:r>
+                                          </m:sub>
+                                        </m:sSub>
+                                      </m:e>
+                                      <m:e>
+                                        <m:r>
+                                          <a:rPr lang="en-US" i="1">
+                                            <a:latin typeface="Cambria Math" panose="02040503050406030204" pitchFamily="18" charset="0"/>
+                                          </a:rPr>
+                                          <m:t>𝑦</m:t>
+                                        </m:r>
+                                        <m:r>
+                                          <a:rPr lang="en-US" i="1">
+                                            <a:latin typeface="Cambria Math" panose="02040503050406030204" pitchFamily="18" charset="0"/>
+                                          </a:rPr>
+                                          <m:t>=1</m:t>
+                                        </m:r>
+                                      </m:e>
+                                    </m:d>
+                                  </m:num>
+                                  <m:den>
                                     <m:r>
                                       <a:rPr lang="en-US" i="1">
                                         <a:latin typeface="Cambria Math" panose="02040503050406030204" pitchFamily="18" charset="0"/>
                                       </a:rPr>
-                                      <m:t>=0</m:t>
+                                      <m:t>𝑃</m:t>
                                     </m:r>
-                                  </m:e>
-                                </m:d>
-                              </m:den>
-                            </m:f>
-                          </m:e>
-                        </m:func>
-                        <m:r>
-                          <a:rPr lang="en-US" b="0" i="1" smtClean="0">
-                            <a:latin typeface="Cambria Math" panose="02040503050406030204" pitchFamily="18" charset="0"/>
-                          </a:rPr>
-                          <m:t>,</m:t>
-                        </m:r>
-                        <m:func>
-                          <m:funcPr>
-                            <m:ctrlPr>
+                                    <m:d>
+                                      <m:dPr>
+                                        <m:ctrlPr>
+                                          <a:rPr lang="en-US" i="1">
+                                            <a:latin typeface="Cambria Math" panose="02040503050406030204" pitchFamily="18" charset="0"/>
+                                          </a:rPr>
+                                        </m:ctrlPr>
+                                      </m:dPr>
+                                      <m:e>
+                                        <m:sSub>
+                                          <m:sSubPr>
+                                            <m:ctrlPr>
+                                              <a:rPr lang="en-US" i="1">
+                                                <a:latin typeface="Cambria Math" panose="02040503050406030204" pitchFamily="18" charset="0"/>
+                                              </a:rPr>
+                                            </m:ctrlPr>
+                                          </m:sSubPr>
+                                          <m:e>
+                                            <m:r>
+                                              <a:rPr lang="en-US" i="1">
+                                                <a:latin typeface="Cambria Math" panose="02040503050406030204" pitchFamily="18" charset="0"/>
+                                              </a:rPr>
+                                              <m:t>𝑥</m:t>
+                                            </m:r>
+                                          </m:e>
+                                          <m:sub>
+                                            <m:r>
+                                              <a:rPr lang="en-US" i="1">
+                                                <a:latin typeface="Cambria Math" panose="02040503050406030204" pitchFamily="18" charset="0"/>
+                                              </a:rPr>
+                                              <m:t>1</m:t>
+                                            </m:r>
+                                          </m:sub>
+                                        </m:sSub>
+                                      </m:e>
+                                      <m:e>
+                                        <m:r>
+                                          <a:rPr lang="en-US" i="1">
+                                            <a:latin typeface="Cambria Math" panose="02040503050406030204" pitchFamily="18" charset="0"/>
+                                          </a:rPr>
+                                          <m:t>𝑦</m:t>
+                                        </m:r>
+                                        <m:r>
+                                          <a:rPr lang="en-US" i="1">
+                                            <a:latin typeface="Cambria Math" panose="02040503050406030204" pitchFamily="18" charset="0"/>
+                                          </a:rPr>
+                                          <m:t>=0</m:t>
+                                        </m:r>
+                                      </m:e>
+                                    </m:d>
+                                  </m:den>
+                                </m:f>
+                              </m:e>
+                            </m:func>
+                            <m:r>
                               <a:rPr lang="en-US" i="1">
                                 <a:latin typeface="Cambria Math" panose="02040503050406030204" pitchFamily="18" charset="0"/>
                               </a:rPr>
-                            </m:ctrlPr>
-                          </m:funcPr>
-                          <m:fName>
-                            <m:r>
-                              <m:rPr>
-                                <m:sty m:val="p"/>
-                              </m:rPr>
-                              <a:rPr lang="en-US">
-                                <a:latin typeface="Cambria Math" panose="02040503050406030204" pitchFamily="18" charset="0"/>
-                              </a:rPr>
-                              <m:t>log</m:t>
+                              <m:t>,…,</m:t>
                             </m:r>
-                          </m:fName>
-                          <m:e>
-                            <m:f>
-                              <m:fPr>
+                            <m:func>
+                              <m:funcPr>
                                 <m:ctrlPr>
                                   <a:rPr lang="en-US" i="1">
                                     <a:latin typeface="Cambria Math" panose="02040503050406030204" pitchFamily="18" charset="0"/>
                                   </a:rPr>
                                 </m:ctrlPr>
-                              </m:fPr>
-                              <m:num>
+                              </m:funcPr>
+                              <m:fName>
                                 <m:r>
-                                  <a:rPr lang="en-US" i="1">
+                                  <m:rPr>
+                                    <m:sty m:val="p"/>
+                                  </m:rPr>
+                                  <a:rPr lang="en-US">
                                     <a:latin typeface="Cambria Math" panose="02040503050406030204" pitchFamily="18" charset="0"/>
                                   </a:rPr>
-                                  <m:t>𝑃</m:t>
+                                  <m:t>log</m:t>
                                 </m:r>
-                                <m:d>
-                                  <m:dPr>
+                              </m:fName>
+                              <m:e>
+                                <m:f>
+                                  <m:fPr>
                                     <m:ctrlPr>
                                       <a:rPr lang="en-US" i="1">
                                         <a:latin typeface="Cambria Math" panose="02040503050406030204" pitchFamily="18" charset="0"/>
                                       </a:rPr>
                                     </m:ctrlPr>
-                                  </m:dPr>
-                                  <m:e>
-                                    <m:sSub>
-                                      <m:sSubPr>
+                                  </m:fPr>
+                                  <m:num>
+                                    <m:r>
+                                      <a:rPr lang="en-US" i="1">
+                                        <a:latin typeface="Cambria Math" panose="02040503050406030204" pitchFamily="18" charset="0"/>
+                                      </a:rPr>
+                                      <m:t>𝑃</m:t>
+                                    </m:r>
+                                    <m:d>
+                                      <m:dPr>
                                         <m:ctrlPr>
                                           <a:rPr lang="en-US" i="1">
                                             <a:latin typeface="Cambria Math" panose="02040503050406030204" pitchFamily="18" charset="0"/>
                                           </a:rPr>
                                         </m:ctrlPr>
-                                      </m:sSubPr>
+                                      </m:dPr>
+                                      <m:e>
+                                        <m:sSub>
+                                          <m:sSubPr>
+                                            <m:ctrlPr>
+                                              <a:rPr lang="en-US" i="1">
+                                                <a:latin typeface="Cambria Math" panose="02040503050406030204" pitchFamily="18" charset="0"/>
+                                              </a:rPr>
+                                            </m:ctrlPr>
+                                          </m:sSubPr>
+                                          <m:e>
+                                            <m:r>
+                                              <a:rPr lang="en-US" i="1">
+                                                <a:latin typeface="Cambria Math" panose="02040503050406030204" pitchFamily="18" charset="0"/>
+                                              </a:rPr>
+                                              <m:t>𝑥</m:t>
+                                            </m:r>
+                                          </m:e>
+                                          <m:sub>
+                                            <m:r>
+                                              <a:rPr lang="en-US" i="1">
+                                                <a:latin typeface="Cambria Math" panose="02040503050406030204" pitchFamily="18" charset="0"/>
+                                              </a:rPr>
+                                              <m:t>𝑣</m:t>
+                                            </m:r>
+                                          </m:sub>
+                                        </m:sSub>
+                                      </m:e>
                                       <m:e>
                                         <m:r>
                                           <a:rPr lang="en-US" i="1">
                                             <a:latin typeface="Cambria Math" panose="02040503050406030204" pitchFamily="18" charset="0"/>
                                           </a:rPr>
-                                          <m:t>𝑥</m:t>
+                                          <m:t>𝑦</m:t>
+                                        </m:r>
+                                        <m:r>
+                                          <a:rPr lang="en-US" i="1">
+                                            <a:latin typeface="Cambria Math" panose="02040503050406030204" pitchFamily="18" charset="0"/>
+                                          </a:rPr>
+                                          <m:t>=1</m:t>
                                         </m:r>
                                       </m:e>
-                                      <m:sub>
-                                        <m:r>
-                                          <a:rPr lang="en-US" b="0" i="1" smtClean="0">
-                                            <a:latin typeface="Cambria Math" panose="02040503050406030204" pitchFamily="18" charset="0"/>
-                                          </a:rPr>
-                                          <m:t>1</m:t>
-                                        </m:r>
-                                      </m:sub>
-                                    </m:sSub>
-                                  </m:e>
-                                  <m:e>
+                                    </m:d>
+                                  </m:num>
+                                  <m:den>
                                     <m:r>
                                       <a:rPr lang="en-US" i="1">
                                         <a:latin typeface="Cambria Math" panose="02040503050406030204" pitchFamily="18" charset="0"/>
                                       </a:rPr>
-                                      <m:t>𝑦</m:t>
+                                      <m:t>𝑃</m:t>
                                     </m:r>
-                                    <m:r>
-                                      <a:rPr lang="en-US" i="1">
-                                        <a:latin typeface="Cambria Math" panose="02040503050406030204" pitchFamily="18" charset="0"/>
-                                      </a:rPr>
-                                      <m:t>=1</m:t>
-                                    </m:r>
-                                  </m:e>
-                                </m:d>
-                              </m:num>
-                              <m:den>
-                                <m:r>
-                                  <a:rPr lang="en-US" i="1">
-                                    <a:latin typeface="Cambria Math" panose="02040503050406030204" pitchFamily="18" charset="0"/>
-                                  </a:rPr>
-                                  <m:t>𝑃</m:t>
-                                </m:r>
-                                <m:d>
-                                  <m:dPr>
-                                    <m:ctrlPr>
-                                      <a:rPr lang="en-US" i="1">
-                                        <a:latin typeface="Cambria Math" panose="02040503050406030204" pitchFamily="18" charset="0"/>
-                                      </a:rPr>
-                                    </m:ctrlPr>
-                                  </m:dPr>
-                                  <m:e>
-                                    <m:sSub>
-                                      <m:sSubPr>
-                                        <m:ctrlPr>
-                                          <a:rPr lang="en-US" b="0" i="1" smtClean="0">
-                                            <a:latin typeface="Cambria Math" panose="02040503050406030204" pitchFamily="18" charset="0"/>
-                                          </a:rPr>
-                                        </m:ctrlPr>
-                                      </m:sSubPr>
-                                      <m:e>
-                                        <m:r>
-                                          <a:rPr lang="en-US" b="0" i="1" smtClean="0">
-                                            <a:latin typeface="Cambria Math" panose="02040503050406030204" pitchFamily="18" charset="0"/>
-                                          </a:rPr>
-                                          <m:t>𝑥</m:t>
-                                        </m:r>
-                                      </m:e>
-                                      <m:sub>
-                                        <m:r>
-                                          <a:rPr lang="en-US" b="0" i="1" smtClean="0">
-                                            <a:latin typeface="Cambria Math" panose="02040503050406030204" pitchFamily="18" charset="0"/>
-                                          </a:rPr>
-                                          <m:t>1</m:t>
-                                        </m:r>
-                                      </m:sub>
-                                    </m:sSub>
-                                  </m:e>
-                                  <m:e>
-                                    <m:r>
-                                      <a:rPr lang="en-US" i="1">
-                                        <a:latin typeface="Cambria Math" panose="02040503050406030204" pitchFamily="18" charset="0"/>
-                                      </a:rPr>
-                                      <m:t>𝑦</m:t>
-                                    </m:r>
-                                    <m:r>
-                                      <a:rPr lang="en-US" i="1">
-                                        <a:latin typeface="Cambria Math" panose="02040503050406030204" pitchFamily="18" charset="0"/>
-                                      </a:rPr>
-                                      <m:t>=0</m:t>
-                                    </m:r>
-                                  </m:e>
-                                </m:d>
-                              </m:den>
-                            </m:f>
-                          </m:e>
-                        </m:func>
-                        <m:r>
-                          <a:rPr lang="en-US" b="0" i="1" smtClean="0">
-                            <a:latin typeface="Cambria Math" panose="02040503050406030204" pitchFamily="18" charset="0"/>
-                          </a:rPr>
-                          <m:t>,…,</m:t>
-                        </m:r>
-                        <m:func>
-                          <m:funcPr>
-                            <m:ctrlPr>
-                              <a:rPr lang="en-US" i="1">
-                                <a:latin typeface="Cambria Math" panose="02040503050406030204" pitchFamily="18" charset="0"/>
-                              </a:rPr>
-                            </m:ctrlPr>
-                          </m:funcPr>
-                          <m:fName>
-                            <m:r>
-                              <m:rPr>
-                                <m:sty m:val="p"/>
-                              </m:rPr>
-                              <a:rPr lang="en-US">
-                                <a:latin typeface="Cambria Math" panose="02040503050406030204" pitchFamily="18" charset="0"/>
-                              </a:rPr>
-                              <m:t>log</m:t>
-                            </m:r>
-                          </m:fName>
-                          <m:e>
-                            <m:f>
-                              <m:fPr>
-                                <m:ctrlPr>
-                                  <a:rPr lang="en-US" i="1">
-                                    <a:latin typeface="Cambria Math" panose="02040503050406030204" pitchFamily="18" charset="0"/>
-                                  </a:rPr>
-                                </m:ctrlPr>
-                              </m:fPr>
-                              <m:num>
-                                <m:r>
-                                  <a:rPr lang="en-US" i="1">
-                                    <a:latin typeface="Cambria Math" panose="02040503050406030204" pitchFamily="18" charset="0"/>
-                                  </a:rPr>
-                                  <m:t>𝑃</m:t>
-                                </m:r>
-                                <m:d>
-                                  <m:dPr>
-                                    <m:ctrlPr>
-                                      <a:rPr lang="en-US" i="1">
-                                        <a:latin typeface="Cambria Math" panose="02040503050406030204" pitchFamily="18" charset="0"/>
-                                      </a:rPr>
-                                    </m:ctrlPr>
-                                  </m:dPr>
-                                  <m:e>
-                                    <m:sSub>
-                                      <m:sSubPr>
+                                    <m:d>
+                                      <m:dPr>
                                         <m:ctrlPr>
                                           <a:rPr lang="en-US" i="1">
                                             <a:latin typeface="Cambria Math" panose="02040503050406030204" pitchFamily="18" charset="0"/>
                                           </a:rPr>
                                         </m:ctrlPr>
-                                      </m:sSubPr>
+                                      </m:dPr>
+                                      <m:e>
+                                        <m:sSub>
+                                          <m:sSubPr>
+                                            <m:ctrlPr>
+                                              <a:rPr lang="en-US" i="1">
+                                                <a:latin typeface="Cambria Math" panose="02040503050406030204" pitchFamily="18" charset="0"/>
+                                              </a:rPr>
+                                            </m:ctrlPr>
+                                          </m:sSubPr>
+                                          <m:e>
+                                            <m:r>
+                                              <a:rPr lang="en-US" i="1">
+                                                <a:latin typeface="Cambria Math" panose="02040503050406030204" pitchFamily="18" charset="0"/>
+                                              </a:rPr>
+                                              <m:t>𝑥</m:t>
+                                            </m:r>
+                                          </m:e>
+                                          <m:sub>
+                                            <m:r>
+                                              <a:rPr lang="en-US" i="1">
+                                                <a:latin typeface="Cambria Math" panose="02040503050406030204" pitchFamily="18" charset="0"/>
+                                              </a:rPr>
+                                              <m:t>𝑣</m:t>
+                                            </m:r>
+                                          </m:sub>
+                                        </m:sSub>
+                                      </m:e>
                                       <m:e>
                                         <m:r>
                                           <a:rPr lang="en-US" i="1">
                                             <a:latin typeface="Cambria Math" panose="02040503050406030204" pitchFamily="18" charset="0"/>
                                           </a:rPr>
-                                          <m:t>𝑥</m:t>
+                                          <m:t>𝑦</m:t>
                                         </m:r>
-                                      </m:e>
-                                      <m:sub>
-                                        <m:r>
-                                          <a:rPr lang="en-US" b="0" i="1" smtClean="0">
-                                            <a:latin typeface="Cambria Math" panose="02040503050406030204" pitchFamily="18" charset="0"/>
-                                          </a:rPr>
-                                          <m:t>𝑣</m:t>
-                                        </m:r>
-                                      </m:sub>
-                                    </m:sSub>
-                                  </m:e>
-                                  <m:e>
-                                    <m:r>
-                                      <a:rPr lang="en-US" i="1">
-                                        <a:latin typeface="Cambria Math" panose="02040503050406030204" pitchFamily="18" charset="0"/>
-                                      </a:rPr>
-                                      <m:t>𝑦</m:t>
-                                    </m:r>
-                                    <m:r>
-                                      <a:rPr lang="en-US" i="1">
-                                        <a:latin typeface="Cambria Math" panose="02040503050406030204" pitchFamily="18" charset="0"/>
-                                      </a:rPr>
-                                      <m:t>=1</m:t>
-                                    </m:r>
-                                  </m:e>
-                                </m:d>
-                              </m:num>
-                              <m:den>
-                                <m:r>
-                                  <a:rPr lang="en-US" i="1">
-                                    <a:latin typeface="Cambria Math" panose="02040503050406030204" pitchFamily="18" charset="0"/>
-                                  </a:rPr>
-                                  <m:t>𝑃</m:t>
-                                </m:r>
-                                <m:d>
-                                  <m:dPr>
-                                    <m:ctrlPr>
-                                      <a:rPr lang="en-US" i="1">
-                                        <a:latin typeface="Cambria Math" panose="02040503050406030204" pitchFamily="18" charset="0"/>
-                                      </a:rPr>
-                                    </m:ctrlPr>
-                                  </m:dPr>
-                                  <m:e>
-                                    <m:sSub>
-                                      <m:sSubPr>
-                                        <m:ctrlPr>
-                                          <a:rPr lang="en-US" i="1">
-                                            <a:latin typeface="Cambria Math" panose="02040503050406030204" pitchFamily="18" charset="0"/>
-                                          </a:rPr>
-                                        </m:ctrlPr>
-                                      </m:sSubPr>
-                                      <m:e>
                                         <m:r>
                                           <a:rPr lang="en-US" i="1">
                                             <a:latin typeface="Cambria Math" panose="02040503050406030204" pitchFamily="18" charset="0"/>
                                           </a:rPr>
-                                          <m:t>𝑥</m:t>
+                                          <m:t>=0</m:t>
                                         </m:r>
                                       </m:e>
-                                      <m:sub>
-                                        <m:r>
-                                          <a:rPr lang="en-US" b="0" i="1" smtClean="0">
-                                            <a:latin typeface="Cambria Math" panose="02040503050406030204" pitchFamily="18" charset="0"/>
-                                          </a:rPr>
-                                          <m:t>𝑣</m:t>
-                                        </m:r>
-                                      </m:sub>
-                                    </m:sSub>
-                                  </m:e>
-                                  <m:e>
-                                    <m:r>
-                                      <a:rPr lang="en-US" i="1">
-                                        <a:latin typeface="Cambria Math" panose="02040503050406030204" pitchFamily="18" charset="0"/>
-                                      </a:rPr>
-                                      <m:t>𝑦</m:t>
-                                    </m:r>
-                                    <m:r>
-                                      <a:rPr lang="en-US" i="1">
-                                        <a:latin typeface="Cambria Math" panose="02040503050406030204" pitchFamily="18" charset="0"/>
-                                      </a:rPr>
-                                      <m:t>=0</m:t>
-                                    </m:r>
-                                  </m:e>
-                                </m:d>
-                              </m:den>
-                            </m:f>
+                                    </m:d>
+                                  </m:den>
+                                </m:f>
+                              </m:e>
+                            </m:func>
                           </m:e>
-                        </m:func>
-                        <m:r>
-                          <a:rPr lang="en-US" b="0" i="1" smtClean="0">
-                            <a:latin typeface="Cambria Math" panose="02040503050406030204" pitchFamily="18" charset="0"/>
-                          </a:rPr>
-                          <m:t>)</m:t>
-                        </m:r>
+                        </m:d>
                       </m:oMath>
                     </m:oMathPara>
                   </a14:m>
@@ -32449,7 +33338,7 @@
               </p:txBody>
             </p:sp>
           </mc:Choice>
-          <mc:Fallback xmlns="">
+          <mc:Fallback>
             <p:sp>
               <p:nvSpPr>
                 <p:cNvPr id="10" name="TextBox 9"/>
@@ -32460,8 +33349,8 @@
               </p:nvSpPr>
               <p:spPr>
                 <a:xfrm>
-                  <a:off x="2036164" y="4586795"/>
-                  <a:ext cx="5583836" cy="584840"/>
+                  <a:off x="2028073" y="4665055"/>
+                  <a:ext cx="5662704" cy="622350"/>
                 </a:xfrm>
                 <a:prstGeom prst="rect">
                   <a:avLst/>
@@ -32709,10 +33598,10 @@
         </p:nvGrpSpPr>
         <p:grpSpPr>
           <a:xfrm>
-            <a:off x="3764714" y="4145516"/>
-            <a:ext cx="5319266" cy="369332"/>
-            <a:chOff x="3764714" y="4102370"/>
-            <a:chExt cx="5319266" cy="369332"/>
+            <a:off x="3838706" y="4373680"/>
+            <a:ext cx="5296612" cy="369332"/>
+            <a:chOff x="3838706" y="4330534"/>
+            <a:chExt cx="5296612" cy="369332"/>
           </a:xfrm>
         </p:grpSpPr>
         <p:cxnSp>
@@ -32725,7 +33614,7 @@
           </p:nvCxnSpPr>
           <p:spPr>
             <a:xfrm flipH="1" flipV="1">
-              <a:off x="3764714" y="4147618"/>
+              <a:off x="3838706" y="4359983"/>
               <a:ext cx="444821" cy="152536"/>
             </a:xfrm>
             <a:prstGeom prst="straightConnector1">
@@ -32761,7 +33650,7 @@
           </p:nvSpPr>
           <p:spPr>
             <a:xfrm>
-              <a:off x="4232189" y="4102370"/>
+              <a:off x="4283527" y="4330534"/>
               <a:ext cx="4851791" cy="369332"/>
             </a:xfrm>
             <a:prstGeom prst="rect">
@@ -32820,23 +33709,7 @@
                   <a:srgbClr val="FF0000"/>
                 </a:solidFill>
               </a:rPr>
-              <a:t>We will come back to this </a:t>
-            </a:r>
-            <a:r>
-              <a:rPr lang="en-US" dirty="0" smtClean="0">
-                <a:solidFill>
-                  <a:srgbClr val="FF0000"/>
-                </a:solidFill>
-              </a:rPr>
-              <a:t>topic later</a:t>
-            </a:r>
-            <a:r>
-              <a:rPr lang="en-US" dirty="0" smtClean="0">
-                <a:solidFill>
-                  <a:srgbClr val="FF0000"/>
-                </a:solidFill>
-              </a:rPr>
-              <a:t>.</a:t>
+              <a:t>We will come back to this topic later.</a:t>
             </a:r>
             <a:endParaRPr lang="en-US" dirty="0">
               <a:solidFill>
@@ -33109,7 +33982,11 @@
           <a:p>
             <a:r>
               <a:rPr lang="en-US" dirty="0" smtClean="0"/>
-              <a:t>Enhancing Naïve Bayes for text classification</a:t>
+              <a:t>Enhancing Naïve Bayes for text </a:t>
+            </a:r>
+            <a:r>
+              <a:rPr lang="en-US" dirty="0" smtClean="0"/>
+              <a:t>classification II</a:t>
             </a:r>
             <a:endParaRPr lang="en-US" dirty="0"/>
           </a:p>
@@ -33804,7 +34681,11 @@
           <a:p>
             <a:r>
               <a:rPr lang="en-US" dirty="0" smtClean="0"/>
-              <a:t>Enhancing Naïve Bayes for text classification</a:t>
+              <a:t>Enhancing Naïve Bayes for text </a:t>
+            </a:r>
+            <a:r>
+              <a:rPr lang="en-US" dirty="0" smtClean="0"/>
+              <a:t>classification III</a:t>
             </a:r>
             <a:endParaRPr lang="en-US" dirty="0"/>
           </a:p>
@@ -40946,11 +41827,7 @@
             <a:p>
               <a:r>
                 <a:rPr lang="en-US" i="1" dirty="0" smtClean="0"/>
-                <a:t>Counting the nearest neighbors from </a:t>
-              </a:r>
-              <a:r>
-                <a:rPr lang="en-US" i="1" dirty="0" smtClean="0"/>
-                <a:t>class 1</a:t>
+                <a:t>Counting the nearest neighbors from class 1</a:t>
               </a:r>
               <a:endParaRPr lang="en-US" i="1" dirty="0"/>
             </a:p>

--- a/docs/kNN & Naïve Bayes.pptx
+++ b/docs/kNN & Naïve Bayes.pptx
@@ -245,7 +245,7 @@
           <a:p>
             <a:fld id="{9A2D3781-CE78-4015-89C7-4E1DF9CFA5A2}" type="datetimeFigureOut">
               <a:rPr lang="en-US" smtClean="0"/>
-              <a:t>4/6/2015</a:t>
+              <a:t>3/21/2016</a:t>
             </a:fld>
             <a:endParaRPr lang="en-US"/>
           </a:p>
@@ -6852,8 +6852,13 @@
           <a:p>
             <a:r>
               <a:rPr lang="en-US" dirty="0" smtClean="0"/>
-              <a:t>Approximate solutions</a:t>
+              <a:t>Approximate </a:t>
             </a:r>
+            <a:r>
+              <a:rPr lang="en-US" dirty="0" smtClean="0"/>
+              <a:t>solution</a:t>
+            </a:r>
+            <a:endParaRPr lang="en-US" dirty="0" smtClean="0"/>
           </a:p>
           <a:p>
             <a:pPr lvl="1"/>
@@ -14275,8 +14280,8 @@
           </a:p>
         </p:txBody>
       </p:sp>
-      <mc:AlternateContent xmlns:mc="http://schemas.openxmlformats.org/markup-compatibility/2006" xmlns:a14="http://schemas.microsoft.com/office/drawing/2010/main">
-        <mc:Choice Requires="a14">
+      <mc:AlternateContent xmlns:mc="http://schemas.openxmlformats.org/markup-compatibility/2006">
+        <mc:Choice xmlns:a14="http://schemas.microsoft.com/office/drawing/2010/main" Requires="a14">
           <p:sp>
             <p:nvSpPr>
               <p:cNvPr id="3" name="Content Placeholder 2"/>
@@ -14298,7 +14303,15 @@
                 </a:r>
                 <a:r>
                   <a:rPr lang="en-US" dirty="0"/>
-                  <a:t>the cosine distance between </a:t>
+                  <a:t>the cosine </a:t>
+                </a:r>
+                <a:r>
+                  <a:rPr lang="en-US" dirty="0" smtClean="0"/>
+                  <a:t>similarity </a:t>
+                </a:r>
+                <a:r>
+                  <a:rPr lang="en-US" dirty="0" smtClean="0"/>
+                  <a:t>between </a:t>
                 </a:r>
                 <a:r>
                   <a:rPr lang="en-US" dirty="0" smtClean="0"/>
@@ -14583,7 +14596,7 @@
             </p:txBody>
           </p:sp>
         </mc:Choice>
-        <mc:Fallback xmlns="">
+        <mc:Fallback>
           <p:sp>
             <p:nvSpPr>
               <p:cNvPr id="3" name="Content Placeholder 2"/>
@@ -30268,18 +30281,14 @@
           <a:p>
             <a:r>
               <a:rPr lang="en-US" dirty="0" smtClean="0"/>
-              <a:t>Enhancing Naïve Bayes for text </a:t>
-            </a:r>
-            <a:r>
-              <a:rPr lang="en-US" dirty="0" smtClean="0"/>
-              <a:t>classification I</a:t>
+              <a:t>Enhancing Naïve Bayes for text classification I</a:t>
             </a:r>
             <a:endParaRPr lang="en-US" dirty="0"/>
           </a:p>
         </p:txBody>
       </p:sp>
-      <mc:AlternateContent xmlns:mc="http://schemas.openxmlformats.org/markup-compatibility/2006">
-        <mc:Choice xmlns:a14="http://schemas.microsoft.com/office/drawing/2010/main" Requires="a14">
+      <mc:AlternateContent xmlns:mc="http://schemas.openxmlformats.org/markup-compatibility/2006" xmlns:a14="http://schemas.microsoft.com/office/drawing/2010/main">
+        <mc:Choice Requires="a14">
           <p:sp>
             <p:nvSpPr>
               <p:cNvPr id="3" name="Content Placeholder 2"/>
@@ -30653,7 +30662,7 @@
             </p:txBody>
           </p:sp>
         </mc:Choice>
-        <mc:Fallback>
+        <mc:Fallback xmlns="">
           <p:sp>
             <p:nvSpPr>
               <p:cNvPr id="3" name="Content Placeholder 2"/>
@@ -32237,8 +32246,8 @@
           </a:p>
         </p:txBody>
       </p:sp>
-      <mc:AlternateContent xmlns:mc="http://schemas.openxmlformats.org/markup-compatibility/2006">
-        <mc:Choice xmlns:a14="http://schemas.microsoft.com/office/drawing/2010/main" Requires="a14">
+      <mc:AlternateContent xmlns:mc="http://schemas.openxmlformats.org/markup-compatibility/2006" xmlns:a14="http://schemas.microsoft.com/office/drawing/2010/main">
+        <mc:Choice Requires="a14">
           <p:sp>
             <p:nvSpPr>
               <p:cNvPr id="7" name="TextBox 6"/>
@@ -32649,7 +32658,7 @@
             </p:txBody>
           </p:sp>
         </mc:Choice>
-        <mc:Fallback>
+        <mc:Fallback xmlns="">
           <p:sp>
             <p:nvSpPr>
               <p:cNvPr id="7" name="TextBox 6"/>
@@ -32877,8 +32886,8 @@
             </a:p>
           </p:txBody>
         </p:sp>
-        <mc:AlternateContent xmlns:mc="http://schemas.openxmlformats.org/markup-compatibility/2006">
-          <mc:Choice xmlns:a14="http://schemas.microsoft.com/office/drawing/2010/main" Requires="a14">
+        <mc:AlternateContent xmlns:mc="http://schemas.openxmlformats.org/markup-compatibility/2006" xmlns:a14="http://schemas.microsoft.com/office/drawing/2010/main">
+          <mc:Choice Requires="a14">
             <p:sp>
               <p:nvSpPr>
                 <p:cNvPr id="10" name="TextBox 9"/>
@@ -33338,7 +33347,7 @@
               </p:txBody>
             </p:sp>
           </mc:Choice>
-          <mc:Fallback>
+          <mc:Fallback xmlns="">
             <p:sp>
               <p:nvSpPr>
                 <p:cNvPr id="10" name="TextBox 9"/>
@@ -33982,11 +33991,7 @@
           <a:p>
             <a:r>
               <a:rPr lang="en-US" dirty="0" smtClean="0"/>
-              <a:t>Enhancing Naïve Bayes for text </a:t>
-            </a:r>
-            <a:r>
-              <a:rPr lang="en-US" dirty="0" smtClean="0"/>
-              <a:t>classification II</a:t>
+              <a:t>Enhancing Naïve Bayes for text classification II</a:t>
             </a:r>
             <a:endParaRPr lang="en-US" dirty="0"/>
           </a:p>
@@ -34681,11 +34686,7 @@
           <a:p>
             <a:r>
               <a:rPr lang="en-US" dirty="0" smtClean="0"/>
-              <a:t>Enhancing Naïve Bayes for text </a:t>
-            </a:r>
-            <a:r>
-              <a:rPr lang="en-US" dirty="0" smtClean="0"/>
-              <a:t>classification III</a:t>
+              <a:t>Enhancing Naïve Bayes for text classification III</a:t>
             </a:r>
             <a:endParaRPr lang="en-US" dirty="0"/>
           </a:p>

--- a/docs/kNN & Naïve Bayes.pptx
+++ b/docs/kNN & Naïve Bayes.pptx
@@ -245,7 +245,7 @@
           <a:p>
             <a:fld id="{9A2D3781-CE78-4015-89C7-4E1DF9CFA5A2}" type="datetimeFigureOut">
               <a:rPr lang="en-US" smtClean="0"/>
-              <a:t>3/21/2016</a:t>
+              <a:t>3/23/2016</a:t>
             </a:fld>
             <a:endParaRPr lang="en-US"/>
           </a:p>
@@ -4820,8 +4820,8 @@
           </a:p>
         </p:txBody>
       </p:sp>
-      <mc:AlternateContent xmlns:mc="http://schemas.openxmlformats.org/markup-compatibility/2006" xmlns:a14="http://schemas.microsoft.com/office/drawing/2010/main">
-        <mc:Choice Requires="a14">
+      <mc:AlternateContent xmlns:mc="http://schemas.openxmlformats.org/markup-compatibility/2006">
+        <mc:Choice xmlns:a14="http://schemas.microsoft.com/office/drawing/2010/main" Requires="a14">
           <p:sp>
             <p:nvSpPr>
               <p:cNvPr id="3" name="Content Placeholder 2"/>
@@ -4865,8 +4865,13 @@
                 <a:pPr lvl="1"/>
                 <a:r>
                   <a:rPr lang="en-US" dirty="0" smtClean="0"/>
-                  <a:t>Assume we have a vocabulary of 15k</a:t>
+                  <a:t>Assume we have a vocabulary of </a:t>
                 </a:r>
+                <a:r>
+                  <a:rPr lang="en-US" dirty="0" smtClean="0"/>
+                  <a:t>15K</a:t>
+                </a:r>
+                <a:endParaRPr lang="en-US" dirty="0" smtClean="0"/>
               </a:p>
               <a:p>
                 <a:pPr lvl="1"/>
@@ -4915,7 +4920,7 @@
             </p:txBody>
           </p:sp>
         </mc:Choice>
-        <mc:Fallback xmlns="">
+        <mc:Fallback>
           <p:sp>
             <p:nvSpPr>
               <p:cNvPr id="3" name="Content Placeholder 2"/>
@@ -5026,7 +5031,7 @@
         </p:nvGrpSpPr>
         <p:grpSpPr>
           <a:xfrm>
-            <a:off x="333633" y="4497859"/>
+            <a:off x="354415" y="4497859"/>
             <a:ext cx="2380735" cy="1086025"/>
             <a:chOff x="333633" y="4497859"/>
             <a:chExt cx="2380735" cy="1086025"/>
@@ -5109,7 +5114,7 @@
         </p:nvGrpSpPr>
         <p:grpSpPr>
           <a:xfrm>
-            <a:off x="2368379" y="4497859"/>
+            <a:off x="2389161" y="4497859"/>
             <a:ext cx="2603156" cy="1086025"/>
             <a:chOff x="2368379" y="4497859"/>
             <a:chExt cx="2603156" cy="1086025"/>
@@ -5190,7 +5195,7 @@
         </p:nvGrpSpPr>
         <p:grpSpPr>
           <a:xfrm>
-            <a:off x="2590802" y="4486874"/>
+            <a:off x="2611584" y="4486874"/>
             <a:ext cx="3091246" cy="545114"/>
             <a:chOff x="2590802" y="4486874"/>
             <a:chExt cx="3091246" cy="545114"/>
@@ -5309,11 +5314,7 @@
                                           </p:stCondLst>
                                         </p:cTn>
                                         <p:tgtEl>
-                                          <p:spTgt spid="3">
-                                            <p:txEl>
-                                              <p:pRg st="3" end="3"/>
-                                            </p:txEl>
-                                          </p:spTgt>
+                                          <p:spTgt spid="10"/>
                                         </p:tgtEl>
                                         <p:attrNameLst>
                                           <p:attrName>style.visibility</p:attrName>
@@ -5340,82 +5341,6 @@
                                           </p:stCondLst>
                                         </p:cTn>
                                         <p:tgtEl>
-                                          <p:spTgt spid="3">
-                                            <p:txEl>
-                                              <p:pRg st="4" end="4"/>
-                                            </p:txEl>
-                                          </p:spTgt>
-                                        </p:tgtEl>
-                                        <p:attrNameLst>
-                                          <p:attrName>style.visibility</p:attrName>
-                                        </p:attrNameLst>
-                                      </p:cBhvr>
-                                      <p:to>
-                                        <p:strVal val="visible"/>
-                                      </p:to>
-                                    </p:set>
-                                  </p:childTnLst>
-                                </p:cTn>
-                              </p:par>
-                            </p:childTnLst>
-                          </p:cTn>
-                        </p:par>
-                      </p:childTnLst>
-                    </p:cTn>
-                  </p:par>
-                  <p:par>
-                    <p:cTn id="9" fill="hold">
-                      <p:stCondLst>
-                        <p:cond delay="indefinite"/>
-                      </p:stCondLst>
-                      <p:childTnLst>
-                        <p:par>
-                          <p:cTn id="10" fill="hold">
-                            <p:stCondLst>
-                              <p:cond delay="0"/>
-                            </p:stCondLst>
-                            <p:childTnLst>
-                              <p:par>
-                                <p:cTn id="11" presetID="1" presetClass="entr" presetSubtype="0" fill="hold" nodeType="clickEffect">
-                                  <p:stCondLst>
-                                    <p:cond delay="0"/>
-                                  </p:stCondLst>
-                                  <p:childTnLst>
-                                    <p:set>
-                                      <p:cBhvr>
-                                        <p:cTn id="12" dur="1" fill="hold">
-                                          <p:stCondLst>
-                                            <p:cond delay="0"/>
-                                          </p:stCondLst>
-                                        </p:cTn>
-                                        <p:tgtEl>
-                                          <p:spTgt spid="10"/>
-                                        </p:tgtEl>
-                                        <p:attrNameLst>
-                                          <p:attrName>style.visibility</p:attrName>
-                                        </p:attrNameLst>
-                                      </p:cBhvr>
-                                      <p:to>
-                                        <p:strVal val="visible"/>
-                                      </p:to>
-                                    </p:set>
-                                  </p:childTnLst>
-                                </p:cTn>
-                              </p:par>
-                              <p:par>
-                                <p:cTn id="13" presetID="1" presetClass="entr" presetSubtype="0" fill="hold" nodeType="withEffect">
-                                  <p:stCondLst>
-                                    <p:cond delay="0"/>
-                                  </p:stCondLst>
-                                  <p:childTnLst>
-                                    <p:set>
-                                      <p:cBhvr>
-                                        <p:cTn id="14" dur="1" fill="hold">
-                                          <p:stCondLst>
-                                            <p:cond delay="0"/>
-                                          </p:stCondLst>
-                                        </p:cTn>
-                                        <p:tgtEl>
                                           <p:spTgt spid="14"/>
                                         </p:tgtEl>
                                         <p:attrNameLst>
@@ -5430,14 +5355,14 @@
                                 </p:cTn>
                               </p:par>
                               <p:par>
-                                <p:cTn id="15" presetID="1" presetClass="entr" presetSubtype="0" fill="hold" nodeType="withEffect">
+                                <p:cTn id="9" presetID="1" presetClass="entr" presetSubtype="0" fill="hold" nodeType="withEffect">
                                   <p:stCondLst>
                                     <p:cond delay="0"/>
                                   </p:stCondLst>
                                   <p:childTnLst>
                                     <p:set>
                                       <p:cBhvr>
-                                        <p:cTn id="16" dur="1" fill="hold">
+                                        <p:cTn id="10" dur="1" fill="hold">
                                           <p:stCondLst>
                                             <p:cond delay="0"/>
                                           </p:stCondLst>
@@ -5550,8 +5475,13 @@
             <a:pPr lvl="1"/>
             <a:r>
               <a:rPr lang="en-US" dirty="0" smtClean="0"/>
-              <a:t>Build inverted index for documents</a:t>
+              <a:t>Build inverted index for </a:t>
             </a:r>
+            <a:r>
+              <a:rPr lang="en-US" dirty="0" smtClean="0"/>
+              <a:t>text documents</a:t>
+            </a:r>
+            <a:endParaRPr lang="en-US" dirty="0" smtClean="0"/>
           </a:p>
           <a:p>
             <a:pPr lvl="2"/>
@@ -6654,8 +6584,13 @@
             <a:pPr lvl="1"/>
             <a:r>
               <a:rPr lang="en-US" dirty="0" smtClean="0"/>
-              <a:t>Build inverted index for documents</a:t>
+              <a:t>Build inverted index for </a:t>
             </a:r>
+            <a:r>
+              <a:rPr lang="en-US" dirty="0" smtClean="0"/>
+              <a:t>text documents</a:t>
+            </a:r>
+            <a:endParaRPr lang="en-US" dirty="0" smtClean="0"/>
           </a:p>
           <a:p>
             <a:pPr lvl="2"/>
@@ -6852,13 +6787,8 @@
           <a:p>
             <a:r>
               <a:rPr lang="en-US" dirty="0" smtClean="0"/>
-              <a:t>Approximate </a:t>
+              <a:t>Approximate solution</a:t>
             </a:r>
-            <a:r>
-              <a:rPr lang="en-US" dirty="0" smtClean="0"/>
-              <a:t>solution</a:t>
-            </a:r>
-            <a:endParaRPr lang="en-US" dirty="0" smtClean="0"/>
           </a:p>
           <a:p>
             <a:pPr lvl="1"/>
@@ -14280,8 +14210,8 @@
           </a:p>
         </p:txBody>
       </p:sp>
-      <mc:AlternateContent xmlns:mc="http://schemas.openxmlformats.org/markup-compatibility/2006">
-        <mc:Choice xmlns:a14="http://schemas.microsoft.com/office/drawing/2010/main" Requires="a14">
+      <mc:AlternateContent xmlns:mc="http://schemas.openxmlformats.org/markup-compatibility/2006" xmlns:a14="http://schemas.microsoft.com/office/drawing/2010/main">
+        <mc:Choice Requires="a14">
           <p:sp>
             <p:nvSpPr>
               <p:cNvPr id="3" name="Content Placeholder 2"/>
@@ -14307,15 +14237,7 @@
                 </a:r>
                 <a:r>
                   <a:rPr lang="en-US" dirty="0" smtClean="0"/>
-                  <a:t>similarity </a:t>
-                </a:r>
-                <a:r>
-                  <a:rPr lang="en-US" dirty="0" smtClean="0"/>
-                  <a:t>between </a:t>
-                </a:r>
-                <a:r>
-                  <a:rPr lang="en-US" dirty="0" smtClean="0"/>
-                  <a:t>vectors</a:t>
+                  <a:t>similarity between vectors</a:t>
                 </a:r>
               </a:p>
               <a:p>
@@ -14596,7 +14518,7 @@
             </p:txBody>
           </p:sp>
         </mc:Choice>
-        <mc:Fallback>
+        <mc:Fallback xmlns="">
           <p:sp>
             <p:nvSpPr>
               <p:cNvPr id="3" name="Content Placeholder 2"/>
@@ -24798,8 +24720,8 @@
           </p:sp>
         </mc:Fallback>
       </mc:AlternateContent>
-      <mc:AlternateContent xmlns:mc="http://schemas.openxmlformats.org/markup-compatibility/2006" xmlns:a14="http://schemas.microsoft.com/office/drawing/2010/main">
-        <mc:Choice Requires="a14">
+      <mc:AlternateContent xmlns:mc="http://schemas.openxmlformats.org/markup-compatibility/2006">
+        <mc:Choice xmlns:a14="http://schemas.microsoft.com/office/drawing/2010/main" Requires="a14">
           <p:sp>
             <p:nvSpPr>
               <p:cNvPr id="17" name="TextBox 16"/>
@@ -24870,7 +24792,25 @@
                           </a:solidFill>
                           <a:latin typeface="Cambria Math" panose="02040503050406030204" pitchFamily="18" charset="0"/>
                         </a:rPr>
+                        <m:t>(</m:t>
+                      </m:r>
+                      <m:r>
+                        <a:rPr lang="en-US" b="0" i="1" dirty="0" smtClean="0">
+                          <a:solidFill>
+                            <a:srgbClr val="FF0000"/>
+                          </a:solidFill>
+                          <a:latin typeface="Cambria Math" panose="02040503050406030204" pitchFamily="18" charset="0"/>
+                        </a:rPr>
                         <m:t>𝑉</m:t>
+                      </m:r>
+                      <m:r>
+                        <a:rPr lang="en-US" b="0" i="1" dirty="0" smtClean="0">
+                          <a:solidFill>
+                            <a:srgbClr val="FF0000"/>
+                          </a:solidFill>
+                          <a:latin typeface="Cambria Math" panose="02040503050406030204" pitchFamily="18" charset="0"/>
+                        </a:rPr>
+                        <m:t>−1)</m:t>
                       </m:r>
                     </m:oMath>
                   </m:oMathPara>
@@ -24884,7 +24824,7 @@
             </p:txBody>
           </p:sp>
         </mc:Choice>
-        <mc:Fallback xmlns="">
+        <mc:Fallback>
           <p:sp>
             <p:nvSpPr>
               <p:cNvPr id="17" name="TextBox 16"/>
@@ -24904,7 +24844,7 @@
               <a:blipFill rotWithShape="0">
                 <a:blip r:embed="rId6"/>
                 <a:stretch>
-                  <a:fillRect/>
+                  <a:fillRect b="-13333"/>
                 </a:stretch>
               </a:blipFill>
             </p:spPr>
@@ -25140,7 +25080,7 @@
         </p:nvGrpSpPr>
         <p:grpSpPr>
           <a:xfrm>
-            <a:off x="5258757" y="5053789"/>
+            <a:off x="5258757" y="5157699"/>
             <a:ext cx="3639885" cy="734904"/>
             <a:chOff x="5152836" y="5278549"/>
             <a:chExt cx="3639885" cy="734904"/>
